--- a/Notes/summer2020/Summer_Summary.pptx
+++ b/Notes/summer2020/Summer_Summary.pptx
@@ -123,6 +123,9 @@
         </p14:section>
       </p14:sectionLst>
     </p:ext>
+    <p:ext uri="{EFAFB233-063F-42B5-8137-9DF3F51BA10A}">
+      <p15:sldGuideLst xmlns:p15="http://schemas.microsoft.com/office/powerpoint/2012/main"/>
+    </p:ext>
   </p:extLst>
 </p:presentation>
 </file>
@@ -209,7 +212,7 @@
           <a:p>
             <a:fld id="{CB3DF5BE-4652-4BFC-8469-8FAEFABE5385}" type="datetimeFigureOut">
               <a:rPr lang="en-US" smtClean="0"/>
-              <a:t>7/8/2020</a:t>
+              <a:t>7/15/2020</a:t>
             </a:fld>
             <a:endParaRPr lang="en-US"/>
           </a:p>
@@ -872,7 +875,7 @@
           <a:p>
             <a:fld id="{5248DD35-FA55-4FF5-A2B8-ACB490128C85}" type="datetimeFigureOut">
               <a:rPr lang="en-US" smtClean="0"/>
-              <a:t>7/8/2020</a:t>
+              <a:t>7/15/2020</a:t>
             </a:fld>
             <a:endParaRPr lang="en-US"/>
           </a:p>
@@ -1070,7 +1073,7 @@
           <a:p>
             <a:fld id="{5248DD35-FA55-4FF5-A2B8-ACB490128C85}" type="datetimeFigureOut">
               <a:rPr lang="en-US" smtClean="0"/>
-              <a:t>7/8/2020</a:t>
+              <a:t>7/15/2020</a:t>
             </a:fld>
             <a:endParaRPr lang="en-US"/>
           </a:p>
@@ -1278,7 +1281,7 @@
           <a:p>
             <a:fld id="{5248DD35-FA55-4FF5-A2B8-ACB490128C85}" type="datetimeFigureOut">
               <a:rPr lang="en-US" smtClean="0"/>
-              <a:t>7/8/2020</a:t>
+              <a:t>7/15/2020</a:t>
             </a:fld>
             <a:endParaRPr lang="en-US"/>
           </a:p>
@@ -1476,7 +1479,7 @@
           <a:p>
             <a:fld id="{5248DD35-FA55-4FF5-A2B8-ACB490128C85}" type="datetimeFigureOut">
               <a:rPr lang="en-US" smtClean="0"/>
-              <a:t>7/8/2020</a:t>
+              <a:t>7/15/2020</a:t>
             </a:fld>
             <a:endParaRPr lang="en-US"/>
           </a:p>
@@ -1751,7 +1754,7 @@
           <a:p>
             <a:fld id="{5248DD35-FA55-4FF5-A2B8-ACB490128C85}" type="datetimeFigureOut">
               <a:rPr lang="en-US" smtClean="0"/>
-              <a:t>7/8/2020</a:t>
+              <a:t>7/15/2020</a:t>
             </a:fld>
             <a:endParaRPr lang="en-US"/>
           </a:p>
@@ -2016,7 +2019,7 @@
           <a:p>
             <a:fld id="{5248DD35-FA55-4FF5-A2B8-ACB490128C85}" type="datetimeFigureOut">
               <a:rPr lang="en-US" smtClean="0"/>
-              <a:t>7/8/2020</a:t>
+              <a:t>7/15/2020</a:t>
             </a:fld>
             <a:endParaRPr lang="en-US"/>
           </a:p>
@@ -2428,7 +2431,7 @@
           <a:p>
             <a:fld id="{5248DD35-FA55-4FF5-A2B8-ACB490128C85}" type="datetimeFigureOut">
               <a:rPr lang="en-US" smtClean="0"/>
-              <a:t>7/8/2020</a:t>
+              <a:t>7/15/2020</a:t>
             </a:fld>
             <a:endParaRPr lang="en-US"/>
           </a:p>
@@ -2569,7 +2572,7 @@
           <a:p>
             <a:fld id="{5248DD35-FA55-4FF5-A2B8-ACB490128C85}" type="datetimeFigureOut">
               <a:rPr lang="en-US" smtClean="0"/>
-              <a:t>7/8/2020</a:t>
+              <a:t>7/15/2020</a:t>
             </a:fld>
             <a:endParaRPr lang="en-US"/>
           </a:p>
@@ -2682,7 +2685,7 @@
           <a:p>
             <a:fld id="{5248DD35-FA55-4FF5-A2B8-ACB490128C85}" type="datetimeFigureOut">
               <a:rPr lang="en-US" smtClean="0"/>
-              <a:t>7/8/2020</a:t>
+              <a:t>7/15/2020</a:t>
             </a:fld>
             <a:endParaRPr lang="en-US"/>
           </a:p>
@@ -2993,7 +2996,7 @@
           <a:p>
             <a:fld id="{5248DD35-FA55-4FF5-A2B8-ACB490128C85}" type="datetimeFigureOut">
               <a:rPr lang="en-US" smtClean="0"/>
-              <a:t>7/8/2020</a:t>
+              <a:t>7/15/2020</a:t>
             </a:fld>
             <a:endParaRPr lang="en-US"/>
           </a:p>
@@ -3281,7 +3284,7 @@
           <a:p>
             <a:fld id="{5248DD35-FA55-4FF5-A2B8-ACB490128C85}" type="datetimeFigureOut">
               <a:rPr lang="en-US" smtClean="0"/>
-              <a:t>7/8/2020</a:t>
+              <a:t>7/15/2020</a:t>
             </a:fld>
             <a:endParaRPr lang="en-US"/>
           </a:p>
@@ -3522,7 +3525,7 @@
           <a:p>
             <a:fld id="{5248DD35-FA55-4FF5-A2B8-ACB490128C85}" type="datetimeFigureOut">
               <a:rPr lang="en-US" smtClean="0"/>
-              <a:t>7/8/2020</a:t>
+              <a:t>7/15/2020</a:t>
             </a:fld>
             <a:endParaRPr lang="en-US"/>
           </a:p>
@@ -3996,7 +3999,7 @@
               <a:p>
                 <a:r>
                   <a:rPr lang="en-US" dirty="0"/>
-                  <a:t>Wrote a basic writeup for OSI layered model, with a rudimentary understanding of the theory behind </a:t>
+                  <a:t>Composed a basic writeup for OSI layered model, with a rudimentary understanding of the theory behind </a:t>
                 </a:r>
                 <a14:m>
                   <m:oMath xmlns:m="http://schemas.openxmlformats.org/officeDocument/2006/math">
@@ -4063,7 +4066,7 @@
               <a:blipFill>
                 <a:blip r:embed="rId3"/>
                 <a:stretch>
-                  <a:fillRect l="-1043" t="-2241"/>
+                  <a:fillRect l="-1043" t="-2241" r="-406"/>
                 </a:stretch>
               </a:blipFill>
             </p:spPr>
@@ -4144,8 +4147,8 @@
           </a:p>
         </p:txBody>
       </p:sp>
-      <mc:AlternateContent xmlns:mc="http://schemas.openxmlformats.org/markup-compatibility/2006">
-        <mc:Choice xmlns:a14="http://schemas.microsoft.com/office/drawing/2010/main" Requires="a14">
+      <mc:AlternateContent xmlns:mc="http://schemas.openxmlformats.org/markup-compatibility/2006" xmlns:a14="http://schemas.microsoft.com/office/drawing/2010/main">
+        <mc:Choice Requires="a14">
           <p:sp>
             <p:nvSpPr>
               <p:cNvPr id="4" name="Content Placeholder 3">
@@ -4288,7 +4291,7 @@
             </p:txBody>
           </p:sp>
         </mc:Choice>
-        <mc:Fallback>
+        <mc:Fallback xmlns="">
           <p:sp>
             <p:nvSpPr>
               <p:cNvPr id="4" name="Content Placeholder 3">
@@ -4402,12 +4405,29 @@
             <p:ph idx="1"/>
           </p:nvPr>
         </p:nvSpPr>
-        <p:spPr/>
-        <p:txBody>
-          <a:bodyPr/>
-          <a:lstStyle/>
-          <a:p>
-            <a:endParaRPr lang="en-US"/>
+        <p:spPr>
+          <a:xfrm>
+            <a:off x="838200" y="1799121"/>
+            <a:ext cx="10515600" cy="4351338"/>
+          </a:xfrm>
+        </p:spPr>
+        <p:txBody>
+          <a:bodyPr/>
+          <a:lstStyle/>
+          <a:p>
+            <a:r>
+              <a:rPr lang="en-US" dirty="0"/>
+              <a:t>Summarized the basic functionality and background behind git</a:t>
+            </a:r>
+          </a:p>
+          <a:p>
+            <a:r>
+              <a:rPr lang="en-US" dirty="0"/>
+              <a:t>Read the documentation and parsed the information into a relevant summary</a:t>
+            </a:r>
+          </a:p>
+          <a:p>
+            <a:endParaRPr lang="en-US" dirty="0"/>
           </a:p>
         </p:txBody>
       </p:sp>
@@ -4494,7 +4514,74 @@
           <a:bodyPr/>
           <a:lstStyle/>
           <a:p>
-            <a:endParaRPr lang="en-US"/>
+            <a:r>
+              <a:rPr lang="en-US" dirty="0"/>
+              <a:t>Programmed a GIT GUI</a:t>
+            </a:r>
+          </a:p>
+          <a:p>
+            <a:pPr lvl="1"/>
+            <a:r>
+              <a:rPr lang="en-US" dirty="0"/>
+              <a:t>Made several key decisions within the GUI</a:t>
+            </a:r>
+          </a:p>
+          <a:p>
+            <a:pPr lvl="2"/>
+            <a:r>
+              <a:rPr lang="en-US" dirty="0"/>
+              <a:t>Technologies used include Electron, npm, Materialize and VanillaJS/HTML/CSS</a:t>
+            </a:r>
+          </a:p>
+          <a:p>
+            <a:pPr lvl="2"/>
+            <a:r>
+              <a:rPr lang="en-US" dirty="0"/>
+              <a:t>Used node-git to interface with git</a:t>
+            </a:r>
+          </a:p>
+          <a:p>
+            <a:pPr lvl="1"/>
+            <a:r>
+              <a:rPr lang="en-US" dirty="0"/>
+              <a:t>Implemented basic functionality </a:t>
+            </a:r>
+          </a:p>
+          <a:p>
+            <a:pPr lvl="2"/>
+            <a:r>
+              <a:rPr lang="en-US" dirty="0"/>
+              <a:t>Implemented git </a:t>
+            </a:r>
+            <a:r>
+              <a:rPr lang="en-US" dirty="0" err="1"/>
+              <a:t>init</a:t>
+            </a:r>
+            <a:r>
+              <a:rPr lang="en-US" dirty="0"/>
+              <a:t>, git add, git commit</a:t>
+            </a:r>
+          </a:p>
+          <a:p>
+            <a:pPr lvl="3"/>
+            <a:r>
+              <a:rPr lang="en-US" dirty="0"/>
+              <a:t>Interfaced between git’s system and front end application</a:t>
+            </a:r>
+          </a:p>
+          <a:p>
+            <a:pPr lvl="2"/>
+            <a:r>
+              <a:rPr lang="en-US" dirty="0"/>
+              <a:t>Show the diff between current version and changed version of the repository in a GUI interface</a:t>
+            </a:r>
+          </a:p>
+          <a:p>
+            <a:pPr lvl="2"/>
+            <a:r>
+              <a:rPr lang="en-US" dirty="0"/>
+              <a:t>Implemented forms to allow users to choose directories</a:t>
+            </a:r>
           </a:p>
         </p:txBody>
       </p:sp>

--- a/Notes/summer2020/Summer_Summary.pptx
+++ b/Notes/summer2020/Summer_Summary.pptx
@@ -5,13 +5,18 @@
     <p:sldMasterId id="2147483648" r:id="rId1"/>
   </p:sldMasterIdLst>
   <p:notesMasterIdLst>
-    <p:notesMasterId r:id="rId6"/>
+    <p:notesMasterId r:id="rId11"/>
   </p:notesMasterIdLst>
   <p:sldIdLst>
     <p:sldId id="256" r:id="rId2"/>
     <p:sldId id="257" r:id="rId3"/>
     <p:sldId id="258" r:id="rId4"/>
     <p:sldId id="259" r:id="rId5"/>
+    <p:sldId id="260" r:id="rId6"/>
+    <p:sldId id="262" r:id="rId7"/>
+    <p:sldId id="261" r:id="rId8"/>
+    <p:sldId id="263" r:id="rId9"/>
+    <p:sldId id="264" r:id="rId10"/>
   </p:sldIdLst>
   <p:sldSz cx="12192000" cy="6858000"/>
   <p:notesSz cx="6858000" cy="9144000"/>
@@ -119,6 +124,11 @@
             <p14:sldId id="257"/>
             <p14:sldId id="258"/>
             <p14:sldId id="259"/>
+            <p14:sldId id="260"/>
+            <p14:sldId id="262"/>
+            <p14:sldId id="261"/>
+            <p14:sldId id="263"/>
+            <p14:sldId id="264"/>
           </p14:sldIdLst>
         </p14:section>
       </p14:sectionLst>
@@ -212,7 +222,7 @@
           <a:p>
             <a:fld id="{CB3DF5BE-4652-4BFC-8469-8FAEFABE5385}" type="datetimeFigureOut">
               <a:rPr lang="en-US" smtClean="0"/>
-              <a:t>7/15/2020</a:t>
+              <a:t>8/12/2020</a:t>
             </a:fld>
             <a:endParaRPr lang="en-US"/>
           </a:p>
@@ -875,7 +885,7 @@
           <a:p>
             <a:fld id="{5248DD35-FA55-4FF5-A2B8-ACB490128C85}" type="datetimeFigureOut">
               <a:rPr lang="en-US" smtClean="0"/>
-              <a:t>7/15/2020</a:t>
+              <a:t>8/12/2020</a:t>
             </a:fld>
             <a:endParaRPr lang="en-US"/>
           </a:p>
@@ -1073,7 +1083,7 @@
           <a:p>
             <a:fld id="{5248DD35-FA55-4FF5-A2B8-ACB490128C85}" type="datetimeFigureOut">
               <a:rPr lang="en-US" smtClean="0"/>
-              <a:t>7/15/2020</a:t>
+              <a:t>8/12/2020</a:t>
             </a:fld>
             <a:endParaRPr lang="en-US"/>
           </a:p>
@@ -1281,7 +1291,7 @@
           <a:p>
             <a:fld id="{5248DD35-FA55-4FF5-A2B8-ACB490128C85}" type="datetimeFigureOut">
               <a:rPr lang="en-US" smtClean="0"/>
-              <a:t>7/15/2020</a:t>
+              <a:t>8/12/2020</a:t>
             </a:fld>
             <a:endParaRPr lang="en-US"/>
           </a:p>
@@ -1479,7 +1489,7 @@
           <a:p>
             <a:fld id="{5248DD35-FA55-4FF5-A2B8-ACB490128C85}" type="datetimeFigureOut">
               <a:rPr lang="en-US" smtClean="0"/>
-              <a:t>7/15/2020</a:t>
+              <a:t>8/12/2020</a:t>
             </a:fld>
             <a:endParaRPr lang="en-US"/>
           </a:p>
@@ -1754,7 +1764,7 @@
           <a:p>
             <a:fld id="{5248DD35-FA55-4FF5-A2B8-ACB490128C85}" type="datetimeFigureOut">
               <a:rPr lang="en-US" smtClean="0"/>
-              <a:t>7/15/2020</a:t>
+              <a:t>8/12/2020</a:t>
             </a:fld>
             <a:endParaRPr lang="en-US"/>
           </a:p>
@@ -2019,7 +2029,7 @@
           <a:p>
             <a:fld id="{5248DD35-FA55-4FF5-A2B8-ACB490128C85}" type="datetimeFigureOut">
               <a:rPr lang="en-US" smtClean="0"/>
-              <a:t>7/15/2020</a:t>
+              <a:t>8/12/2020</a:t>
             </a:fld>
             <a:endParaRPr lang="en-US"/>
           </a:p>
@@ -2431,7 +2441,7 @@
           <a:p>
             <a:fld id="{5248DD35-FA55-4FF5-A2B8-ACB490128C85}" type="datetimeFigureOut">
               <a:rPr lang="en-US" smtClean="0"/>
-              <a:t>7/15/2020</a:t>
+              <a:t>8/12/2020</a:t>
             </a:fld>
             <a:endParaRPr lang="en-US"/>
           </a:p>
@@ -2572,7 +2582,7 @@
           <a:p>
             <a:fld id="{5248DD35-FA55-4FF5-A2B8-ACB490128C85}" type="datetimeFigureOut">
               <a:rPr lang="en-US" smtClean="0"/>
-              <a:t>7/15/2020</a:t>
+              <a:t>8/12/2020</a:t>
             </a:fld>
             <a:endParaRPr lang="en-US"/>
           </a:p>
@@ -2685,7 +2695,7 @@
           <a:p>
             <a:fld id="{5248DD35-FA55-4FF5-A2B8-ACB490128C85}" type="datetimeFigureOut">
               <a:rPr lang="en-US" smtClean="0"/>
-              <a:t>7/15/2020</a:t>
+              <a:t>8/12/2020</a:t>
             </a:fld>
             <a:endParaRPr lang="en-US"/>
           </a:p>
@@ -2996,7 +3006,7 @@
           <a:p>
             <a:fld id="{5248DD35-FA55-4FF5-A2B8-ACB490128C85}" type="datetimeFigureOut">
               <a:rPr lang="en-US" smtClean="0"/>
-              <a:t>7/15/2020</a:t>
+              <a:t>8/12/2020</a:t>
             </a:fld>
             <a:endParaRPr lang="en-US"/>
           </a:p>
@@ -3284,7 +3294,7 @@
           <a:p>
             <a:fld id="{5248DD35-FA55-4FF5-A2B8-ACB490128C85}" type="datetimeFigureOut">
               <a:rPr lang="en-US" smtClean="0"/>
-              <a:t>7/15/2020</a:t>
+              <a:t>8/12/2020</a:t>
             </a:fld>
             <a:endParaRPr lang="en-US"/>
           </a:p>
@@ -3525,7 +3535,7 @@
           <a:p>
             <a:fld id="{5248DD35-FA55-4FF5-A2B8-ACB490128C85}" type="datetimeFigureOut">
               <a:rPr lang="en-US" smtClean="0"/>
-              <a:t>7/15/2020</a:t>
+              <a:t>8/12/2020</a:t>
             </a:fld>
             <a:endParaRPr lang="en-US"/>
           </a:p>
@@ -3974,8 +3984,8 @@
           </a:p>
         </p:txBody>
       </p:sp>
-      <mc:AlternateContent xmlns:mc="http://schemas.openxmlformats.org/markup-compatibility/2006">
-        <mc:Choice xmlns:a14="http://schemas.microsoft.com/office/drawing/2010/main" Requires="a14">
+      <mc:AlternateContent xmlns:mc="http://schemas.openxmlformats.org/markup-compatibility/2006" xmlns:a14="http://schemas.microsoft.com/office/drawing/2010/main">
+        <mc:Choice Requires="a14">
           <p:sp>
             <p:nvSpPr>
               <p:cNvPr id="4" name="Content Placeholder 3">
@@ -4045,7 +4055,7 @@
             </p:txBody>
           </p:sp>
         </mc:Choice>
-        <mc:Fallback>
+        <mc:Fallback xmlns="">
           <p:sp>
             <p:nvSpPr>
               <p:cNvPr id="4" name="Content Placeholder 3">
@@ -4484,11 +4494,7 @@
           <a:p>
             <a:r>
               <a:rPr lang="en-US" dirty="0"/>
-              <a:t>Week 2 – GIT </a:t>
-            </a:r>
-            <a:r>
-              <a:rPr lang="en-US"/>
-              <a:t>GUI research</a:t>
+              <a:t>Week 2 – GIT GUI research</a:t>
             </a:r>
           </a:p>
         </p:txBody>
@@ -4544,7 +4550,7 @@
             <a:pPr lvl="1"/>
             <a:r>
               <a:rPr lang="en-US" dirty="0"/>
-              <a:t>Implemented basic functionality </a:t>
+              <a:t>Features </a:t>
             </a:r>
           </a:p>
           <a:p>
@@ -4563,10 +4569,10 @@
             </a:r>
           </a:p>
           <a:p>
-            <a:pPr lvl="3"/>
+            <a:pPr lvl="2"/>
             <a:r>
               <a:rPr lang="en-US" dirty="0"/>
-              <a:t>Interfaced between git’s system and front end application</a:t>
+              <a:t>Interfaced between git’s system and front-end application</a:t>
             </a:r>
           </a:p>
           <a:p>
@@ -4585,10 +4591,831 @@
           </a:p>
         </p:txBody>
       </p:sp>
+      <p:pic>
+        <p:nvPicPr>
+          <p:cNvPr id="4" name="Picture 3">
+            <a:extLst>
+              <a:ext uri="{FF2B5EF4-FFF2-40B4-BE49-F238E27FC236}">
+                <a16:creationId xmlns:a16="http://schemas.microsoft.com/office/drawing/2014/main" id="{F268642B-B674-466A-812F-807991032484}"/>
+              </a:ext>
+            </a:extLst>
+          </p:cNvPr>
+          <p:cNvPicPr>
+            <a:picLocks noChangeAspect="1"/>
+          </p:cNvPicPr>
+          <p:nvPr/>
+        </p:nvPicPr>
+        <p:blipFill>
+          <a:blip r:embed="rId2"/>
+          <a:stretch>
+            <a:fillRect/>
+          </a:stretch>
+        </p:blipFill>
+        <p:spPr>
+          <a:xfrm>
+            <a:off x="8316206" y="365125"/>
+            <a:ext cx="3037593" cy="2212975"/>
+          </a:xfrm>
+          <a:prstGeom prst="rect">
+            <a:avLst/>
+          </a:prstGeom>
+          <a:ln>
+            <a:noFill/>
+          </a:ln>
+          <a:effectLst>
+            <a:outerShdw blurRad="190500" algn="tl" rotWithShape="0">
+              <a:srgbClr val="000000">
+                <a:alpha val="70000"/>
+              </a:srgbClr>
+            </a:outerShdw>
+          </a:effectLst>
+        </p:spPr>
+      </p:pic>
     </p:spTree>
     <p:extLst>
       <p:ext uri="{BB962C8B-B14F-4D97-AF65-F5344CB8AC3E}">
         <p14:creationId xmlns:p14="http://schemas.microsoft.com/office/powerpoint/2010/main" val="3557674618"/>
+      </p:ext>
+    </p:extLst>
+  </p:cSld>
+  <p:clrMapOvr>
+    <a:masterClrMapping/>
+  </p:clrMapOvr>
+</p:sld>
+</file>
+
+<file path=ppt/slides/slide5.xml><?xml version="1.0" encoding="utf-8"?>
+<p:sld xmlns:a="http://schemas.openxmlformats.org/drawingml/2006/main" xmlns:r="http://schemas.openxmlformats.org/officeDocument/2006/relationships" xmlns:p="http://schemas.openxmlformats.org/presentationml/2006/main">
+  <p:cSld>
+    <p:spTree>
+      <p:nvGrpSpPr>
+        <p:cNvPr id="1" name=""/>
+        <p:cNvGrpSpPr/>
+        <p:nvPr/>
+      </p:nvGrpSpPr>
+      <p:grpSpPr>
+        <a:xfrm>
+          <a:off x="0" y="0"/>
+          <a:ext cx="0" cy="0"/>
+          <a:chOff x="0" y="0"/>
+          <a:chExt cx="0" cy="0"/>
+        </a:xfrm>
+      </p:grpSpPr>
+      <p:sp>
+        <p:nvSpPr>
+          <p:cNvPr id="2" name="Title 1">
+            <a:extLst>
+              <a:ext uri="{FF2B5EF4-FFF2-40B4-BE49-F238E27FC236}">
+                <a16:creationId xmlns:a16="http://schemas.microsoft.com/office/drawing/2014/main" id="{7625280C-59F0-48D1-A4C8-529C3D1B4FA6}"/>
+              </a:ext>
+            </a:extLst>
+          </p:cNvPr>
+          <p:cNvSpPr>
+            <a:spLocks noGrp="1"/>
+          </p:cNvSpPr>
+          <p:nvPr>
+            <p:ph type="title"/>
+          </p:nvPr>
+        </p:nvSpPr>
+        <p:spPr/>
+        <p:txBody>
+          <a:bodyPr/>
+          <a:lstStyle/>
+          <a:p>
+            <a:r>
+              <a:rPr lang="en-US" dirty="0"/>
+              <a:t>Week 3 – REACT added</a:t>
+            </a:r>
+          </a:p>
+        </p:txBody>
+      </p:sp>
+      <p:sp>
+        <p:nvSpPr>
+          <p:cNvPr id="3" name="Content Placeholder 2">
+            <a:extLst>
+              <a:ext uri="{FF2B5EF4-FFF2-40B4-BE49-F238E27FC236}">
+                <a16:creationId xmlns:a16="http://schemas.microsoft.com/office/drawing/2014/main" id="{2FEDFB4F-390F-47E1-8819-B58B4DAB053A}"/>
+              </a:ext>
+            </a:extLst>
+          </p:cNvPr>
+          <p:cNvSpPr>
+            <a:spLocks noGrp="1"/>
+          </p:cNvSpPr>
+          <p:nvPr>
+            <p:ph idx="1"/>
+          </p:nvPr>
+        </p:nvSpPr>
+        <p:spPr/>
+        <p:txBody>
+          <a:bodyPr/>
+          <a:lstStyle/>
+          <a:p>
+            <a:r>
+              <a:rPr lang="en-US" dirty="0"/>
+              <a:t>Design Decisions</a:t>
+            </a:r>
+          </a:p>
+          <a:p>
+            <a:pPr lvl="1"/>
+            <a:r>
+              <a:rPr lang="en-US" dirty="0"/>
+              <a:t>Over the course of this week, I realized that a multi-page application implementation would not be suffice for my uses.</a:t>
+            </a:r>
+          </a:p>
+          <a:p>
+            <a:pPr lvl="1"/>
+            <a:r>
+              <a:rPr lang="en-US" dirty="0"/>
+              <a:t>To remedy this situation (as the render of a new page would cause a disconnect in the experience</a:t>
+            </a:r>
+          </a:p>
+          <a:p>
+            <a:pPr lvl="1"/>
+            <a:r>
+              <a:rPr lang="en-US" dirty="0"/>
+              <a:t>To augment REACT, I added REDUX (state management) to have a core store for all information to go towards.</a:t>
+            </a:r>
+          </a:p>
+          <a:p>
+            <a:pPr lvl="1"/>
+            <a:r>
+              <a:rPr lang="en-US" dirty="0"/>
+              <a:t>Implement Build environment for compilation of the new dependencies – used a boilerplate with gulp, customized for my needs</a:t>
+            </a:r>
+          </a:p>
+          <a:p>
+            <a:r>
+              <a:rPr lang="en-US" dirty="0"/>
+              <a:t>Features</a:t>
+            </a:r>
+          </a:p>
+          <a:p>
+            <a:pPr lvl="1"/>
+            <a:r>
+              <a:rPr lang="en-US" dirty="0"/>
+              <a:t>Added on git push from a configured repository/environment</a:t>
+            </a:r>
+          </a:p>
+          <a:p>
+            <a:endParaRPr lang="en-US" dirty="0"/>
+          </a:p>
+        </p:txBody>
+      </p:sp>
+    </p:spTree>
+    <p:extLst>
+      <p:ext uri="{BB962C8B-B14F-4D97-AF65-F5344CB8AC3E}">
+        <p14:creationId xmlns:p14="http://schemas.microsoft.com/office/powerpoint/2010/main" val="3994367859"/>
+      </p:ext>
+    </p:extLst>
+  </p:cSld>
+  <p:clrMapOvr>
+    <a:masterClrMapping/>
+  </p:clrMapOvr>
+</p:sld>
+</file>
+
+<file path=ppt/slides/slide6.xml><?xml version="1.0" encoding="utf-8"?>
+<p:sld xmlns:a="http://schemas.openxmlformats.org/drawingml/2006/main" xmlns:r="http://schemas.openxmlformats.org/officeDocument/2006/relationships" xmlns:p="http://schemas.openxmlformats.org/presentationml/2006/main">
+  <p:cSld>
+    <p:spTree>
+      <p:nvGrpSpPr>
+        <p:cNvPr id="1" name=""/>
+        <p:cNvGrpSpPr/>
+        <p:nvPr/>
+      </p:nvGrpSpPr>
+      <p:grpSpPr>
+        <a:xfrm>
+          <a:off x="0" y="0"/>
+          <a:ext cx="0" cy="0"/>
+          <a:chOff x="0" y="0"/>
+          <a:chExt cx="0" cy="0"/>
+        </a:xfrm>
+      </p:grpSpPr>
+      <p:sp>
+        <p:nvSpPr>
+          <p:cNvPr id="2" name="Title 1">
+            <a:extLst>
+              <a:ext uri="{FF2B5EF4-FFF2-40B4-BE49-F238E27FC236}">
+                <a16:creationId xmlns:a16="http://schemas.microsoft.com/office/drawing/2014/main" id="{02EA8CE4-2B12-41FE-9970-1AD1B077B2AC}"/>
+              </a:ext>
+            </a:extLst>
+          </p:cNvPr>
+          <p:cNvSpPr>
+            <a:spLocks noGrp="1"/>
+          </p:cNvSpPr>
+          <p:nvPr>
+            <p:ph type="title"/>
+          </p:nvPr>
+        </p:nvSpPr>
+        <p:spPr/>
+        <p:txBody>
+          <a:bodyPr/>
+          <a:lstStyle/>
+          <a:p>
+            <a:r>
+              <a:rPr lang="en-US" dirty="0"/>
+              <a:t>Week 4 – Adding Listening and Routing	</a:t>
+            </a:r>
+          </a:p>
+        </p:txBody>
+      </p:sp>
+      <p:sp>
+        <p:nvSpPr>
+          <p:cNvPr id="3" name="Content Placeholder 2">
+            <a:extLst>
+              <a:ext uri="{FF2B5EF4-FFF2-40B4-BE49-F238E27FC236}">
+                <a16:creationId xmlns:a16="http://schemas.microsoft.com/office/drawing/2014/main" id="{3912A293-EEE6-491B-A5EE-9132F48B589F}"/>
+              </a:ext>
+            </a:extLst>
+          </p:cNvPr>
+          <p:cNvSpPr>
+            <a:spLocks noGrp="1"/>
+          </p:cNvSpPr>
+          <p:nvPr>
+            <p:ph idx="1"/>
+          </p:nvPr>
+        </p:nvSpPr>
+        <p:spPr/>
+        <p:txBody>
+          <a:bodyPr/>
+          <a:lstStyle/>
+          <a:p>
+            <a:r>
+              <a:rPr lang="en-US" dirty="0"/>
+              <a:t>Design Decisions</a:t>
+            </a:r>
+          </a:p>
+          <a:p>
+            <a:pPr lvl="1"/>
+            <a:r>
+              <a:rPr lang="en-US" dirty="0"/>
+              <a:t>With Redux Routing, allow for one-page applications with multiple views, to solve the previous week’s issue with its full functionality</a:t>
+            </a:r>
+          </a:p>
+          <a:p>
+            <a:pPr lvl="1"/>
+            <a:r>
+              <a:rPr lang="en-US" dirty="0"/>
+              <a:t>With node-watch, we view (theoretically) and update whenever a new change has been made</a:t>
+            </a:r>
+          </a:p>
+          <a:p>
+            <a:pPr lvl="1"/>
+            <a:r>
+              <a:rPr lang="en-US" dirty="0"/>
+              <a:t>With material UI design a front-end interface with consistent design decisions</a:t>
+            </a:r>
+          </a:p>
+          <a:p>
+            <a:r>
+              <a:rPr lang="en-US" dirty="0"/>
+              <a:t>Features</a:t>
+            </a:r>
+          </a:p>
+          <a:p>
+            <a:pPr lvl="1"/>
+            <a:r>
+              <a:rPr lang="en-US" dirty="0"/>
+              <a:t>Can display git diff and status with information</a:t>
+            </a:r>
+          </a:p>
+        </p:txBody>
+      </p:sp>
+      <p:pic>
+        <p:nvPicPr>
+          <p:cNvPr id="5" name="Picture 4">
+            <a:extLst>
+              <a:ext uri="{FF2B5EF4-FFF2-40B4-BE49-F238E27FC236}">
+                <a16:creationId xmlns:a16="http://schemas.microsoft.com/office/drawing/2014/main" id="{C29C0161-F115-466B-844C-400EDBA02EF3}"/>
+              </a:ext>
+            </a:extLst>
+          </p:cNvPr>
+          <p:cNvPicPr>
+            <a:picLocks noChangeAspect="1"/>
+          </p:cNvPicPr>
+          <p:nvPr/>
+        </p:nvPicPr>
+        <p:blipFill>
+          <a:blip r:embed="rId2"/>
+          <a:stretch>
+            <a:fillRect/>
+          </a:stretch>
+        </p:blipFill>
+        <p:spPr>
+          <a:xfrm>
+            <a:off x="7508401" y="4332530"/>
+            <a:ext cx="4683599" cy="2525470"/>
+          </a:xfrm>
+          <a:prstGeom prst="rect">
+            <a:avLst/>
+          </a:prstGeom>
+        </p:spPr>
+      </p:pic>
+    </p:spTree>
+    <p:extLst>
+      <p:ext uri="{BB962C8B-B14F-4D97-AF65-F5344CB8AC3E}">
+        <p14:creationId xmlns:p14="http://schemas.microsoft.com/office/powerpoint/2010/main" val="4259024396"/>
+      </p:ext>
+    </p:extLst>
+  </p:cSld>
+  <p:clrMapOvr>
+    <a:masterClrMapping/>
+  </p:clrMapOvr>
+</p:sld>
+</file>
+
+<file path=ppt/slides/slide7.xml><?xml version="1.0" encoding="utf-8"?>
+<p:sld xmlns:a="http://schemas.openxmlformats.org/drawingml/2006/main" xmlns:r="http://schemas.openxmlformats.org/officeDocument/2006/relationships" xmlns:p="http://schemas.openxmlformats.org/presentationml/2006/main">
+  <p:cSld>
+    <p:spTree>
+      <p:nvGrpSpPr>
+        <p:cNvPr id="1" name=""/>
+        <p:cNvGrpSpPr/>
+        <p:nvPr/>
+      </p:nvGrpSpPr>
+      <p:grpSpPr>
+        <a:xfrm>
+          <a:off x="0" y="0"/>
+          <a:ext cx="0" cy="0"/>
+          <a:chOff x="0" y="0"/>
+          <a:chExt cx="0" cy="0"/>
+        </a:xfrm>
+      </p:grpSpPr>
+      <p:sp>
+        <p:nvSpPr>
+          <p:cNvPr id="2" name="Title 1">
+            <a:extLst>
+              <a:ext uri="{FF2B5EF4-FFF2-40B4-BE49-F238E27FC236}">
+                <a16:creationId xmlns:a16="http://schemas.microsoft.com/office/drawing/2014/main" id="{DBBA6336-7B35-4D90-A2BB-E6433AAC33FE}"/>
+              </a:ext>
+            </a:extLst>
+          </p:cNvPr>
+          <p:cNvSpPr>
+            <a:spLocks noGrp="1"/>
+          </p:cNvSpPr>
+          <p:nvPr>
+            <p:ph type="title"/>
+          </p:nvPr>
+        </p:nvSpPr>
+        <p:spPr/>
+        <p:txBody>
+          <a:bodyPr/>
+          <a:lstStyle/>
+          <a:p>
+            <a:r>
+              <a:rPr lang="en-US" dirty="0"/>
+              <a:t>Week 5 –Improvements, Tagging, History</a:t>
+            </a:r>
+          </a:p>
+        </p:txBody>
+      </p:sp>
+      <p:sp>
+        <p:nvSpPr>
+          <p:cNvPr id="3" name="Content Placeholder 2">
+            <a:extLst>
+              <a:ext uri="{FF2B5EF4-FFF2-40B4-BE49-F238E27FC236}">
+                <a16:creationId xmlns:a16="http://schemas.microsoft.com/office/drawing/2014/main" id="{5A1E3F65-7453-4EAB-9EEA-765CBDCA4AED}"/>
+              </a:ext>
+            </a:extLst>
+          </p:cNvPr>
+          <p:cNvSpPr>
+            <a:spLocks noGrp="1"/>
+          </p:cNvSpPr>
+          <p:nvPr>
+            <p:ph idx="1"/>
+          </p:nvPr>
+        </p:nvSpPr>
+        <p:spPr/>
+        <p:txBody>
+          <a:bodyPr/>
+          <a:lstStyle/>
+          <a:p>
+            <a:r>
+              <a:rPr lang="en-US" dirty="0"/>
+              <a:t>Design Decisions</a:t>
+            </a:r>
+          </a:p>
+          <a:p>
+            <a:pPr lvl="1"/>
+            <a:r>
+              <a:rPr lang="en-US" dirty="0"/>
+              <a:t>Improved Build and Compile time – by using WEBPACK instead of GULP, and reconfiguring our repository to use these technologies, we improve build and compile times by over 50% -- it is a LOT better.</a:t>
+            </a:r>
+          </a:p>
+          <a:p>
+            <a:pPr lvl="1"/>
+            <a:r>
+              <a:rPr lang="en-US" dirty="0"/>
+              <a:t>Fix some bugs by using a new build technology</a:t>
+            </a:r>
+          </a:p>
+          <a:p>
+            <a:r>
+              <a:rPr lang="en-US" dirty="0"/>
+              <a:t>Features</a:t>
+            </a:r>
+          </a:p>
+          <a:p>
+            <a:pPr lvl="1"/>
+            <a:r>
+              <a:rPr lang="en-US" dirty="0"/>
+              <a:t>Add git log display (to show history), custom file bar, git diff (properly with highlighting), and git tag ( to mark </a:t>
+            </a:r>
+            <a:r>
+              <a:rPr lang="en-US"/>
+              <a:t>important commits )</a:t>
+            </a:r>
+            <a:endParaRPr lang="en-US" dirty="0"/>
+          </a:p>
+          <a:p>
+            <a:endParaRPr lang="en-US" dirty="0"/>
+          </a:p>
+        </p:txBody>
+      </p:sp>
+      <p:pic>
+        <p:nvPicPr>
+          <p:cNvPr id="4" name="Picture 3">
+            <a:extLst>
+              <a:ext uri="{FF2B5EF4-FFF2-40B4-BE49-F238E27FC236}">
+                <a16:creationId xmlns:a16="http://schemas.microsoft.com/office/drawing/2014/main" id="{001AF96A-D43B-4DC9-BBA8-667BBA38406D}"/>
+              </a:ext>
+            </a:extLst>
+          </p:cNvPr>
+          <p:cNvPicPr>
+            <a:picLocks noChangeAspect="1"/>
+          </p:cNvPicPr>
+          <p:nvPr/>
+        </p:nvPicPr>
+        <p:blipFill>
+          <a:blip r:embed="rId2"/>
+          <a:stretch>
+            <a:fillRect/>
+          </a:stretch>
+        </p:blipFill>
+        <p:spPr>
+          <a:xfrm>
+            <a:off x="6454035" y="5085402"/>
+            <a:ext cx="4899765" cy="1407473"/>
+          </a:xfrm>
+          <a:prstGeom prst="rect">
+            <a:avLst/>
+          </a:prstGeom>
+        </p:spPr>
+      </p:pic>
+    </p:spTree>
+    <p:extLst>
+      <p:ext uri="{BB962C8B-B14F-4D97-AF65-F5344CB8AC3E}">
+        <p14:creationId xmlns:p14="http://schemas.microsoft.com/office/powerpoint/2010/main" val="1680723115"/>
+      </p:ext>
+    </p:extLst>
+  </p:cSld>
+  <p:clrMapOvr>
+    <a:masterClrMapping/>
+  </p:clrMapOvr>
+</p:sld>
+</file>
+
+<file path=ppt/slides/slide8.xml><?xml version="1.0" encoding="utf-8"?>
+<p:sld xmlns:a="http://schemas.openxmlformats.org/drawingml/2006/main" xmlns:r="http://schemas.openxmlformats.org/officeDocument/2006/relationships" xmlns:p="http://schemas.openxmlformats.org/presentationml/2006/main">
+  <p:cSld>
+    <p:spTree>
+      <p:nvGrpSpPr>
+        <p:cNvPr id="1" name=""/>
+        <p:cNvGrpSpPr/>
+        <p:nvPr/>
+      </p:nvGrpSpPr>
+      <p:grpSpPr>
+        <a:xfrm>
+          <a:off x="0" y="0"/>
+          <a:ext cx="0" cy="0"/>
+          <a:chOff x="0" y="0"/>
+          <a:chExt cx="0" cy="0"/>
+        </a:xfrm>
+      </p:grpSpPr>
+      <p:sp>
+        <p:nvSpPr>
+          <p:cNvPr id="2" name="Title 1">
+            <a:extLst>
+              <a:ext uri="{FF2B5EF4-FFF2-40B4-BE49-F238E27FC236}">
+                <a16:creationId xmlns:a16="http://schemas.microsoft.com/office/drawing/2014/main" id="{5E40387D-D092-4E39-BF5A-848D96248D81}"/>
+              </a:ext>
+            </a:extLst>
+          </p:cNvPr>
+          <p:cNvSpPr>
+            <a:spLocks noGrp="1"/>
+          </p:cNvSpPr>
+          <p:nvPr>
+            <p:ph type="title"/>
+          </p:nvPr>
+        </p:nvSpPr>
+        <p:spPr>
+          <a:xfrm>
+            <a:off x="838200" y="365125"/>
+            <a:ext cx="6883400" cy="1325563"/>
+          </a:xfrm>
+        </p:spPr>
+        <p:txBody>
+          <a:bodyPr/>
+          <a:lstStyle/>
+          <a:p>
+            <a:r>
+              <a:rPr lang="en-US" dirty="0"/>
+              <a:t>Week 6 – Logging, History Display, Diff Comparison	</a:t>
+            </a:r>
+          </a:p>
+        </p:txBody>
+      </p:sp>
+      <p:sp>
+        <p:nvSpPr>
+          <p:cNvPr id="3" name="Content Placeholder 2">
+            <a:extLst>
+              <a:ext uri="{FF2B5EF4-FFF2-40B4-BE49-F238E27FC236}">
+                <a16:creationId xmlns:a16="http://schemas.microsoft.com/office/drawing/2014/main" id="{BF4AB3EC-C87F-40FE-A1A4-3CABB36ED113}"/>
+              </a:ext>
+            </a:extLst>
+          </p:cNvPr>
+          <p:cNvSpPr>
+            <a:spLocks noGrp="1"/>
+          </p:cNvSpPr>
+          <p:nvPr>
+            <p:ph idx="1"/>
+          </p:nvPr>
+        </p:nvSpPr>
+        <p:spPr>
+          <a:xfrm>
+            <a:off x="838200" y="2184399"/>
+            <a:ext cx="10515600" cy="3992563"/>
+          </a:xfrm>
+        </p:spPr>
+        <p:txBody>
+          <a:bodyPr/>
+          <a:lstStyle/>
+          <a:p>
+            <a:r>
+              <a:rPr lang="en-US" dirty="0"/>
+              <a:t>Features</a:t>
+            </a:r>
+          </a:p>
+          <a:p>
+            <a:pPr lvl="1"/>
+            <a:r>
+              <a:rPr lang="en-US" dirty="0"/>
+              <a:t>Fully implement history via git log, and show a full history of the repository</a:t>
+            </a:r>
+          </a:p>
+          <a:p>
+            <a:pPr lvl="1"/>
+            <a:r>
+              <a:rPr lang="en-US" dirty="0"/>
+              <a:t>Allow for “focused” rendering of history, focusing on a single file</a:t>
+            </a:r>
+          </a:p>
+          <a:p>
+            <a:pPr lvl="1"/>
+            <a:r>
+              <a:rPr lang="en-US" dirty="0"/>
+              <a:t>Diff comparison of the changes made during each commit displayed when specific files are chosen</a:t>
+            </a:r>
+          </a:p>
+          <a:p>
+            <a:pPr lvl="1"/>
+            <a:r>
+              <a:rPr lang="en-US" dirty="0"/>
+              <a:t>Implement header to display the commit location and other misc. information</a:t>
+            </a:r>
+          </a:p>
+          <a:p>
+            <a:r>
+              <a:rPr lang="en-US" dirty="0"/>
+              <a:t>Design Decisions</a:t>
+            </a:r>
+          </a:p>
+          <a:p>
+            <a:pPr lvl="1"/>
+            <a:r>
+              <a:rPr lang="en-US" dirty="0"/>
+              <a:t>Added some central state management to remove controls placed within the view</a:t>
+            </a:r>
+          </a:p>
+          <a:p>
+            <a:pPr lvl="1"/>
+            <a:endParaRPr lang="en-US" dirty="0"/>
+          </a:p>
+        </p:txBody>
+      </p:sp>
+      <p:pic>
+        <p:nvPicPr>
+          <p:cNvPr id="4" name="Picture 3">
+            <a:extLst>
+              <a:ext uri="{FF2B5EF4-FFF2-40B4-BE49-F238E27FC236}">
+                <a16:creationId xmlns:a16="http://schemas.microsoft.com/office/drawing/2014/main" id="{F8AA9CE1-4A81-49EF-B2BC-C21CC0477048}"/>
+              </a:ext>
+            </a:extLst>
+          </p:cNvPr>
+          <p:cNvPicPr>
+            <a:picLocks noChangeAspect="1"/>
+          </p:cNvPicPr>
+          <p:nvPr/>
+        </p:nvPicPr>
+        <p:blipFill>
+          <a:blip r:embed="rId2"/>
+          <a:stretch>
+            <a:fillRect/>
+          </a:stretch>
+        </p:blipFill>
+        <p:spPr>
+          <a:xfrm>
+            <a:off x="8130493" y="365125"/>
+            <a:ext cx="3223307" cy="2164579"/>
+          </a:xfrm>
+          <a:prstGeom prst="rect">
+            <a:avLst/>
+          </a:prstGeom>
+        </p:spPr>
+      </p:pic>
+    </p:spTree>
+    <p:extLst>
+      <p:ext uri="{BB962C8B-B14F-4D97-AF65-F5344CB8AC3E}">
+        <p14:creationId xmlns:p14="http://schemas.microsoft.com/office/powerpoint/2010/main" val="2197896985"/>
+      </p:ext>
+    </p:extLst>
+  </p:cSld>
+  <p:clrMapOvr>
+    <a:masterClrMapping/>
+  </p:clrMapOvr>
+</p:sld>
+</file>
+
+<file path=ppt/slides/slide9.xml><?xml version="1.0" encoding="utf-8"?>
+<p:sld xmlns:a="http://schemas.openxmlformats.org/drawingml/2006/main" xmlns:r="http://schemas.openxmlformats.org/officeDocument/2006/relationships" xmlns:p="http://schemas.openxmlformats.org/presentationml/2006/main">
+  <p:cSld>
+    <p:spTree>
+      <p:nvGrpSpPr>
+        <p:cNvPr id="1" name=""/>
+        <p:cNvGrpSpPr/>
+        <p:nvPr/>
+      </p:nvGrpSpPr>
+      <p:grpSpPr>
+        <a:xfrm>
+          <a:off x="0" y="0"/>
+          <a:ext cx="0" cy="0"/>
+          <a:chOff x="0" y="0"/>
+          <a:chExt cx="0" cy="0"/>
+        </a:xfrm>
+      </p:grpSpPr>
+      <p:sp>
+        <p:nvSpPr>
+          <p:cNvPr id="2" name="Title 1">
+            <a:extLst>
+              <a:ext uri="{FF2B5EF4-FFF2-40B4-BE49-F238E27FC236}">
+                <a16:creationId xmlns:a16="http://schemas.microsoft.com/office/drawing/2014/main" id="{F147CC82-1B1F-40E3-8469-77F12E7B4F5E}"/>
+              </a:ext>
+            </a:extLst>
+          </p:cNvPr>
+          <p:cNvSpPr>
+            <a:spLocks noGrp="1"/>
+          </p:cNvSpPr>
+          <p:nvPr>
+            <p:ph type="title"/>
+          </p:nvPr>
+        </p:nvSpPr>
+        <p:spPr/>
+        <p:txBody>
+          <a:bodyPr/>
+          <a:lstStyle/>
+          <a:p>
+            <a:r>
+              <a:rPr lang="en-US" dirty="0"/>
+              <a:t>Week 7 – Networks and Updates</a:t>
+            </a:r>
+          </a:p>
+        </p:txBody>
+      </p:sp>
+      <p:sp>
+        <p:nvSpPr>
+          <p:cNvPr id="3" name="Content Placeholder 2">
+            <a:extLst>
+              <a:ext uri="{FF2B5EF4-FFF2-40B4-BE49-F238E27FC236}">
+                <a16:creationId xmlns:a16="http://schemas.microsoft.com/office/drawing/2014/main" id="{CCC3E22D-CD8B-410D-8500-21D5F25406BC}"/>
+              </a:ext>
+            </a:extLst>
+          </p:cNvPr>
+          <p:cNvSpPr>
+            <a:spLocks noGrp="1"/>
+          </p:cNvSpPr>
+          <p:nvPr>
+            <p:ph idx="1"/>
+          </p:nvPr>
+        </p:nvSpPr>
+        <p:spPr/>
+        <p:txBody>
+          <a:bodyPr/>
+          <a:lstStyle/>
+          <a:p>
+            <a:r>
+              <a:rPr lang="en-US" dirty="0"/>
+              <a:t>Research</a:t>
+            </a:r>
+          </a:p>
+          <a:p>
+            <a:pPr lvl="1"/>
+            <a:r>
+              <a:rPr lang="en-US" dirty="0"/>
+              <a:t>Setup a Git server with all basic functionality</a:t>
+            </a:r>
+          </a:p>
+          <a:p>
+            <a:pPr lvl="1"/>
+            <a:r>
+              <a:rPr lang="en-US" dirty="0"/>
+              <a:t>Rendered a custom git diff render for Excel</a:t>
+            </a:r>
+          </a:p>
+          <a:p>
+            <a:r>
+              <a:rPr lang="en-US" dirty="0"/>
+              <a:t>Features</a:t>
+            </a:r>
+          </a:p>
+          <a:p>
+            <a:pPr lvl="1"/>
+            <a:r>
+              <a:rPr lang="en-US" dirty="0"/>
+              <a:t>Implemented Git Branching within the application to allow multiple workflows within a single Repository</a:t>
+            </a:r>
+          </a:p>
+          <a:p>
+            <a:pPr lvl="1"/>
+            <a:r>
+              <a:rPr lang="en-US" dirty="0"/>
+              <a:t>Updated and modernized the repository selection interface</a:t>
+            </a:r>
+          </a:p>
+        </p:txBody>
+      </p:sp>
+      <p:pic>
+        <p:nvPicPr>
+          <p:cNvPr id="4" name="Picture 3">
+            <a:extLst>
+              <a:ext uri="{FF2B5EF4-FFF2-40B4-BE49-F238E27FC236}">
+                <a16:creationId xmlns:a16="http://schemas.microsoft.com/office/drawing/2014/main" id="{3BAE7C04-89A8-4E46-8756-293E911F10E1}"/>
+              </a:ext>
+            </a:extLst>
+          </p:cNvPr>
+          <p:cNvPicPr>
+            <a:picLocks noChangeAspect="1"/>
+          </p:cNvPicPr>
+          <p:nvPr/>
+        </p:nvPicPr>
+        <p:blipFill rotWithShape="1">
+          <a:blip r:embed="rId2"/>
+          <a:srcRect l="1" t="301" r="-1" b="68332"/>
+          <a:stretch/>
+        </p:blipFill>
+        <p:spPr>
+          <a:xfrm>
+            <a:off x="9174939" y="4537348"/>
+            <a:ext cx="2483661" cy="1955527"/>
+          </a:xfrm>
+          <a:prstGeom prst="rect">
+            <a:avLst/>
+          </a:prstGeom>
+        </p:spPr>
+      </p:pic>
+      <p:pic>
+        <p:nvPicPr>
+          <p:cNvPr id="5" name="Picture 4">
+            <a:extLst>
+              <a:ext uri="{FF2B5EF4-FFF2-40B4-BE49-F238E27FC236}">
+                <a16:creationId xmlns:a16="http://schemas.microsoft.com/office/drawing/2014/main" id="{73508CA8-B5A0-4634-9020-18C49DA1B427}"/>
+              </a:ext>
+            </a:extLst>
+          </p:cNvPr>
+          <p:cNvPicPr>
+            <a:picLocks noChangeAspect="1"/>
+          </p:cNvPicPr>
+          <p:nvPr/>
+        </p:nvPicPr>
+        <p:blipFill>
+          <a:blip r:embed="rId3"/>
+          <a:stretch>
+            <a:fillRect/>
+          </a:stretch>
+        </p:blipFill>
+        <p:spPr>
+          <a:xfrm>
+            <a:off x="8654440" y="655637"/>
+            <a:ext cx="2915057" cy="2400635"/>
+          </a:xfrm>
+          <a:prstGeom prst="rect">
+            <a:avLst/>
+          </a:prstGeom>
+        </p:spPr>
+      </p:pic>
+    </p:spTree>
+    <p:extLst>
+      <p:ext uri="{BB962C8B-B14F-4D97-AF65-F5344CB8AC3E}">
+        <p14:creationId xmlns:p14="http://schemas.microsoft.com/office/powerpoint/2010/main" val="3678250377"/>
       </p:ext>
     </p:extLst>
   </p:cSld>

--- a/Notes/summer2020/Summer_Summary.pptx
+++ b/Notes/summer2020/Summer_Summary.pptx
@@ -5,7 +5,7 @@
     <p:sldMasterId id="2147483648" r:id="rId1"/>
   </p:sldMasterIdLst>
   <p:notesMasterIdLst>
-    <p:notesMasterId r:id="rId11"/>
+    <p:notesMasterId r:id="rId13"/>
   </p:notesMasterIdLst>
   <p:sldIdLst>
     <p:sldId id="256" r:id="rId2"/>
@@ -17,6 +17,8 @@
     <p:sldId id="261" r:id="rId8"/>
     <p:sldId id="263" r:id="rId9"/>
     <p:sldId id="264" r:id="rId10"/>
+    <p:sldId id="265" r:id="rId11"/>
+    <p:sldId id="266" r:id="rId12"/>
   </p:sldIdLst>
   <p:sldSz cx="12192000" cy="6858000"/>
   <p:notesSz cx="6858000" cy="9144000"/>
@@ -129,6 +131,8 @@
             <p14:sldId id="261"/>
             <p14:sldId id="263"/>
             <p14:sldId id="264"/>
+            <p14:sldId id="265"/>
+            <p14:sldId id="266"/>
           </p14:sldIdLst>
         </p14:section>
       </p14:sectionLst>
@@ -222,7 +226,7 @@
           <a:p>
             <a:fld id="{CB3DF5BE-4652-4BFC-8469-8FAEFABE5385}" type="datetimeFigureOut">
               <a:rPr lang="en-US" smtClean="0"/>
-              <a:t>8/12/2020</a:t>
+              <a:t>8/19/2020</a:t>
             </a:fld>
             <a:endParaRPr lang="en-US"/>
           </a:p>
@@ -885,7 +889,7 @@
           <a:p>
             <a:fld id="{5248DD35-FA55-4FF5-A2B8-ACB490128C85}" type="datetimeFigureOut">
               <a:rPr lang="en-US" smtClean="0"/>
-              <a:t>8/12/2020</a:t>
+              <a:t>8/19/2020</a:t>
             </a:fld>
             <a:endParaRPr lang="en-US"/>
           </a:p>
@@ -1083,7 +1087,7 @@
           <a:p>
             <a:fld id="{5248DD35-FA55-4FF5-A2B8-ACB490128C85}" type="datetimeFigureOut">
               <a:rPr lang="en-US" smtClean="0"/>
-              <a:t>8/12/2020</a:t>
+              <a:t>8/19/2020</a:t>
             </a:fld>
             <a:endParaRPr lang="en-US"/>
           </a:p>
@@ -1291,7 +1295,7 @@
           <a:p>
             <a:fld id="{5248DD35-FA55-4FF5-A2B8-ACB490128C85}" type="datetimeFigureOut">
               <a:rPr lang="en-US" smtClean="0"/>
-              <a:t>8/12/2020</a:t>
+              <a:t>8/19/2020</a:t>
             </a:fld>
             <a:endParaRPr lang="en-US"/>
           </a:p>
@@ -1489,7 +1493,7 @@
           <a:p>
             <a:fld id="{5248DD35-FA55-4FF5-A2B8-ACB490128C85}" type="datetimeFigureOut">
               <a:rPr lang="en-US" smtClean="0"/>
-              <a:t>8/12/2020</a:t>
+              <a:t>8/19/2020</a:t>
             </a:fld>
             <a:endParaRPr lang="en-US"/>
           </a:p>
@@ -1764,7 +1768,7 @@
           <a:p>
             <a:fld id="{5248DD35-FA55-4FF5-A2B8-ACB490128C85}" type="datetimeFigureOut">
               <a:rPr lang="en-US" smtClean="0"/>
-              <a:t>8/12/2020</a:t>
+              <a:t>8/19/2020</a:t>
             </a:fld>
             <a:endParaRPr lang="en-US"/>
           </a:p>
@@ -2029,7 +2033,7 @@
           <a:p>
             <a:fld id="{5248DD35-FA55-4FF5-A2B8-ACB490128C85}" type="datetimeFigureOut">
               <a:rPr lang="en-US" smtClean="0"/>
-              <a:t>8/12/2020</a:t>
+              <a:t>8/19/2020</a:t>
             </a:fld>
             <a:endParaRPr lang="en-US"/>
           </a:p>
@@ -2441,7 +2445,7 @@
           <a:p>
             <a:fld id="{5248DD35-FA55-4FF5-A2B8-ACB490128C85}" type="datetimeFigureOut">
               <a:rPr lang="en-US" smtClean="0"/>
-              <a:t>8/12/2020</a:t>
+              <a:t>8/19/2020</a:t>
             </a:fld>
             <a:endParaRPr lang="en-US"/>
           </a:p>
@@ -2582,7 +2586,7 @@
           <a:p>
             <a:fld id="{5248DD35-FA55-4FF5-A2B8-ACB490128C85}" type="datetimeFigureOut">
               <a:rPr lang="en-US" smtClean="0"/>
-              <a:t>8/12/2020</a:t>
+              <a:t>8/19/2020</a:t>
             </a:fld>
             <a:endParaRPr lang="en-US"/>
           </a:p>
@@ -2695,7 +2699,7 @@
           <a:p>
             <a:fld id="{5248DD35-FA55-4FF5-A2B8-ACB490128C85}" type="datetimeFigureOut">
               <a:rPr lang="en-US" smtClean="0"/>
-              <a:t>8/12/2020</a:t>
+              <a:t>8/19/2020</a:t>
             </a:fld>
             <a:endParaRPr lang="en-US"/>
           </a:p>
@@ -3006,7 +3010,7 @@
           <a:p>
             <a:fld id="{5248DD35-FA55-4FF5-A2B8-ACB490128C85}" type="datetimeFigureOut">
               <a:rPr lang="en-US" smtClean="0"/>
-              <a:t>8/12/2020</a:t>
+              <a:t>8/19/2020</a:t>
             </a:fld>
             <a:endParaRPr lang="en-US"/>
           </a:p>
@@ -3294,7 +3298,7 @@
           <a:p>
             <a:fld id="{5248DD35-FA55-4FF5-A2B8-ACB490128C85}" type="datetimeFigureOut">
               <a:rPr lang="en-US" smtClean="0"/>
-              <a:t>8/12/2020</a:t>
+              <a:t>8/19/2020</a:t>
             </a:fld>
             <a:endParaRPr lang="en-US"/>
           </a:p>
@@ -3535,7 +3539,7 @@
           <a:p>
             <a:fld id="{5248DD35-FA55-4FF5-A2B8-ACB490128C85}" type="datetimeFigureOut">
               <a:rPr lang="en-US" smtClean="0"/>
-              <a:t>8/12/2020</a:t>
+              <a:t>8/19/2020</a:t>
             </a:fld>
             <a:endParaRPr lang="en-US"/>
           </a:p>
@@ -3938,6 +3942,14 @@
 <file path=ppt/slides/slide1.xml><?xml version="1.0" encoding="utf-8"?>
 <p:sld xmlns:a="http://schemas.openxmlformats.org/drawingml/2006/main" xmlns:r="http://schemas.openxmlformats.org/officeDocument/2006/relationships" xmlns:p="http://schemas.openxmlformats.org/presentationml/2006/main">
   <p:cSld>
+    <p:bg>
+      <p:bgPr>
+        <a:solidFill>
+          <a:schemeClr val="bg1"/>
+        </a:solidFill>
+        <a:effectLst/>
+      </p:bgPr>
+    </p:bg>
     <p:spTree>
       <p:nvGrpSpPr>
         <p:cNvPr id="1" name=""/>
@@ -3954,6 +3966,237 @@
       </p:grpSpPr>
       <p:sp>
         <p:nvSpPr>
+          <p:cNvPr id="9" name="Rectangle 8">
+            <a:extLst>
+              <a:ext uri="{FF2B5EF4-FFF2-40B4-BE49-F238E27FC236}">
+                <a16:creationId xmlns:a16="http://schemas.microsoft.com/office/drawing/2014/main" id="{179F7551-E956-43CB-8F36-268A5DA443BE}"/>
+              </a:ext>
+              <a:ext uri="{C183D7F6-B498-43B3-948B-1728B52AA6E4}">
+                <adec:decorative xmlns:adec="http://schemas.microsoft.com/office/drawing/2017/decorative" val="1"/>
+              </a:ext>
+            </a:extLst>
+          </p:cNvPr>
+          <p:cNvSpPr>
+            <a:spLocks noGrp="1" noRot="1" noChangeAspect="1" noMove="1" noResize="1" noEditPoints="1" noAdjustHandles="1" noChangeArrowheads="1" noChangeShapeType="1" noTextEdit="1"/>
+          </p:cNvSpPr>
+          <p:nvPr>
+            <p:extLst>
+              <p:ext uri="{386F3935-93C4-4BCD-93E2-E3B085C9AB24}">
+                <p16:designElem xmlns:p16="http://schemas.microsoft.com/office/powerpoint/2015/main" val="1"/>
+              </p:ext>
+            </p:extLst>
+          </p:nvPr>
+        </p:nvSpPr>
+        <p:spPr>
+          <a:xfrm>
+            <a:off x="1524" y="0"/>
+            <a:ext cx="12188952" cy="6858000"/>
+          </a:xfrm>
+          <a:prstGeom prst="rect">
+            <a:avLst/>
+          </a:prstGeom>
+          <a:solidFill>
+            <a:schemeClr val="tx1"/>
+          </a:solidFill>
+          <a:ln>
+            <a:noFill/>
+          </a:ln>
+        </p:spPr>
+        <p:style>
+          <a:lnRef idx="2">
+            <a:schemeClr val="accent1">
+              <a:shade val="50000"/>
+            </a:schemeClr>
+          </a:lnRef>
+          <a:fillRef idx="1">
+            <a:schemeClr val="accent1"/>
+          </a:fillRef>
+          <a:effectRef idx="0">
+            <a:schemeClr val="accent1"/>
+          </a:effectRef>
+          <a:fontRef idx="minor">
+            <a:schemeClr val="lt1"/>
+          </a:fontRef>
+        </p:style>
+        <p:txBody>
+          <a:bodyPr rtlCol="0" anchor="ctr"/>
+          <a:lstStyle/>
+          <a:p>
+            <a:pPr marL="0" marR="0" lvl="0" indent="0" algn="ctr" defTabSz="914400" rtl="0" eaLnBrk="1" fontAlgn="auto" latinLnBrk="0" hangingPunct="1">
+              <a:lnSpc>
+                <a:spcPct val="100000"/>
+              </a:lnSpc>
+              <a:spcBef>
+                <a:spcPts val="0"/>
+              </a:spcBef>
+              <a:spcAft>
+                <a:spcPts val="0"/>
+              </a:spcAft>
+              <a:buClrTx/>
+              <a:buSzTx/>
+              <a:buFontTx/>
+              <a:buNone/>
+              <a:tabLst/>
+              <a:defRPr/>
+            </a:pPr>
+            <a:endParaRPr kumimoji="0" lang="en-US" sz="1800" b="0" i="0" u="none" strike="noStrike" kern="1200" cap="none" spc="0" normalizeH="0" baseline="0" noProof="0">
+              <a:ln>
+                <a:noFill/>
+              </a:ln>
+              <a:solidFill>
+                <a:prstClr val="white"/>
+              </a:solidFill>
+              <a:effectLst/>
+              <a:uLnTx/>
+              <a:uFillTx/>
+              <a:latin typeface="Calibri" panose="020F0502020204030204"/>
+              <a:ea typeface="+mn-ea"/>
+              <a:cs typeface="+mn-cs"/>
+            </a:endParaRPr>
+          </a:p>
+        </p:txBody>
+      </p:sp>
+      <p:sp>
+        <p:nvSpPr>
+          <p:cNvPr id="11" name="Freeform: Shape 10">
+            <a:extLst>
+              <a:ext uri="{FF2B5EF4-FFF2-40B4-BE49-F238E27FC236}">
+                <a16:creationId xmlns:a16="http://schemas.microsoft.com/office/drawing/2014/main" id="{53E68D9A-86E1-4C0E-BBF2-8769D05233F6}"/>
+              </a:ext>
+              <a:ext uri="{C183D7F6-B498-43B3-948B-1728B52AA6E4}">
+                <adec:decorative xmlns:adec="http://schemas.microsoft.com/office/drawing/2017/decorative" val="1"/>
+              </a:ext>
+            </a:extLst>
+          </p:cNvPr>
+          <p:cNvSpPr>
+            <a:spLocks noGrp="1" noRot="1" noChangeAspect="1" noMove="1" noResize="1" noEditPoints="1" noAdjustHandles="1" noChangeArrowheads="1" noChangeShapeType="1" noTextEdit="1"/>
+          </p:cNvSpPr>
+          <p:nvPr>
+            <p:extLst>
+              <p:ext uri="{386F3935-93C4-4BCD-93E2-E3B085C9AB24}">
+                <p16:designElem xmlns:p16="http://schemas.microsoft.com/office/powerpoint/2015/main" val="1"/>
+              </p:ext>
+            </p:extLst>
+          </p:nvPr>
+        </p:nvSpPr>
+        <p:spPr>
+          <a:xfrm>
+            <a:off x="0" y="523805"/>
+            <a:ext cx="6313655" cy="5696020"/>
+          </a:xfrm>
+          <a:custGeom>
+            <a:avLst/>
+            <a:gdLst>
+              <a:gd name="connsiteX0" fmla="*/ 0 w 6313655"/>
+              <a:gd name="connsiteY0" fmla="*/ 0 h 5696020"/>
+              <a:gd name="connsiteX1" fmla="*/ 6313655 w 6313655"/>
+              <a:gd name="connsiteY1" fmla="*/ 0 h 5696020"/>
+              <a:gd name="connsiteX2" fmla="*/ 3550375 w 6313655"/>
+              <a:gd name="connsiteY2" fmla="*/ 5696020 h 5696020"/>
+              <a:gd name="connsiteX3" fmla="*/ 0 w 6313655"/>
+              <a:gd name="connsiteY3" fmla="*/ 5696020 h 5696020"/>
+            </a:gdLst>
+            <a:ahLst/>
+            <a:cxnLst>
+              <a:cxn ang="0">
+                <a:pos x="connsiteX0" y="connsiteY0"/>
+              </a:cxn>
+              <a:cxn ang="0">
+                <a:pos x="connsiteX1" y="connsiteY1"/>
+              </a:cxn>
+              <a:cxn ang="0">
+                <a:pos x="connsiteX2" y="connsiteY2"/>
+              </a:cxn>
+              <a:cxn ang="0">
+                <a:pos x="connsiteX3" y="connsiteY3"/>
+              </a:cxn>
+            </a:cxnLst>
+            <a:rect l="l" t="t" r="r" b="b"/>
+            <a:pathLst>
+              <a:path w="6313655" h="5696020">
+                <a:moveTo>
+                  <a:pt x="0" y="0"/>
+                </a:moveTo>
+                <a:lnTo>
+                  <a:pt x="6313655" y="0"/>
+                </a:lnTo>
+                <a:lnTo>
+                  <a:pt x="3550375" y="5696020"/>
+                </a:lnTo>
+                <a:lnTo>
+                  <a:pt x="0" y="5696020"/>
+                </a:lnTo>
+                <a:close/>
+              </a:path>
+            </a:pathLst>
+          </a:custGeom>
+          <a:solidFill>
+            <a:srgbClr val="303030"/>
+          </a:solidFill>
+          <a:ln>
+            <a:noFill/>
+          </a:ln>
+        </p:spPr>
+        <p:style>
+          <a:lnRef idx="2">
+            <a:schemeClr val="accent1">
+              <a:shade val="50000"/>
+            </a:schemeClr>
+          </a:lnRef>
+          <a:fillRef idx="1">
+            <a:schemeClr val="accent1"/>
+          </a:fillRef>
+          <a:effectRef idx="0">
+            <a:schemeClr val="accent1"/>
+          </a:effectRef>
+          <a:fontRef idx="minor">
+            <a:schemeClr val="lt1"/>
+          </a:fontRef>
+        </p:style>
+        <p:txBody>
+          <a:bodyPr wrap="square" rtlCol="0" anchor="ctr">
+            <a:noAutofit/>
+          </a:bodyPr>
+          <a:lstStyle/>
+          <a:p>
+            <a:pPr marL="0" marR="0" lvl="0" indent="0" algn="ctr" defTabSz="914400" rtl="0" eaLnBrk="1" fontAlgn="auto" latinLnBrk="0" hangingPunct="1">
+              <a:lnSpc>
+                <a:spcPct val="100000"/>
+              </a:lnSpc>
+              <a:spcBef>
+                <a:spcPts val="0"/>
+              </a:spcBef>
+              <a:spcAft>
+                <a:spcPts val="0"/>
+              </a:spcAft>
+              <a:buClrTx/>
+              <a:buSzTx/>
+              <a:buFontTx/>
+              <a:buNone/>
+              <a:tabLst/>
+              <a:defRPr/>
+            </a:pPr>
+            <a:endParaRPr kumimoji="0" lang="en-US" sz="1800" b="0" i="0" u="none" strike="noStrike" kern="1200" cap="none" spc="0" normalizeH="0" baseline="0" noProof="0" dirty="0">
+              <a:ln>
+                <a:noFill/>
+              </a:ln>
+              <a:solidFill>
+                <a:prstClr val="black">
+                  <a:lumMod val="95000"/>
+                </a:prstClr>
+              </a:solidFill>
+              <a:effectLst/>
+              <a:uLnTx/>
+              <a:uFillTx/>
+              <a:latin typeface="Calibri" panose="020F0502020204030204"/>
+              <a:ea typeface="+mn-ea"/>
+              <a:cs typeface="+mn-cs"/>
+            </a:endParaRPr>
+          </a:p>
+        </p:txBody>
+      </p:sp>
+      <p:sp>
+        <p:nvSpPr>
           <p:cNvPr id="2" name="Title 1">
             <a:extLst>
               <a:ext uri="{FF2B5EF4-FFF2-40B4-BE49-F238E27FC236}">
@@ -3968,19 +4211,38 @@
             <p:ph type="title"/>
           </p:nvPr>
         </p:nvSpPr>
-        <p:spPr/>
-        <p:txBody>
-          <a:bodyPr/>
+        <p:spPr>
+          <a:xfrm>
+            <a:off x="838200" y="926351"/>
+            <a:ext cx="3805518" cy="2892625"/>
+          </a:xfrm>
+        </p:spPr>
+        <p:txBody>
+          <a:bodyPr anchor="b">
+            <a:normAutofit/>
+          </a:bodyPr>
           <a:lstStyle/>
           <a:p>
             <a:r>
-              <a:rPr lang="en-US" dirty="0"/>
+              <a:rPr lang="en-US">
+                <a:solidFill>
+                  <a:srgbClr val="FFFFFF"/>
+                </a:solidFill>
+              </a:rPr>
               <a:t>Week 1 – OSI model</a:t>
             </a:r>
             <a:br>
-              <a:rPr lang="en-US" dirty="0"/>
+              <a:rPr lang="en-US">
+                <a:solidFill>
+                  <a:srgbClr val="FFFFFF"/>
+                </a:solidFill>
+              </a:rPr>
             </a:br>
-            <a:endParaRPr lang="en-US" dirty="0"/>
+            <a:endParaRPr lang="en-US">
+              <a:solidFill>
+                <a:srgbClr val="FFFFFF"/>
+              </a:solidFill>
+            </a:endParaRPr>
           </a:p>
         </p:txBody>
       </p:sp>
@@ -4002,13 +4264,24 @@
                 <p:ph idx="1"/>
               </p:nvPr>
             </p:nvSpPr>
-            <p:spPr/>
+            <p:spPr>
+              <a:xfrm>
+                <a:off x="6313655" y="926351"/>
+                <a:ext cx="5040144" cy="5091953"/>
+              </a:xfrm>
+            </p:spPr>
             <p:txBody>
-              <a:bodyPr/>
+              <a:bodyPr anchor="ctr">
+                <a:normAutofit/>
+              </a:bodyPr>
               <a:lstStyle/>
               <a:p>
                 <a:r>
-                  <a:rPr lang="en-US" dirty="0"/>
+                  <a:rPr lang="en-US" sz="2000">
+                    <a:solidFill>
+                      <a:schemeClr val="bg1"/>
+                    </a:solidFill>
+                  </a:rPr>
                   <a:t>Composed a basic writeup for OSI layered model, with a rudimentary understanding of the theory behind </a:t>
                 </a:r>
                 <a14:m>
@@ -4016,7 +4289,10 @@
                     <m:sSup>
                       <m:sSupPr>
                         <m:ctrlPr>
-                          <a:rPr lang="en-US" i="1" smtClean="0">
+                          <a:rPr lang="en-US" sz="2000" i="1">
+                            <a:solidFill>
+                              <a:schemeClr val="bg1"/>
+                            </a:solidFill>
                             <a:latin typeface="Cambria Math" panose="02040503050406030204" pitchFamily="18" charset="0"/>
                           </a:rPr>
                         </m:ctrlPr>
@@ -4026,13 +4302,20 @@
                           <m:rPr>
                             <m:nor/>
                           </m:rPr>
-                          <a:rPr lang="en-US" dirty="0" smtClean="0"/>
+                          <a:rPr lang="en-US" sz="2000">
+                            <a:solidFill>
+                              <a:schemeClr val="bg1"/>
+                            </a:solidFill>
+                          </a:rPr>
                           <m:t>networking</m:t>
                         </m:r>
                       </m:e>
                       <m:sup>
                         <m:r>
-                          <a:rPr lang="en-US" b="0" i="1" smtClean="0">
+                          <a:rPr lang="en-US" sz="2000" b="0" i="1">
+                            <a:solidFill>
+                              <a:schemeClr val="bg1"/>
+                            </a:solidFill>
                             <a:latin typeface="Cambria Math" panose="02040503050406030204" pitchFamily="18" charset="0"/>
                           </a:rPr>
                           <m:t>1</m:t>
@@ -4041,16 +4324,28 @@
                     </m:sSup>
                   </m:oMath>
                 </a14:m>
-                <a:endParaRPr lang="en-US" dirty="0"/>
+                <a:endParaRPr lang="en-US" sz="2000">
+                  <a:solidFill>
+                    <a:schemeClr val="bg1"/>
+                  </a:solidFill>
+                </a:endParaRPr>
               </a:p>
               <a:p>
                 <a:r>
-                  <a:rPr lang="en-US" dirty="0"/>
+                  <a:rPr lang="en-US" sz="2000">
+                    <a:solidFill>
+                      <a:schemeClr val="bg1"/>
+                    </a:solidFill>
+                  </a:rPr>
                   <a:t>Provided real world examples of OSI model in practical applications (or what would fit  within this model’s model of networking)</a:t>
                 </a:r>
               </a:p>
               <a:p>
-                <a:endParaRPr lang="en-US" dirty="0"/>
+                <a:endParaRPr lang="en-US" sz="2000">
+                  <a:solidFill>
+                    <a:schemeClr val="bg1"/>
+                  </a:solidFill>
+                </a:endParaRPr>
               </a:p>
             </p:txBody>
           </p:sp>
@@ -4073,10 +4368,14 @@
               </p:nvPr>
             </p:nvSpPr>
             <p:spPr>
+              <a:xfrm>
+                <a:off x="6313655" y="926351"/>
+                <a:ext cx="5040144" cy="5091953"/>
+              </a:xfrm>
               <a:blipFill>
                 <a:blip r:embed="rId3"/>
                 <a:stretch>
-                  <a:fillRect l="-1043" t="-2241" r="-406"/>
+                  <a:fillRect l="-1090" r="-1453"/>
                 </a:stretch>
               </a:blipFill>
             </p:spPr>
@@ -4103,12 +4402,566 @@
     </p:extLst>
   </p:cSld>
   <p:clrMapOvr>
+    <a:overrideClrMapping bg1="dk1" tx1="lt1" bg2="dk2" tx2="lt2" accent1="accent1" accent2="accent2" accent3="accent3" accent4="accent4" accent5="accent5" accent6="accent6" hlink="hlink" folHlink="folHlink"/>
+  </p:clrMapOvr>
+</p:sld>
+</file>
+
+<file path=ppt/slides/slide10.xml><?xml version="1.0" encoding="utf-8"?>
+<p:sld xmlns:a="http://schemas.openxmlformats.org/drawingml/2006/main" xmlns:r="http://schemas.openxmlformats.org/officeDocument/2006/relationships" xmlns:p="http://schemas.openxmlformats.org/presentationml/2006/main">
+  <p:cSld>
+    <p:bg>
+      <p:bgPr>
+        <a:solidFill>
+          <a:schemeClr val="bg1"/>
+        </a:solidFill>
+        <a:effectLst/>
+      </p:bgPr>
+    </p:bg>
+    <p:spTree>
+      <p:nvGrpSpPr>
+        <p:cNvPr id="1" name=""/>
+        <p:cNvGrpSpPr/>
+        <p:nvPr/>
+      </p:nvGrpSpPr>
+      <p:grpSpPr>
+        <a:xfrm>
+          <a:off x="0" y="0"/>
+          <a:ext cx="0" cy="0"/>
+          <a:chOff x="0" y="0"/>
+          <a:chExt cx="0" cy="0"/>
+        </a:xfrm>
+      </p:grpSpPr>
+      <p:sp>
+        <p:nvSpPr>
+          <p:cNvPr id="25" name="Freeform: Shape 15">
+            <a:extLst>
+              <a:ext uri="{FF2B5EF4-FFF2-40B4-BE49-F238E27FC236}">
+                <a16:creationId xmlns:a16="http://schemas.microsoft.com/office/drawing/2014/main" id="{F60FCA6E-0894-46CD-BD49-5955A51E0084}"/>
+              </a:ext>
+              <a:ext uri="{C183D7F6-B498-43B3-948B-1728B52AA6E4}">
+                <adec:decorative xmlns:adec="http://schemas.microsoft.com/office/drawing/2017/decorative" val="1"/>
+              </a:ext>
+            </a:extLst>
+          </p:cNvPr>
+          <p:cNvSpPr>
+            <a:spLocks noGrp="1" noRot="1" noChangeAspect="1" noMove="1" noResize="1" noEditPoints="1" noAdjustHandles="1" noChangeArrowheads="1" noChangeShapeType="1" noTextEdit="1"/>
+          </p:cNvSpPr>
+          <p:nvPr>
+            <p:extLst>
+              <p:ext uri="{386F3935-93C4-4BCD-93E2-E3B085C9AB24}">
+                <p16:designElem xmlns:p16="http://schemas.microsoft.com/office/powerpoint/2015/main" val="1"/>
+              </p:ext>
+            </p:extLst>
+          </p:nvPr>
+        </p:nvSpPr>
+        <p:spPr>
+          <a:xfrm>
+            <a:off x="6831955" y="5346696"/>
+            <a:ext cx="5360045" cy="1511304"/>
+          </a:xfrm>
+          <a:custGeom>
+            <a:avLst/>
+            <a:gdLst>
+              <a:gd name="connsiteX0" fmla="*/ 4545473 w 5360045"/>
+              <a:gd name="connsiteY0" fmla="*/ 0 h 1511304"/>
+              <a:gd name="connsiteX1" fmla="*/ 5360045 w 5360045"/>
+              <a:gd name="connsiteY1" fmla="*/ 0 h 1511304"/>
+              <a:gd name="connsiteX2" fmla="*/ 5360045 w 5360045"/>
+              <a:gd name="connsiteY2" fmla="*/ 1046730 h 1511304"/>
+              <a:gd name="connsiteX3" fmla="*/ 5360045 w 5360045"/>
+              <a:gd name="connsiteY3" fmla="*/ 1508760 h 1511304"/>
+              <a:gd name="connsiteX4" fmla="*/ 5360045 w 5360045"/>
+              <a:gd name="connsiteY4" fmla="*/ 1511304 h 1511304"/>
+              <a:gd name="connsiteX5" fmla="*/ 4545474 w 5360045"/>
+              <a:gd name="connsiteY5" fmla="*/ 1511304 h 1511304"/>
+              <a:gd name="connsiteX6" fmla="*/ 2525897 w 5360045"/>
+              <a:gd name="connsiteY6" fmla="*/ 1511304 h 1511304"/>
+              <a:gd name="connsiteX7" fmla="*/ 0 w 5360045"/>
+              <a:gd name="connsiteY7" fmla="*/ 1511304 h 1511304"/>
+              <a:gd name="connsiteX8" fmla="*/ 697617 w 5360045"/>
+              <a:gd name="connsiteY8" fmla="*/ 3 h 1511304"/>
+              <a:gd name="connsiteX9" fmla="*/ 4545473 w 5360045"/>
+              <a:gd name="connsiteY9" fmla="*/ 3 h 1511304"/>
+            </a:gdLst>
+            <a:ahLst/>
+            <a:cxnLst>
+              <a:cxn ang="0">
+                <a:pos x="connsiteX0" y="connsiteY0"/>
+              </a:cxn>
+              <a:cxn ang="0">
+                <a:pos x="connsiteX1" y="connsiteY1"/>
+              </a:cxn>
+              <a:cxn ang="0">
+                <a:pos x="connsiteX2" y="connsiteY2"/>
+              </a:cxn>
+              <a:cxn ang="0">
+                <a:pos x="connsiteX3" y="connsiteY3"/>
+              </a:cxn>
+              <a:cxn ang="0">
+                <a:pos x="connsiteX4" y="connsiteY4"/>
+              </a:cxn>
+              <a:cxn ang="0">
+                <a:pos x="connsiteX5" y="connsiteY5"/>
+              </a:cxn>
+              <a:cxn ang="0">
+                <a:pos x="connsiteX6" y="connsiteY6"/>
+              </a:cxn>
+              <a:cxn ang="0">
+                <a:pos x="connsiteX7" y="connsiteY7"/>
+              </a:cxn>
+              <a:cxn ang="0">
+                <a:pos x="connsiteX8" y="connsiteY8"/>
+              </a:cxn>
+              <a:cxn ang="0">
+                <a:pos x="connsiteX9" y="connsiteY9"/>
+              </a:cxn>
+            </a:cxnLst>
+            <a:rect l="l" t="t" r="r" b="b"/>
+            <a:pathLst>
+              <a:path w="5360045" h="1511304">
+                <a:moveTo>
+                  <a:pt x="4545473" y="0"/>
+                </a:moveTo>
+                <a:lnTo>
+                  <a:pt x="5360045" y="0"/>
+                </a:lnTo>
+                <a:lnTo>
+                  <a:pt x="5360045" y="1046730"/>
+                </a:lnTo>
+                <a:lnTo>
+                  <a:pt x="5360045" y="1508760"/>
+                </a:lnTo>
+                <a:lnTo>
+                  <a:pt x="5360045" y="1511304"/>
+                </a:lnTo>
+                <a:lnTo>
+                  <a:pt x="4545474" y="1511304"/>
+                </a:lnTo>
+                <a:lnTo>
+                  <a:pt x="2525897" y="1511304"/>
+                </a:lnTo>
+                <a:lnTo>
+                  <a:pt x="0" y="1511304"/>
+                </a:lnTo>
+                <a:lnTo>
+                  <a:pt x="697617" y="3"/>
+                </a:lnTo>
+                <a:lnTo>
+                  <a:pt x="4545473" y="3"/>
+                </a:lnTo>
+                <a:close/>
+              </a:path>
+            </a:pathLst>
+          </a:custGeom>
+          <a:solidFill>
+            <a:srgbClr val="404040">
+              <a:alpha val="84706"/>
+            </a:srgbClr>
+          </a:solidFill>
+          <a:ln>
+            <a:noFill/>
+          </a:ln>
+        </p:spPr>
+        <p:style>
+          <a:lnRef idx="2">
+            <a:schemeClr val="accent1">
+              <a:shade val="50000"/>
+            </a:schemeClr>
+          </a:lnRef>
+          <a:fillRef idx="1">
+            <a:schemeClr val="accent1"/>
+          </a:fillRef>
+          <a:effectRef idx="0">
+            <a:schemeClr val="accent1"/>
+          </a:effectRef>
+          <a:fontRef idx="minor">
+            <a:schemeClr val="lt1"/>
+          </a:fontRef>
+        </p:style>
+        <p:txBody>
+          <a:bodyPr wrap="square" rtlCol="0" anchor="ctr">
+            <a:noAutofit/>
+          </a:bodyPr>
+          <a:lstStyle/>
+          <a:p>
+            <a:pPr algn="ctr"/>
+            <a:endParaRPr lang="en-US"/>
+          </a:p>
+        </p:txBody>
+      </p:sp>
+      <p:sp>
+        <p:nvSpPr>
+          <p:cNvPr id="26" name="Freeform: Shape 17">
+            <a:extLst>
+              <a:ext uri="{FF2B5EF4-FFF2-40B4-BE49-F238E27FC236}">
+                <a16:creationId xmlns:a16="http://schemas.microsoft.com/office/drawing/2014/main" id="{E78C6E4B-A1F1-4B6C-97EC-BE997495D6AC}"/>
+              </a:ext>
+              <a:ext uri="{C183D7F6-B498-43B3-948B-1728B52AA6E4}">
+                <adec:decorative xmlns:adec="http://schemas.microsoft.com/office/drawing/2017/decorative" val="1"/>
+              </a:ext>
+            </a:extLst>
+          </p:cNvPr>
+          <p:cNvSpPr>
+            <a:spLocks noGrp="1" noRot="1" noChangeAspect="1" noMove="1" noResize="1" noEditPoints="1" noAdjustHandles="1" noChangeArrowheads="1" noChangeShapeType="1" noTextEdit="1"/>
+          </p:cNvSpPr>
+          <p:nvPr>
+            <p:extLst>
+              <p:ext uri="{386F3935-93C4-4BCD-93E2-E3B085C9AB24}">
+                <p16:designElem xmlns:p16="http://schemas.microsoft.com/office/powerpoint/2015/main" val="1"/>
+              </p:ext>
+            </p:extLst>
+          </p:nvPr>
+        </p:nvSpPr>
+        <p:spPr>
+          <a:xfrm>
+            <a:off x="0" y="5346694"/>
+            <a:ext cx="7346605" cy="1511306"/>
+          </a:xfrm>
+          <a:custGeom>
+            <a:avLst/>
+            <a:gdLst>
+              <a:gd name="connsiteX0" fmla="*/ 0 w 7346605"/>
+              <a:gd name="connsiteY0" fmla="*/ 0 h 1511306"/>
+              <a:gd name="connsiteX1" fmla="*/ 239486 w 7346605"/>
+              <a:gd name="connsiteY1" fmla="*/ 0 h 1511306"/>
+              <a:gd name="connsiteX2" fmla="*/ 1209568 w 7346605"/>
+              <a:gd name="connsiteY2" fmla="*/ 0 h 1511306"/>
+              <a:gd name="connsiteX3" fmla="*/ 2405743 w 7346605"/>
+              <a:gd name="connsiteY3" fmla="*/ 0 h 1511306"/>
+              <a:gd name="connsiteX4" fmla="*/ 2405743 w 7346605"/>
+              <a:gd name="connsiteY4" fmla="*/ 2544 h 1511306"/>
+              <a:gd name="connsiteX5" fmla="*/ 2801131 w 7346605"/>
+              <a:gd name="connsiteY5" fmla="*/ 2544 h 1511306"/>
+              <a:gd name="connsiteX6" fmla="*/ 2801131 w 7346605"/>
+              <a:gd name="connsiteY6" fmla="*/ 0 h 1511306"/>
+              <a:gd name="connsiteX7" fmla="*/ 7346605 w 7346605"/>
+              <a:gd name="connsiteY7" fmla="*/ 0 h 1511306"/>
+              <a:gd name="connsiteX8" fmla="*/ 6648988 w 7346605"/>
+              <a:gd name="connsiteY8" fmla="*/ 1511301 h 1511306"/>
+              <a:gd name="connsiteX9" fmla="*/ 2801132 w 7346605"/>
+              <a:gd name="connsiteY9" fmla="*/ 1511301 h 1511306"/>
+              <a:gd name="connsiteX10" fmla="*/ 2801132 w 7346605"/>
+              <a:gd name="connsiteY10" fmla="*/ 1511304 h 1511306"/>
+              <a:gd name="connsiteX11" fmla="*/ 2405743 w 7346605"/>
+              <a:gd name="connsiteY11" fmla="*/ 1511304 h 1511306"/>
+              <a:gd name="connsiteX12" fmla="*/ 2405743 w 7346605"/>
+              <a:gd name="connsiteY12" fmla="*/ 1511306 h 1511306"/>
+              <a:gd name="connsiteX13" fmla="*/ 1333411 w 7346605"/>
+              <a:gd name="connsiteY13" fmla="*/ 1511306 h 1511306"/>
+              <a:gd name="connsiteX14" fmla="*/ 1219208 w 7346605"/>
+              <a:gd name="connsiteY14" fmla="*/ 1511306 h 1511306"/>
+              <a:gd name="connsiteX15" fmla="*/ 1209568 w 7346605"/>
+              <a:gd name="connsiteY15" fmla="*/ 1511306 h 1511306"/>
+              <a:gd name="connsiteX16" fmla="*/ 239486 w 7346605"/>
+              <a:gd name="connsiteY16" fmla="*/ 1511306 h 1511306"/>
+              <a:gd name="connsiteX17" fmla="*/ 0 w 7346605"/>
+              <a:gd name="connsiteY17" fmla="*/ 1511306 h 1511306"/>
+            </a:gdLst>
+            <a:ahLst/>
+            <a:cxnLst>
+              <a:cxn ang="0">
+                <a:pos x="connsiteX0" y="connsiteY0"/>
+              </a:cxn>
+              <a:cxn ang="0">
+                <a:pos x="connsiteX1" y="connsiteY1"/>
+              </a:cxn>
+              <a:cxn ang="0">
+                <a:pos x="connsiteX2" y="connsiteY2"/>
+              </a:cxn>
+              <a:cxn ang="0">
+                <a:pos x="connsiteX3" y="connsiteY3"/>
+              </a:cxn>
+              <a:cxn ang="0">
+                <a:pos x="connsiteX4" y="connsiteY4"/>
+              </a:cxn>
+              <a:cxn ang="0">
+                <a:pos x="connsiteX5" y="connsiteY5"/>
+              </a:cxn>
+              <a:cxn ang="0">
+                <a:pos x="connsiteX6" y="connsiteY6"/>
+              </a:cxn>
+              <a:cxn ang="0">
+                <a:pos x="connsiteX7" y="connsiteY7"/>
+              </a:cxn>
+              <a:cxn ang="0">
+                <a:pos x="connsiteX8" y="connsiteY8"/>
+              </a:cxn>
+              <a:cxn ang="0">
+                <a:pos x="connsiteX9" y="connsiteY9"/>
+              </a:cxn>
+              <a:cxn ang="0">
+                <a:pos x="connsiteX10" y="connsiteY10"/>
+              </a:cxn>
+              <a:cxn ang="0">
+                <a:pos x="connsiteX11" y="connsiteY11"/>
+              </a:cxn>
+              <a:cxn ang="0">
+                <a:pos x="connsiteX12" y="connsiteY12"/>
+              </a:cxn>
+              <a:cxn ang="0">
+                <a:pos x="connsiteX13" y="connsiteY13"/>
+              </a:cxn>
+              <a:cxn ang="0">
+                <a:pos x="connsiteX14" y="connsiteY14"/>
+              </a:cxn>
+              <a:cxn ang="0">
+                <a:pos x="connsiteX15" y="connsiteY15"/>
+              </a:cxn>
+              <a:cxn ang="0">
+                <a:pos x="connsiteX16" y="connsiteY16"/>
+              </a:cxn>
+              <a:cxn ang="0">
+                <a:pos x="connsiteX17" y="connsiteY17"/>
+              </a:cxn>
+            </a:cxnLst>
+            <a:rect l="l" t="t" r="r" b="b"/>
+            <a:pathLst>
+              <a:path w="7346605" h="1511306">
+                <a:moveTo>
+                  <a:pt x="0" y="0"/>
+                </a:moveTo>
+                <a:lnTo>
+                  <a:pt x="239486" y="0"/>
+                </a:lnTo>
+                <a:lnTo>
+                  <a:pt x="1209568" y="0"/>
+                </a:lnTo>
+                <a:lnTo>
+                  <a:pt x="2405743" y="0"/>
+                </a:lnTo>
+                <a:lnTo>
+                  <a:pt x="2405743" y="2544"/>
+                </a:lnTo>
+                <a:lnTo>
+                  <a:pt x="2801131" y="2544"/>
+                </a:lnTo>
+                <a:lnTo>
+                  <a:pt x="2801131" y="0"/>
+                </a:lnTo>
+                <a:lnTo>
+                  <a:pt x="7346605" y="0"/>
+                </a:lnTo>
+                <a:lnTo>
+                  <a:pt x="6648988" y="1511301"/>
+                </a:lnTo>
+                <a:lnTo>
+                  <a:pt x="2801132" y="1511301"/>
+                </a:lnTo>
+                <a:lnTo>
+                  <a:pt x="2801132" y="1511304"/>
+                </a:lnTo>
+                <a:lnTo>
+                  <a:pt x="2405743" y="1511304"/>
+                </a:lnTo>
+                <a:lnTo>
+                  <a:pt x="2405743" y="1511306"/>
+                </a:lnTo>
+                <a:lnTo>
+                  <a:pt x="1333411" y="1511306"/>
+                </a:lnTo>
+                <a:lnTo>
+                  <a:pt x="1219208" y="1511306"/>
+                </a:lnTo>
+                <a:lnTo>
+                  <a:pt x="1209568" y="1511306"/>
+                </a:lnTo>
+                <a:lnTo>
+                  <a:pt x="239486" y="1511306"/>
+                </a:lnTo>
+                <a:lnTo>
+                  <a:pt x="0" y="1511306"/>
+                </a:lnTo>
+                <a:close/>
+              </a:path>
+            </a:pathLst>
+          </a:custGeom>
+          <a:solidFill>
+            <a:srgbClr val="D0CECE"/>
+          </a:solidFill>
+          <a:ln>
+            <a:noFill/>
+          </a:ln>
+        </p:spPr>
+        <p:style>
+          <a:lnRef idx="2">
+            <a:schemeClr val="accent1">
+              <a:shade val="50000"/>
+            </a:schemeClr>
+          </a:lnRef>
+          <a:fillRef idx="1">
+            <a:schemeClr val="accent1"/>
+          </a:fillRef>
+          <a:effectRef idx="0">
+            <a:schemeClr val="accent1"/>
+          </a:effectRef>
+          <a:fontRef idx="minor">
+            <a:schemeClr val="lt1"/>
+          </a:fontRef>
+        </p:style>
+        <p:txBody>
+          <a:bodyPr rtlCol="0" anchor="ctr"/>
+          <a:lstStyle/>
+          <a:p>
+            <a:pPr algn="ctr"/>
+            <a:endParaRPr lang="en-US">
+              <a:solidFill>
+                <a:schemeClr val="bg1">
+                  <a:lumMod val="95000"/>
+                </a:schemeClr>
+              </a:solidFill>
+            </a:endParaRPr>
+          </a:p>
+        </p:txBody>
+      </p:sp>
+      <p:sp>
+        <p:nvSpPr>
+          <p:cNvPr id="2" name="Title 1">
+            <a:extLst>
+              <a:ext uri="{FF2B5EF4-FFF2-40B4-BE49-F238E27FC236}">
+                <a16:creationId xmlns:a16="http://schemas.microsoft.com/office/drawing/2014/main" id="{286F365A-2963-45D5-B354-3A24E964EE20}"/>
+              </a:ext>
+            </a:extLst>
+          </p:cNvPr>
+          <p:cNvSpPr>
+            <a:spLocks noGrp="1"/>
+          </p:cNvSpPr>
+          <p:nvPr>
+            <p:ph type="title"/>
+          </p:nvPr>
+        </p:nvSpPr>
+        <p:spPr>
+          <a:xfrm>
+            <a:off x="841247" y="5529884"/>
+            <a:ext cx="5806440" cy="1096331"/>
+          </a:xfrm>
+        </p:spPr>
+        <p:txBody>
+          <a:bodyPr>
+            <a:normAutofit/>
+          </a:bodyPr>
+          <a:lstStyle/>
+          <a:p>
+            <a:r>
+              <a:rPr lang="en-US" sz="4000">
+                <a:solidFill>
+                  <a:srgbClr val="303030"/>
+                </a:solidFill>
+              </a:rPr>
+              <a:t>Week 8 – Research		</a:t>
+            </a:r>
+          </a:p>
+        </p:txBody>
+      </p:sp>
+      <p:pic>
+        <p:nvPicPr>
+          <p:cNvPr id="4" name="Picture 3">
+            <a:extLst>
+              <a:ext uri="{FF2B5EF4-FFF2-40B4-BE49-F238E27FC236}">
+                <a16:creationId xmlns:a16="http://schemas.microsoft.com/office/drawing/2014/main" id="{51421C25-AEB7-4319-B6F9-DC01570225EF}"/>
+              </a:ext>
+            </a:extLst>
+          </p:cNvPr>
+          <p:cNvPicPr>
+            <a:picLocks noChangeAspect="1"/>
+          </p:cNvPicPr>
+          <p:nvPr/>
+        </p:nvPicPr>
+        <p:blipFill rotWithShape="1">
+          <a:blip r:embed="rId2"/>
+          <a:srcRect l="947"/>
+          <a:stretch/>
+        </p:blipFill>
+        <p:spPr>
+          <a:xfrm>
+            <a:off x="841247" y="2189713"/>
+            <a:ext cx="6049942" cy="1540040"/>
+          </a:xfrm>
+          <a:prstGeom prst="rect">
+            <a:avLst/>
+          </a:prstGeom>
+        </p:spPr>
+      </p:pic>
+      <p:sp>
+        <p:nvSpPr>
+          <p:cNvPr id="3" name="Content Placeholder 2">
+            <a:extLst>
+              <a:ext uri="{FF2B5EF4-FFF2-40B4-BE49-F238E27FC236}">
+                <a16:creationId xmlns:a16="http://schemas.microsoft.com/office/drawing/2014/main" id="{3AD1F532-48F1-402B-A7BE-E0CEADBBC0FF}"/>
+              </a:ext>
+            </a:extLst>
+          </p:cNvPr>
+          <p:cNvSpPr>
+            <a:spLocks noGrp="1"/>
+          </p:cNvSpPr>
+          <p:nvPr>
+            <p:ph idx="1"/>
+          </p:nvPr>
+        </p:nvSpPr>
+        <p:spPr>
+          <a:xfrm>
+            <a:off x="7534655" y="965199"/>
+            <a:ext cx="4008101" cy="4020458"/>
+          </a:xfrm>
+        </p:spPr>
+        <p:txBody>
+          <a:bodyPr anchor="ctr">
+            <a:normAutofit/>
+          </a:bodyPr>
+          <a:lstStyle/>
+          <a:p>
+            <a:r>
+              <a:rPr lang="en-US" sz="1400" dirty="0"/>
+              <a:t>Research</a:t>
+            </a:r>
+          </a:p>
+          <a:p>
+            <a:pPr lvl="1"/>
+            <a:r>
+              <a:rPr lang="en-US" sz="1400" dirty="0"/>
+              <a:t>Established how to git diff with Excel (which can be extended to other diff formats. See </a:t>
+            </a:r>
+            <a:r>
+              <a:rPr lang="en-US" sz="1400" dirty="0">
+                <a:hlinkClick r:id="rId3"/>
+              </a:rPr>
+              <a:t>https://github.com/tokuhirom/git-xlsx-textconv</a:t>
+            </a:r>
+            <a:r>
+              <a:rPr lang="en-US" sz="1400" dirty="0"/>
+              <a:t>. They use go, but essentially provide a command that can take in input and compare the two diffs.</a:t>
+            </a:r>
+          </a:p>
+          <a:p>
+            <a:pPr lvl="1"/>
+            <a:r>
+              <a:rPr lang="en-US" sz="1400" dirty="0"/>
+              <a:t>SSH – How they connect, and security works. SSH has basic TCP handshake, and then there is an asymmetric key exchange to ensure that we are connecting to the correct location. See </a:t>
+            </a:r>
+            <a:r>
+              <a:rPr lang="en-US" sz="1400" dirty="0">
+                <a:hlinkClick r:id="rId4"/>
+              </a:rPr>
+              <a:t>https://www.digitalocean.com/community/tutorials/understanding-the-ssh-encryption-and-connection-process</a:t>
+            </a:r>
+            <a:endParaRPr lang="en-US" sz="1400" dirty="0"/>
+          </a:p>
+        </p:txBody>
+      </p:sp>
+    </p:spTree>
+    <p:extLst>
+      <p:ext uri="{BB962C8B-B14F-4D97-AF65-F5344CB8AC3E}">
+        <p14:creationId xmlns:p14="http://schemas.microsoft.com/office/powerpoint/2010/main" val="2106900373"/>
+      </p:ext>
+    </p:extLst>
+  </p:cSld>
+  <p:clrMapOvr>
     <a:masterClrMapping/>
   </p:clrMapOvr>
 </p:sld>
 </file>
 
-<file path=ppt/slides/slide2.xml><?xml version="1.0" encoding="utf-8"?>
+<file path=ppt/slides/slide11.xml><?xml version="1.0" encoding="utf-8"?>
 <p:sld xmlns:a="http://schemas.openxmlformats.org/drawingml/2006/main" xmlns:r="http://schemas.openxmlformats.org/officeDocument/2006/relationships" xmlns:p="http://schemas.openxmlformats.org/presentationml/2006/main">
   <p:cSld>
     <p:spTree>
@@ -4130,7 +4983,7 @@
           <p:cNvPr id="2" name="Title 1">
             <a:extLst>
               <a:ext uri="{FF2B5EF4-FFF2-40B4-BE49-F238E27FC236}">
-                <a16:creationId xmlns:a16="http://schemas.microsoft.com/office/drawing/2014/main" id="{4A82BB9B-E199-42D7-A912-5F69E924B3AF}"/>
+                <a16:creationId xmlns:a16="http://schemas.microsoft.com/office/drawing/2014/main" id="{4D37B620-C298-4ADE-8237-3151EDA4E320}"/>
               </a:ext>
             </a:extLst>
           </p:cNvPr>
@@ -4148,12 +5001,385 @@
           <a:p>
             <a:r>
               <a:rPr lang="en-US" dirty="0"/>
+              <a:t>Week 8 – Authentication</a:t>
+            </a:r>
+          </a:p>
+        </p:txBody>
+      </p:sp>
+      <p:sp>
+        <p:nvSpPr>
+          <p:cNvPr id="3" name="Content Placeholder 2">
+            <a:extLst>
+              <a:ext uri="{FF2B5EF4-FFF2-40B4-BE49-F238E27FC236}">
+                <a16:creationId xmlns:a16="http://schemas.microsoft.com/office/drawing/2014/main" id="{825BCB78-3A3D-4630-8CB0-1637DB53456E}"/>
+              </a:ext>
+            </a:extLst>
+          </p:cNvPr>
+          <p:cNvSpPr>
+            <a:spLocks noGrp="1"/>
+          </p:cNvSpPr>
+          <p:nvPr>
+            <p:ph idx="1"/>
+          </p:nvPr>
+        </p:nvSpPr>
+        <p:spPr/>
+        <p:txBody>
+          <a:bodyPr/>
+          <a:lstStyle/>
+          <a:p>
+            <a:r>
+              <a:rPr lang="en-US" dirty="0"/>
+              <a:t>Research</a:t>
+            </a:r>
+          </a:p>
+          <a:p>
+            <a:pPr lvl="1"/>
+            <a:r>
+              <a:rPr lang="en-US" dirty="0"/>
+              <a:t>When you talk with a server, you provide them a public key. This public key is used to encrypt incoming traffic (the security of this based on the two large primes ideal and some other ideas)</a:t>
+            </a:r>
+          </a:p>
+          <a:p>
+            <a:pPr lvl="1"/>
+            <a:r>
+              <a:rPr lang="en-US" dirty="0"/>
+              <a:t>To reply to the server, you use some established CA in </a:t>
+            </a:r>
+            <a:r>
+              <a:rPr lang="en-US" dirty="0" err="1"/>
+              <a:t>Github’s</a:t>
+            </a:r>
+            <a:r>
+              <a:rPr lang="en-US" dirty="0"/>
+              <a:t> case (for company publish a public key to be trusted by all) </a:t>
+            </a:r>
+          </a:p>
+          <a:p>
+            <a:pPr lvl="1"/>
+            <a:r>
+              <a:rPr lang="en-US" dirty="0"/>
+              <a:t>Therefore, you can connect to Git with a pub key talk – and you send over a hello with TCP – and negotiate the terms of the communication. Then, check the authenticity of their communication with the public key – they reply with the same information encrypted with the public key you gave it, which may be decrypted with your private key, and then two ephemeral keys may be generated to talk between the two.</a:t>
+            </a:r>
+          </a:p>
+        </p:txBody>
+      </p:sp>
+    </p:spTree>
+    <p:extLst>
+      <p:ext uri="{BB962C8B-B14F-4D97-AF65-F5344CB8AC3E}">
+        <p14:creationId xmlns:p14="http://schemas.microsoft.com/office/powerpoint/2010/main" val="2220226308"/>
+      </p:ext>
+    </p:extLst>
+  </p:cSld>
+  <p:clrMapOvr>
+    <a:masterClrMapping/>
+  </p:clrMapOvr>
+</p:sld>
+</file>
+
+<file path=ppt/slides/slide2.xml><?xml version="1.0" encoding="utf-8"?>
+<p:sld xmlns:a="http://schemas.openxmlformats.org/drawingml/2006/main" xmlns:r="http://schemas.openxmlformats.org/officeDocument/2006/relationships" xmlns:p="http://schemas.openxmlformats.org/presentationml/2006/main">
+  <p:cSld>
+    <p:bg>
+      <p:bgPr>
+        <a:solidFill>
+          <a:schemeClr val="bg1"/>
+        </a:solidFill>
+        <a:effectLst/>
+      </p:bgPr>
+    </p:bg>
+    <p:spTree>
+      <p:nvGrpSpPr>
+        <p:cNvPr id="1" name=""/>
+        <p:cNvGrpSpPr/>
+        <p:nvPr/>
+      </p:nvGrpSpPr>
+      <p:grpSpPr>
+        <a:xfrm>
+          <a:off x="0" y="0"/>
+          <a:ext cx="0" cy="0"/>
+          <a:chOff x="0" y="0"/>
+          <a:chExt cx="0" cy="0"/>
+        </a:xfrm>
+      </p:grpSpPr>
+      <p:sp>
+        <p:nvSpPr>
+          <p:cNvPr id="9" name="Rectangle 8">
+            <a:extLst>
+              <a:ext uri="{FF2B5EF4-FFF2-40B4-BE49-F238E27FC236}">
+                <a16:creationId xmlns:a16="http://schemas.microsoft.com/office/drawing/2014/main" id="{179F7551-E956-43CB-8F36-268A5DA443BE}"/>
+              </a:ext>
+              <a:ext uri="{C183D7F6-B498-43B3-948B-1728B52AA6E4}">
+                <adec:decorative xmlns:adec="http://schemas.microsoft.com/office/drawing/2017/decorative" val="1"/>
+              </a:ext>
+            </a:extLst>
+          </p:cNvPr>
+          <p:cNvSpPr>
+            <a:spLocks noGrp="1" noRot="1" noChangeAspect="1" noMove="1" noResize="1" noEditPoints="1" noAdjustHandles="1" noChangeArrowheads="1" noChangeShapeType="1" noTextEdit="1"/>
+          </p:cNvSpPr>
+          <p:nvPr>
+            <p:extLst>
+              <p:ext uri="{386F3935-93C4-4BCD-93E2-E3B085C9AB24}">
+                <p16:designElem xmlns:p16="http://schemas.microsoft.com/office/powerpoint/2015/main" val="1"/>
+              </p:ext>
+            </p:extLst>
+          </p:nvPr>
+        </p:nvSpPr>
+        <p:spPr>
+          <a:xfrm>
+            <a:off x="1524" y="0"/>
+            <a:ext cx="12188952" cy="6858000"/>
+          </a:xfrm>
+          <a:prstGeom prst="rect">
+            <a:avLst/>
+          </a:prstGeom>
+          <a:solidFill>
+            <a:schemeClr val="tx1"/>
+          </a:solidFill>
+          <a:ln>
+            <a:noFill/>
+          </a:ln>
+        </p:spPr>
+        <p:style>
+          <a:lnRef idx="2">
+            <a:schemeClr val="accent1">
+              <a:shade val="50000"/>
+            </a:schemeClr>
+          </a:lnRef>
+          <a:fillRef idx="1">
+            <a:schemeClr val="accent1"/>
+          </a:fillRef>
+          <a:effectRef idx="0">
+            <a:schemeClr val="accent1"/>
+          </a:effectRef>
+          <a:fontRef idx="minor">
+            <a:schemeClr val="lt1"/>
+          </a:fontRef>
+        </p:style>
+        <p:txBody>
+          <a:bodyPr rtlCol="0" anchor="ctr"/>
+          <a:lstStyle/>
+          <a:p>
+            <a:pPr marL="0" marR="0" lvl="0" indent="0" algn="ctr" defTabSz="914400" rtl="0" eaLnBrk="1" fontAlgn="auto" latinLnBrk="0" hangingPunct="1">
+              <a:lnSpc>
+                <a:spcPct val="100000"/>
+              </a:lnSpc>
+              <a:spcBef>
+                <a:spcPts val="0"/>
+              </a:spcBef>
+              <a:spcAft>
+                <a:spcPts val="0"/>
+              </a:spcAft>
+              <a:buClrTx/>
+              <a:buSzTx/>
+              <a:buFontTx/>
+              <a:buNone/>
+              <a:tabLst/>
+              <a:defRPr/>
+            </a:pPr>
+            <a:endParaRPr kumimoji="0" lang="en-US" sz="1800" b="0" i="0" u="none" strike="noStrike" kern="1200" cap="none" spc="0" normalizeH="0" baseline="0" noProof="0">
+              <a:ln>
+                <a:noFill/>
+              </a:ln>
+              <a:solidFill>
+                <a:prstClr val="white"/>
+              </a:solidFill>
+              <a:effectLst/>
+              <a:uLnTx/>
+              <a:uFillTx/>
+              <a:latin typeface="Calibri" panose="020F0502020204030204"/>
+              <a:ea typeface="+mn-ea"/>
+              <a:cs typeface="+mn-cs"/>
+            </a:endParaRPr>
+          </a:p>
+        </p:txBody>
+      </p:sp>
+      <p:sp>
+        <p:nvSpPr>
+          <p:cNvPr id="11" name="Freeform: Shape 10">
+            <a:extLst>
+              <a:ext uri="{FF2B5EF4-FFF2-40B4-BE49-F238E27FC236}">
+                <a16:creationId xmlns:a16="http://schemas.microsoft.com/office/drawing/2014/main" id="{53E68D9A-86E1-4C0E-BBF2-8769D05233F6}"/>
+              </a:ext>
+              <a:ext uri="{C183D7F6-B498-43B3-948B-1728B52AA6E4}">
+                <adec:decorative xmlns:adec="http://schemas.microsoft.com/office/drawing/2017/decorative" val="1"/>
+              </a:ext>
+            </a:extLst>
+          </p:cNvPr>
+          <p:cNvSpPr>
+            <a:spLocks noGrp="1" noRot="1" noChangeAspect="1" noMove="1" noResize="1" noEditPoints="1" noAdjustHandles="1" noChangeArrowheads="1" noChangeShapeType="1" noTextEdit="1"/>
+          </p:cNvSpPr>
+          <p:nvPr>
+            <p:extLst>
+              <p:ext uri="{386F3935-93C4-4BCD-93E2-E3B085C9AB24}">
+                <p16:designElem xmlns:p16="http://schemas.microsoft.com/office/powerpoint/2015/main" val="1"/>
+              </p:ext>
+            </p:extLst>
+          </p:nvPr>
+        </p:nvSpPr>
+        <p:spPr>
+          <a:xfrm>
+            <a:off x="0" y="523805"/>
+            <a:ext cx="6313655" cy="5696020"/>
+          </a:xfrm>
+          <a:custGeom>
+            <a:avLst/>
+            <a:gdLst>
+              <a:gd name="connsiteX0" fmla="*/ 0 w 6313655"/>
+              <a:gd name="connsiteY0" fmla="*/ 0 h 5696020"/>
+              <a:gd name="connsiteX1" fmla="*/ 6313655 w 6313655"/>
+              <a:gd name="connsiteY1" fmla="*/ 0 h 5696020"/>
+              <a:gd name="connsiteX2" fmla="*/ 3550375 w 6313655"/>
+              <a:gd name="connsiteY2" fmla="*/ 5696020 h 5696020"/>
+              <a:gd name="connsiteX3" fmla="*/ 0 w 6313655"/>
+              <a:gd name="connsiteY3" fmla="*/ 5696020 h 5696020"/>
+            </a:gdLst>
+            <a:ahLst/>
+            <a:cxnLst>
+              <a:cxn ang="0">
+                <a:pos x="connsiteX0" y="connsiteY0"/>
+              </a:cxn>
+              <a:cxn ang="0">
+                <a:pos x="connsiteX1" y="connsiteY1"/>
+              </a:cxn>
+              <a:cxn ang="0">
+                <a:pos x="connsiteX2" y="connsiteY2"/>
+              </a:cxn>
+              <a:cxn ang="0">
+                <a:pos x="connsiteX3" y="connsiteY3"/>
+              </a:cxn>
+            </a:cxnLst>
+            <a:rect l="l" t="t" r="r" b="b"/>
+            <a:pathLst>
+              <a:path w="6313655" h="5696020">
+                <a:moveTo>
+                  <a:pt x="0" y="0"/>
+                </a:moveTo>
+                <a:lnTo>
+                  <a:pt x="6313655" y="0"/>
+                </a:lnTo>
+                <a:lnTo>
+                  <a:pt x="3550375" y="5696020"/>
+                </a:lnTo>
+                <a:lnTo>
+                  <a:pt x="0" y="5696020"/>
+                </a:lnTo>
+                <a:close/>
+              </a:path>
+            </a:pathLst>
+          </a:custGeom>
+          <a:solidFill>
+            <a:srgbClr val="303030"/>
+          </a:solidFill>
+          <a:ln>
+            <a:noFill/>
+          </a:ln>
+        </p:spPr>
+        <p:style>
+          <a:lnRef idx="2">
+            <a:schemeClr val="accent1">
+              <a:shade val="50000"/>
+            </a:schemeClr>
+          </a:lnRef>
+          <a:fillRef idx="1">
+            <a:schemeClr val="accent1"/>
+          </a:fillRef>
+          <a:effectRef idx="0">
+            <a:schemeClr val="accent1"/>
+          </a:effectRef>
+          <a:fontRef idx="minor">
+            <a:schemeClr val="lt1"/>
+          </a:fontRef>
+        </p:style>
+        <p:txBody>
+          <a:bodyPr wrap="square" rtlCol="0" anchor="ctr">
+            <a:noAutofit/>
+          </a:bodyPr>
+          <a:lstStyle/>
+          <a:p>
+            <a:pPr marL="0" marR="0" lvl="0" indent="0" algn="ctr" defTabSz="914400" rtl="0" eaLnBrk="1" fontAlgn="auto" latinLnBrk="0" hangingPunct="1">
+              <a:lnSpc>
+                <a:spcPct val="100000"/>
+              </a:lnSpc>
+              <a:spcBef>
+                <a:spcPts val="0"/>
+              </a:spcBef>
+              <a:spcAft>
+                <a:spcPts val="0"/>
+              </a:spcAft>
+              <a:buClrTx/>
+              <a:buSzTx/>
+              <a:buFontTx/>
+              <a:buNone/>
+              <a:tabLst/>
+              <a:defRPr/>
+            </a:pPr>
+            <a:endParaRPr kumimoji="0" lang="en-US" sz="1800" b="0" i="0" u="none" strike="noStrike" kern="1200" cap="none" spc="0" normalizeH="0" baseline="0" noProof="0" dirty="0">
+              <a:ln>
+                <a:noFill/>
+              </a:ln>
+              <a:solidFill>
+                <a:prstClr val="black">
+                  <a:lumMod val="95000"/>
+                </a:prstClr>
+              </a:solidFill>
+              <a:effectLst/>
+              <a:uLnTx/>
+              <a:uFillTx/>
+              <a:latin typeface="Calibri" panose="020F0502020204030204"/>
+              <a:ea typeface="+mn-ea"/>
+              <a:cs typeface="+mn-cs"/>
+            </a:endParaRPr>
+          </a:p>
+        </p:txBody>
+      </p:sp>
+      <p:sp>
+        <p:nvSpPr>
+          <p:cNvPr id="2" name="Title 1">
+            <a:extLst>
+              <a:ext uri="{FF2B5EF4-FFF2-40B4-BE49-F238E27FC236}">
+                <a16:creationId xmlns:a16="http://schemas.microsoft.com/office/drawing/2014/main" id="{4A82BB9B-E199-42D7-A912-5F69E924B3AF}"/>
+              </a:ext>
+            </a:extLst>
+          </p:cNvPr>
+          <p:cNvSpPr>
+            <a:spLocks noGrp="1"/>
+          </p:cNvSpPr>
+          <p:nvPr>
+            <p:ph type="title"/>
+          </p:nvPr>
+        </p:nvSpPr>
+        <p:spPr>
+          <a:xfrm>
+            <a:off x="838200" y="926351"/>
+            <a:ext cx="3805518" cy="2892625"/>
+          </a:xfrm>
+        </p:spPr>
+        <p:txBody>
+          <a:bodyPr anchor="b">
+            <a:normAutofit/>
+          </a:bodyPr>
+          <a:lstStyle/>
+          <a:p>
+            <a:r>
+              <a:rPr lang="en-US">
+                <a:solidFill>
+                  <a:srgbClr val="FFFFFF"/>
+                </a:solidFill>
+              </a:rPr>
               <a:t>Week 1 – Socket Programming</a:t>
             </a:r>
             <a:br>
-              <a:rPr lang="en-US" dirty="0"/>
+              <a:rPr lang="en-US">
+                <a:solidFill>
+                  <a:srgbClr val="FFFFFF"/>
+                </a:solidFill>
+              </a:rPr>
             </a:br>
-            <a:endParaRPr lang="en-US" dirty="0"/>
+            <a:endParaRPr lang="en-US">
+              <a:solidFill>
+                <a:srgbClr val="FFFFFF"/>
+              </a:solidFill>
+            </a:endParaRPr>
           </a:p>
         </p:txBody>
       </p:sp>
@@ -4175,13 +5401,24 @@
                 <p:ph idx="1"/>
               </p:nvPr>
             </p:nvSpPr>
-            <p:spPr/>
+            <p:spPr>
+              <a:xfrm>
+                <a:off x="6313655" y="926351"/>
+                <a:ext cx="5040144" cy="5091953"/>
+              </a:xfrm>
+            </p:spPr>
             <p:txBody>
-              <a:bodyPr/>
+              <a:bodyPr anchor="ctr">
+                <a:normAutofit/>
+              </a:bodyPr>
               <a:lstStyle/>
               <a:p>
                 <a:r>
-                  <a:rPr lang="en-US" dirty="0"/>
+                  <a:rPr lang="en-US" sz="2000">
+                    <a:solidFill>
+                      <a:schemeClr val="bg1"/>
+                    </a:solidFill>
+                  </a:rPr>
                   <a:t>Wrote an in depth writeup for </a:t>
                 </a:r>
                 <a14:m>
@@ -4189,7 +5426,10 @@
                     <m:sSup>
                       <m:sSupPr>
                         <m:ctrlPr>
-                          <a:rPr lang="en-US" i="1" smtClean="0">
+                          <a:rPr lang="en-US" sz="2000" i="1">
+                            <a:solidFill>
+                              <a:schemeClr val="bg1"/>
+                            </a:solidFill>
                             <a:latin typeface="Cambria Math" panose="02040503050406030204" pitchFamily="18" charset="0"/>
                           </a:rPr>
                         </m:ctrlPr>
@@ -4199,27 +5439,42 @@
                           <m:rPr>
                             <m:nor/>
                           </m:rPr>
-                          <a:rPr lang="en-US" dirty="0" smtClean="0"/>
+                          <a:rPr lang="en-US" sz="2000">
+                            <a:solidFill>
+                              <a:schemeClr val="bg1"/>
+                            </a:solidFill>
+                          </a:rPr>
                           <m:t>socket</m:t>
                         </m:r>
                         <m:r>
                           <m:rPr>
                             <m:nor/>
                           </m:rPr>
-                          <a:rPr lang="en-US" b="0" i="0" dirty="0" smtClean="0"/>
+                          <a:rPr lang="en-US" sz="2000" b="0" i="0">
+                            <a:solidFill>
+                              <a:schemeClr val="bg1"/>
+                            </a:solidFill>
+                          </a:rPr>
                           <m:t> </m:t>
                         </m:r>
                         <m:r>
                           <m:rPr>
                             <m:nor/>
                           </m:rPr>
-                          <a:rPr lang="en-US" b="0" i="0" dirty="0" smtClean="0"/>
+                          <a:rPr lang="en-US" sz="2000" b="0" i="0">
+                            <a:solidFill>
+                              <a:schemeClr val="bg1"/>
+                            </a:solidFill>
+                          </a:rPr>
                           <m:t>programming</m:t>
                         </m:r>
                       </m:e>
                       <m:sup>
                         <m:r>
-                          <a:rPr lang="en-US" b="0" i="1" smtClean="0">
+                          <a:rPr lang="en-US" sz="2000" b="0" i="1">
+                            <a:solidFill>
+                              <a:schemeClr val="bg1"/>
+                            </a:solidFill>
                             <a:latin typeface="Cambria Math" panose="02040503050406030204" pitchFamily="18" charset="0"/>
                           </a:rPr>
                           <m:t>1</m:t>
@@ -4229,39 +5484,63 @@
                   </m:oMath>
                 </a14:m>
                 <a:r>
-                  <a:rPr lang="en-US" dirty="0"/>
+                  <a:rPr lang="en-US" sz="2000">
+                    <a:solidFill>
+                      <a:schemeClr val="bg1"/>
+                    </a:solidFill>
+                  </a:rPr>
                   <a:t> and the various socket function calls.</a:t>
                 </a:r>
               </a:p>
               <a:p>
                 <a:r>
-                  <a:rPr lang="en-US" dirty="0"/>
+                  <a:rPr lang="en-US" sz="2000">
+                    <a:solidFill>
+                      <a:schemeClr val="bg1"/>
+                    </a:solidFill>
+                  </a:rPr>
                   <a:t>Noted the possible socket faults</a:t>
                 </a:r>
               </a:p>
               <a:p>
                 <a:r>
-                  <a:rPr lang="en-US" dirty="0"/>
+                  <a:rPr lang="en-US" sz="2000">
+                    <a:solidFill>
+                      <a:schemeClr val="bg1"/>
+                    </a:solidFill>
+                  </a:rPr>
                   <a:t>Analyzed TCP/IP network packets with Wireshark</a:t>
                 </a:r>
               </a:p>
               <a:p>
                 <a:pPr lvl="1"/>
                 <a:r>
-                  <a:rPr lang="en-US" dirty="0"/>
+                  <a:rPr lang="en-US" sz="2000">
+                    <a:solidFill>
+                      <a:schemeClr val="bg1"/>
+                    </a:solidFill>
+                  </a:rPr>
                   <a:t>Broke down packet header information, interpreted checksums, acknowledgement and other TCP/IP relevant information that would be used</a:t>
                 </a:r>
               </a:p>
               <a:p>
                 <a:pPr lvl="1"/>
                 <a:r>
-                  <a:rPr lang="en-US" dirty="0"/>
+                  <a:rPr lang="en-US" sz="2000">
+                    <a:solidFill>
+                      <a:schemeClr val="bg1"/>
+                    </a:solidFill>
+                  </a:rPr>
                   <a:t>Analyzed 3 step handshake involved with TCP</a:t>
                 </a:r>
               </a:p>
               <a:p>
                 <a:r>
-                  <a:rPr lang="en-US" dirty="0"/>
+                  <a:rPr lang="en-US" sz="2000">
+                    <a:solidFill>
+                      <a:schemeClr val="bg1"/>
+                    </a:solidFill>
+                  </a:rPr>
                   <a:t>Programmed a Client-Server program with this knowledge and created a HTTP server program to interface with HTTP requests </a:t>
                 </a:r>
                 <a14:m>
@@ -4269,14 +5548,20 @@
                     <m:sSup>
                       <m:sSupPr>
                         <m:ctrlPr>
-                          <a:rPr lang="en-US" i="1" smtClean="0">
+                          <a:rPr lang="en-US" sz="2000" i="1">
+                            <a:solidFill>
+                              <a:schemeClr val="bg1"/>
+                            </a:solidFill>
                             <a:latin typeface="Cambria Math" panose="02040503050406030204" pitchFamily="18" charset="0"/>
                           </a:rPr>
                         </m:ctrlPr>
                       </m:sSupPr>
                       <m:e>
                         <m:r>
-                          <a:rPr lang="en-US" b="0" i="1" smtClean="0">
+                          <a:rPr lang="en-US" sz="2000" b="0" i="1">
+                            <a:solidFill>
+                              <a:schemeClr val="bg1"/>
+                            </a:solidFill>
                             <a:latin typeface="Cambria Math" panose="02040503050406030204" pitchFamily="18" charset="0"/>
                           </a:rPr>
                           <m:t> </m:t>
@@ -4284,7 +5569,10 @@
                       </m:e>
                       <m:sup>
                         <m:r>
-                          <a:rPr lang="en-US" b="0" i="1" dirty="0" smtClean="0">
+                          <a:rPr lang="en-US" sz="2000" b="0" i="1">
+                            <a:solidFill>
+                              <a:schemeClr val="bg1"/>
+                            </a:solidFill>
                             <a:latin typeface="Cambria Math" panose="02040503050406030204" pitchFamily="18" charset="0"/>
                           </a:rPr>
                           <m:t>2</m:t>
@@ -4294,7 +5582,11 @@
                   </m:oMath>
                 </a14:m>
                 <a:r>
-                  <a:rPr lang="en-US" dirty="0"/>
+                  <a:rPr lang="en-US" sz="2000">
+                    <a:solidFill>
+                      <a:schemeClr val="bg1"/>
+                    </a:solidFill>
+                  </a:rPr>
                   <a:t> </a:t>
                 </a:r>
               </a:p>
@@ -4319,10 +5611,14 @@
               </p:nvPr>
             </p:nvSpPr>
             <p:spPr>
+              <a:xfrm>
+                <a:off x="6313655" y="926351"/>
+                <a:ext cx="5040144" cy="5091953"/>
+              </a:xfrm>
               <a:blipFill>
                 <a:blip r:embed="rId3"/>
                 <a:stretch>
-                  <a:fillRect l="-1043" t="-2241"/>
+                  <a:fillRect l="-1090" r="-2179"/>
                 </a:stretch>
               </a:blipFill>
             </p:spPr>
@@ -4349,7 +5645,7 @@
     </p:extLst>
   </p:cSld>
   <p:clrMapOvr>
-    <a:masterClrMapping/>
+    <a:overrideClrMapping bg1="dk1" tx1="lt1" bg2="dk2" tx2="lt2" accent1="accent1" accent2="accent2" accent3="accent3" accent4="accent4" accent5="accent5" accent6="accent6" hlink="hlink" folHlink="folHlink"/>
   </p:clrMapOvr>
 </p:sld>
 </file>
@@ -4357,6 +5653,14 @@
 <file path=ppt/slides/slide3.xml><?xml version="1.0" encoding="utf-8"?>
 <p:sld xmlns:a="http://schemas.openxmlformats.org/drawingml/2006/main" xmlns:r="http://schemas.openxmlformats.org/officeDocument/2006/relationships" xmlns:p="http://schemas.openxmlformats.org/presentationml/2006/main">
   <p:cSld>
+    <p:bg>
+      <p:bgPr>
+        <a:solidFill>
+          <a:schemeClr val="bg1"/>
+        </a:solidFill>
+        <a:effectLst/>
+      </p:bgPr>
+    </p:bg>
     <p:spTree>
       <p:nvGrpSpPr>
         <p:cNvPr id="1" name=""/>
@@ -4373,71 +5677,327 @@
       </p:grpSpPr>
       <p:sp>
         <p:nvSpPr>
-          <p:cNvPr id="2" name="Title 1">
-            <a:extLst>
-              <a:ext uri="{FF2B5EF4-FFF2-40B4-BE49-F238E27FC236}">
-                <a16:creationId xmlns:a16="http://schemas.microsoft.com/office/drawing/2014/main" id="{120844ED-2D33-426D-B735-18050BA4EB8D}"/>
-              </a:ext>
-            </a:extLst>
-          </p:cNvPr>
-          <p:cNvSpPr>
-            <a:spLocks noGrp="1"/>
-          </p:cNvSpPr>
-          <p:nvPr>
-            <p:ph type="title"/>
-          </p:nvPr>
-        </p:nvSpPr>
-        <p:spPr/>
-        <p:txBody>
-          <a:bodyPr/>
-          <a:lstStyle/>
-          <a:p>
-            <a:r>
-              <a:rPr lang="en-US" dirty="0"/>
-              <a:t>Week 2 – GIT presentation</a:t>
-            </a:r>
-          </a:p>
-        </p:txBody>
-      </p:sp>
-      <p:sp>
-        <p:nvSpPr>
-          <p:cNvPr id="3" name="Content Placeholder 2">
-            <a:extLst>
-              <a:ext uri="{FF2B5EF4-FFF2-40B4-BE49-F238E27FC236}">
-                <a16:creationId xmlns:a16="http://schemas.microsoft.com/office/drawing/2014/main" id="{D19A6C64-2247-44FE-824A-52B54C56A2CB}"/>
-              </a:ext>
-            </a:extLst>
-          </p:cNvPr>
-          <p:cNvSpPr>
-            <a:spLocks noGrp="1"/>
-          </p:cNvSpPr>
-          <p:nvPr>
-            <p:ph idx="1"/>
+          <p:cNvPr id="8" name="Rectangle 7">
+            <a:extLst>
+              <a:ext uri="{FF2B5EF4-FFF2-40B4-BE49-F238E27FC236}">
+                <a16:creationId xmlns:a16="http://schemas.microsoft.com/office/drawing/2014/main" id="{179F7551-E956-43CB-8F36-268A5DA443BE}"/>
+              </a:ext>
+              <a:ext uri="{C183D7F6-B498-43B3-948B-1728B52AA6E4}">
+                <adec:decorative xmlns:adec="http://schemas.microsoft.com/office/drawing/2017/decorative" val="1"/>
+              </a:ext>
+            </a:extLst>
+          </p:cNvPr>
+          <p:cNvSpPr>
+            <a:spLocks noGrp="1" noRot="1" noChangeAspect="1" noMove="1" noResize="1" noEditPoints="1" noAdjustHandles="1" noChangeArrowheads="1" noChangeShapeType="1" noTextEdit="1"/>
+          </p:cNvSpPr>
+          <p:nvPr>
+            <p:extLst>
+              <p:ext uri="{386F3935-93C4-4BCD-93E2-E3B085C9AB24}">
+                <p16:designElem xmlns:p16="http://schemas.microsoft.com/office/powerpoint/2015/main" val="1"/>
+              </p:ext>
+            </p:extLst>
           </p:nvPr>
         </p:nvSpPr>
         <p:spPr>
           <a:xfrm>
-            <a:off x="838200" y="1799121"/>
-            <a:ext cx="10515600" cy="4351338"/>
+            <a:off x="1524" y="0"/>
+            <a:ext cx="12188952" cy="6858000"/>
+          </a:xfrm>
+          <a:prstGeom prst="rect">
+            <a:avLst/>
+          </a:prstGeom>
+          <a:solidFill>
+            <a:schemeClr val="tx1"/>
+          </a:solidFill>
+          <a:ln>
+            <a:noFill/>
+          </a:ln>
+        </p:spPr>
+        <p:style>
+          <a:lnRef idx="2">
+            <a:schemeClr val="accent1">
+              <a:shade val="50000"/>
+            </a:schemeClr>
+          </a:lnRef>
+          <a:fillRef idx="1">
+            <a:schemeClr val="accent1"/>
+          </a:fillRef>
+          <a:effectRef idx="0">
+            <a:schemeClr val="accent1"/>
+          </a:effectRef>
+          <a:fontRef idx="minor">
+            <a:schemeClr val="lt1"/>
+          </a:fontRef>
+        </p:style>
+        <p:txBody>
+          <a:bodyPr rtlCol="0" anchor="ctr"/>
+          <a:lstStyle/>
+          <a:p>
+            <a:pPr marL="0" marR="0" lvl="0" indent="0" algn="ctr" defTabSz="914400" rtl="0" eaLnBrk="1" fontAlgn="auto" latinLnBrk="0" hangingPunct="1">
+              <a:lnSpc>
+                <a:spcPct val="100000"/>
+              </a:lnSpc>
+              <a:spcBef>
+                <a:spcPts val="0"/>
+              </a:spcBef>
+              <a:spcAft>
+                <a:spcPts val="0"/>
+              </a:spcAft>
+              <a:buClrTx/>
+              <a:buSzTx/>
+              <a:buFontTx/>
+              <a:buNone/>
+              <a:tabLst/>
+              <a:defRPr/>
+            </a:pPr>
+            <a:endParaRPr kumimoji="0" lang="en-US" sz="1800" b="0" i="0" u="none" strike="noStrike" kern="1200" cap="none" spc="0" normalizeH="0" baseline="0" noProof="0">
+              <a:ln>
+                <a:noFill/>
+              </a:ln>
+              <a:solidFill>
+                <a:prstClr val="white"/>
+              </a:solidFill>
+              <a:effectLst/>
+              <a:uLnTx/>
+              <a:uFillTx/>
+              <a:latin typeface="Calibri" panose="020F0502020204030204"/>
+              <a:ea typeface="+mn-ea"/>
+              <a:cs typeface="+mn-cs"/>
+            </a:endParaRPr>
+          </a:p>
+        </p:txBody>
+      </p:sp>
+      <p:sp>
+        <p:nvSpPr>
+          <p:cNvPr id="10" name="Freeform: Shape 9">
+            <a:extLst>
+              <a:ext uri="{FF2B5EF4-FFF2-40B4-BE49-F238E27FC236}">
+                <a16:creationId xmlns:a16="http://schemas.microsoft.com/office/drawing/2014/main" id="{53E68D9A-86E1-4C0E-BBF2-8769D05233F6}"/>
+              </a:ext>
+              <a:ext uri="{C183D7F6-B498-43B3-948B-1728B52AA6E4}">
+                <adec:decorative xmlns:adec="http://schemas.microsoft.com/office/drawing/2017/decorative" val="1"/>
+              </a:ext>
+            </a:extLst>
+          </p:cNvPr>
+          <p:cNvSpPr>
+            <a:spLocks noGrp="1" noRot="1" noChangeAspect="1" noMove="1" noResize="1" noEditPoints="1" noAdjustHandles="1" noChangeArrowheads="1" noChangeShapeType="1" noTextEdit="1"/>
+          </p:cNvSpPr>
+          <p:nvPr>
+            <p:extLst>
+              <p:ext uri="{386F3935-93C4-4BCD-93E2-E3B085C9AB24}">
+                <p16:designElem xmlns:p16="http://schemas.microsoft.com/office/powerpoint/2015/main" val="1"/>
+              </p:ext>
+            </p:extLst>
+          </p:nvPr>
+        </p:nvSpPr>
+        <p:spPr>
+          <a:xfrm>
+            <a:off x="0" y="523805"/>
+            <a:ext cx="6313655" cy="5696020"/>
+          </a:xfrm>
+          <a:custGeom>
+            <a:avLst/>
+            <a:gdLst>
+              <a:gd name="connsiteX0" fmla="*/ 0 w 6313655"/>
+              <a:gd name="connsiteY0" fmla="*/ 0 h 5696020"/>
+              <a:gd name="connsiteX1" fmla="*/ 6313655 w 6313655"/>
+              <a:gd name="connsiteY1" fmla="*/ 0 h 5696020"/>
+              <a:gd name="connsiteX2" fmla="*/ 3550375 w 6313655"/>
+              <a:gd name="connsiteY2" fmla="*/ 5696020 h 5696020"/>
+              <a:gd name="connsiteX3" fmla="*/ 0 w 6313655"/>
+              <a:gd name="connsiteY3" fmla="*/ 5696020 h 5696020"/>
+            </a:gdLst>
+            <a:ahLst/>
+            <a:cxnLst>
+              <a:cxn ang="0">
+                <a:pos x="connsiteX0" y="connsiteY0"/>
+              </a:cxn>
+              <a:cxn ang="0">
+                <a:pos x="connsiteX1" y="connsiteY1"/>
+              </a:cxn>
+              <a:cxn ang="0">
+                <a:pos x="connsiteX2" y="connsiteY2"/>
+              </a:cxn>
+              <a:cxn ang="0">
+                <a:pos x="connsiteX3" y="connsiteY3"/>
+              </a:cxn>
+            </a:cxnLst>
+            <a:rect l="l" t="t" r="r" b="b"/>
+            <a:pathLst>
+              <a:path w="6313655" h="5696020">
+                <a:moveTo>
+                  <a:pt x="0" y="0"/>
+                </a:moveTo>
+                <a:lnTo>
+                  <a:pt x="6313655" y="0"/>
+                </a:lnTo>
+                <a:lnTo>
+                  <a:pt x="3550375" y="5696020"/>
+                </a:lnTo>
+                <a:lnTo>
+                  <a:pt x="0" y="5696020"/>
+                </a:lnTo>
+                <a:close/>
+              </a:path>
+            </a:pathLst>
+          </a:custGeom>
+          <a:solidFill>
+            <a:srgbClr val="303030"/>
+          </a:solidFill>
+          <a:ln>
+            <a:noFill/>
+          </a:ln>
+        </p:spPr>
+        <p:style>
+          <a:lnRef idx="2">
+            <a:schemeClr val="accent1">
+              <a:shade val="50000"/>
+            </a:schemeClr>
+          </a:lnRef>
+          <a:fillRef idx="1">
+            <a:schemeClr val="accent1"/>
+          </a:fillRef>
+          <a:effectRef idx="0">
+            <a:schemeClr val="accent1"/>
+          </a:effectRef>
+          <a:fontRef idx="minor">
+            <a:schemeClr val="lt1"/>
+          </a:fontRef>
+        </p:style>
+        <p:txBody>
+          <a:bodyPr wrap="square" rtlCol="0" anchor="ctr">
+            <a:noAutofit/>
+          </a:bodyPr>
+          <a:lstStyle/>
+          <a:p>
+            <a:pPr marL="0" marR="0" lvl="0" indent="0" algn="ctr" defTabSz="914400" rtl="0" eaLnBrk="1" fontAlgn="auto" latinLnBrk="0" hangingPunct="1">
+              <a:lnSpc>
+                <a:spcPct val="100000"/>
+              </a:lnSpc>
+              <a:spcBef>
+                <a:spcPts val="0"/>
+              </a:spcBef>
+              <a:spcAft>
+                <a:spcPts val="0"/>
+              </a:spcAft>
+              <a:buClrTx/>
+              <a:buSzTx/>
+              <a:buFontTx/>
+              <a:buNone/>
+              <a:tabLst/>
+              <a:defRPr/>
+            </a:pPr>
+            <a:endParaRPr kumimoji="0" lang="en-US" sz="1800" b="0" i="0" u="none" strike="noStrike" kern="1200" cap="none" spc="0" normalizeH="0" baseline="0" noProof="0" dirty="0">
+              <a:ln>
+                <a:noFill/>
+              </a:ln>
+              <a:solidFill>
+                <a:prstClr val="black">
+                  <a:lumMod val="95000"/>
+                </a:prstClr>
+              </a:solidFill>
+              <a:effectLst/>
+              <a:uLnTx/>
+              <a:uFillTx/>
+              <a:latin typeface="Calibri" panose="020F0502020204030204"/>
+              <a:ea typeface="+mn-ea"/>
+              <a:cs typeface="+mn-cs"/>
+            </a:endParaRPr>
+          </a:p>
+        </p:txBody>
+      </p:sp>
+      <p:sp>
+        <p:nvSpPr>
+          <p:cNvPr id="2" name="Title 1">
+            <a:extLst>
+              <a:ext uri="{FF2B5EF4-FFF2-40B4-BE49-F238E27FC236}">
+                <a16:creationId xmlns:a16="http://schemas.microsoft.com/office/drawing/2014/main" id="{120844ED-2D33-426D-B735-18050BA4EB8D}"/>
+              </a:ext>
+            </a:extLst>
+          </p:cNvPr>
+          <p:cNvSpPr>
+            <a:spLocks noGrp="1"/>
+          </p:cNvSpPr>
+          <p:nvPr>
+            <p:ph type="title"/>
+          </p:nvPr>
+        </p:nvSpPr>
+        <p:spPr>
+          <a:xfrm>
+            <a:off x="838200" y="926351"/>
+            <a:ext cx="3805518" cy="2892625"/>
           </a:xfrm>
         </p:spPr>
         <p:txBody>
-          <a:bodyPr/>
+          <a:bodyPr anchor="b">
+            <a:normAutofit/>
+          </a:bodyPr>
           <a:lstStyle/>
           <a:p>
             <a:r>
-              <a:rPr lang="en-US" dirty="0"/>
+              <a:rPr lang="en-US">
+                <a:solidFill>
+                  <a:srgbClr val="FFFFFF"/>
+                </a:solidFill>
+              </a:rPr>
+              <a:t>Week 2 – GIT presentation</a:t>
+            </a:r>
+          </a:p>
+        </p:txBody>
+      </p:sp>
+      <p:sp>
+        <p:nvSpPr>
+          <p:cNvPr id="3" name="Content Placeholder 2">
+            <a:extLst>
+              <a:ext uri="{FF2B5EF4-FFF2-40B4-BE49-F238E27FC236}">
+                <a16:creationId xmlns:a16="http://schemas.microsoft.com/office/drawing/2014/main" id="{D19A6C64-2247-44FE-824A-52B54C56A2CB}"/>
+              </a:ext>
+            </a:extLst>
+          </p:cNvPr>
+          <p:cNvSpPr>
+            <a:spLocks noGrp="1"/>
+          </p:cNvSpPr>
+          <p:nvPr>
+            <p:ph idx="1"/>
+          </p:nvPr>
+        </p:nvSpPr>
+        <p:spPr>
+          <a:xfrm>
+            <a:off x="6313655" y="926351"/>
+            <a:ext cx="5040144" cy="5091953"/>
+          </a:xfrm>
+        </p:spPr>
+        <p:txBody>
+          <a:bodyPr anchor="ctr">
+            <a:normAutofit/>
+          </a:bodyPr>
+          <a:lstStyle/>
+          <a:p>
+            <a:r>
+              <a:rPr lang="en-US" sz="2000">
+                <a:solidFill>
+                  <a:schemeClr val="bg1"/>
+                </a:solidFill>
+              </a:rPr>
               <a:t>Summarized the basic functionality and background behind git</a:t>
             </a:r>
           </a:p>
           <a:p>
             <a:r>
-              <a:rPr lang="en-US" dirty="0"/>
+              <a:rPr lang="en-US" sz="2000">
+                <a:solidFill>
+                  <a:schemeClr val="bg1"/>
+                </a:solidFill>
+              </a:rPr>
               <a:t>Read the documentation and parsed the information into a relevant summary</a:t>
             </a:r>
           </a:p>
           <a:p>
-            <a:endParaRPr lang="en-US" dirty="0"/>
+            <a:endParaRPr lang="en-US" sz="2000">
+              <a:solidFill>
+                <a:schemeClr val="bg1"/>
+              </a:solidFill>
+            </a:endParaRPr>
           </a:p>
         </p:txBody>
       </p:sp>
@@ -4449,7 +6009,7 @@
     </p:extLst>
   </p:cSld>
   <p:clrMapOvr>
-    <a:masterClrMapping/>
+    <a:overrideClrMapping bg1="dk1" tx1="lt1" bg2="dk2" tx2="lt2" accent1="accent1" accent2="accent2" accent3="accent3" accent4="accent4" accent5="accent5" accent6="accent6" hlink="hlink" folHlink="folHlink"/>
   </p:clrMapOvr>
 </p:sld>
 </file>
@@ -4457,6 +6017,14 @@
 <file path=ppt/slides/slide4.xml><?xml version="1.0" encoding="utf-8"?>
 <p:sld xmlns:a="http://schemas.openxmlformats.org/drawingml/2006/main" xmlns:r="http://schemas.openxmlformats.org/officeDocument/2006/relationships" xmlns:p="http://schemas.openxmlformats.org/presentationml/2006/main">
   <p:cSld>
+    <p:bg>
+      <p:bgPr>
+        <a:solidFill>
+          <a:schemeClr val="bg1"/>
+        </a:solidFill>
+        <a:effectLst/>
+      </p:bgPr>
+    </p:bg>
     <p:spTree>
       <p:nvGrpSpPr>
         <p:cNvPr id="1" name=""/>
@@ -4473,6 +6041,388 @@
       </p:grpSpPr>
       <p:sp>
         <p:nvSpPr>
+          <p:cNvPr id="13" name="Freeform: Shape 8">
+            <a:extLst>
+              <a:ext uri="{FF2B5EF4-FFF2-40B4-BE49-F238E27FC236}">
+                <a16:creationId xmlns:a16="http://schemas.microsoft.com/office/drawing/2014/main" id="{F60FCA6E-0894-46CD-BD49-5955A51E0084}"/>
+              </a:ext>
+              <a:ext uri="{C183D7F6-B498-43B3-948B-1728B52AA6E4}">
+                <adec:decorative xmlns:adec="http://schemas.microsoft.com/office/drawing/2017/decorative" val="1"/>
+              </a:ext>
+            </a:extLst>
+          </p:cNvPr>
+          <p:cNvSpPr>
+            <a:spLocks noGrp="1" noRot="1" noChangeAspect="1" noMove="1" noResize="1" noEditPoints="1" noAdjustHandles="1" noChangeArrowheads="1" noChangeShapeType="1" noTextEdit="1"/>
+          </p:cNvSpPr>
+          <p:nvPr>
+            <p:extLst>
+              <p:ext uri="{386F3935-93C4-4BCD-93E2-E3B085C9AB24}">
+                <p16:designElem xmlns:p16="http://schemas.microsoft.com/office/powerpoint/2015/main" val="1"/>
+              </p:ext>
+            </p:extLst>
+          </p:nvPr>
+        </p:nvSpPr>
+        <p:spPr>
+          <a:xfrm>
+            <a:off x="6831955" y="5346696"/>
+            <a:ext cx="5360045" cy="1511304"/>
+          </a:xfrm>
+          <a:custGeom>
+            <a:avLst/>
+            <a:gdLst>
+              <a:gd name="connsiteX0" fmla="*/ 4545473 w 5360045"/>
+              <a:gd name="connsiteY0" fmla="*/ 0 h 1511304"/>
+              <a:gd name="connsiteX1" fmla="*/ 5360045 w 5360045"/>
+              <a:gd name="connsiteY1" fmla="*/ 0 h 1511304"/>
+              <a:gd name="connsiteX2" fmla="*/ 5360045 w 5360045"/>
+              <a:gd name="connsiteY2" fmla="*/ 1046730 h 1511304"/>
+              <a:gd name="connsiteX3" fmla="*/ 5360045 w 5360045"/>
+              <a:gd name="connsiteY3" fmla="*/ 1508760 h 1511304"/>
+              <a:gd name="connsiteX4" fmla="*/ 5360045 w 5360045"/>
+              <a:gd name="connsiteY4" fmla="*/ 1511304 h 1511304"/>
+              <a:gd name="connsiteX5" fmla="*/ 4545474 w 5360045"/>
+              <a:gd name="connsiteY5" fmla="*/ 1511304 h 1511304"/>
+              <a:gd name="connsiteX6" fmla="*/ 2525897 w 5360045"/>
+              <a:gd name="connsiteY6" fmla="*/ 1511304 h 1511304"/>
+              <a:gd name="connsiteX7" fmla="*/ 0 w 5360045"/>
+              <a:gd name="connsiteY7" fmla="*/ 1511304 h 1511304"/>
+              <a:gd name="connsiteX8" fmla="*/ 697617 w 5360045"/>
+              <a:gd name="connsiteY8" fmla="*/ 3 h 1511304"/>
+              <a:gd name="connsiteX9" fmla="*/ 4545473 w 5360045"/>
+              <a:gd name="connsiteY9" fmla="*/ 3 h 1511304"/>
+            </a:gdLst>
+            <a:ahLst/>
+            <a:cxnLst>
+              <a:cxn ang="0">
+                <a:pos x="connsiteX0" y="connsiteY0"/>
+              </a:cxn>
+              <a:cxn ang="0">
+                <a:pos x="connsiteX1" y="connsiteY1"/>
+              </a:cxn>
+              <a:cxn ang="0">
+                <a:pos x="connsiteX2" y="connsiteY2"/>
+              </a:cxn>
+              <a:cxn ang="0">
+                <a:pos x="connsiteX3" y="connsiteY3"/>
+              </a:cxn>
+              <a:cxn ang="0">
+                <a:pos x="connsiteX4" y="connsiteY4"/>
+              </a:cxn>
+              <a:cxn ang="0">
+                <a:pos x="connsiteX5" y="connsiteY5"/>
+              </a:cxn>
+              <a:cxn ang="0">
+                <a:pos x="connsiteX6" y="connsiteY6"/>
+              </a:cxn>
+              <a:cxn ang="0">
+                <a:pos x="connsiteX7" y="connsiteY7"/>
+              </a:cxn>
+              <a:cxn ang="0">
+                <a:pos x="connsiteX8" y="connsiteY8"/>
+              </a:cxn>
+              <a:cxn ang="0">
+                <a:pos x="connsiteX9" y="connsiteY9"/>
+              </a:cxn>
+            </a:cxnLst>
+            <a:rect l="l" t="t" r="r" b="b"/>
+            <a:pathLst>
+              <a:path w="5360045" h="1511304">
+                <a:moveTo>
+                  <a:pt x="4545473" y="0"/>
+                </a:moveTo>
+                <a:lnTo>
+                  <a:pt x="5360045" y="0"/>
+                </a:lnTo>
+                <a:lnTo>
+                  <a:pt x="5360045" y="1046730"/>
+                </a:lnTo>
+                <a:lnTo>
+                  <a:pt x="5360045" y="1508760"/>
+                </a:lnTo>
+                <a:lnTo>
+                  <a:pt x="5360045" y="1511304"/>
+                </a:lnTo>
+                <a:lnTo>
+                  <a:pt x="4545474" y="1511304"/>
+                </a:lnTo>
+                <a:lnTo>
+                  <a:pt x="2525897" y="1511304"/>
+                </a:lnTo>
+                <a:lnTo>
+                  <a:pt x="0" y="1511304"/>
+                </a:lnTo>
+                <a:lnTo>
+                  <a:pt x="697617" y="3"/>
+                </a:lnTo>
+                <a:lnTo>
+                  <a:pt x="4545473" y="3"/>
+                </a:lnTo>
+                <a:close/>
+              </a:path>
+            </a:pathLst>
+          </a:custGeom>
+          <a:solidFill>
+            <a:srgbClr val="404040">
+              <a:alpha val="84706"/>
+            </a:srgbClr>
+          </a:solidFill>
+          <a:ln>
+            <a:noFill/>
+          </a:ln>
+        </p:spPr>
+        <p:style>
+          <a:lnRef idx="2">
+            <a:schemeClr val="accent1">
+              <a:shade val="50000"/>
+            </a:schemeClr>
+          </a:lnRef>
+          <a:fillRef idx="1">
+            <a:schemeClr val="accent1"/>
+          </a:fillRef>
+          <a:effectRef idx="0">
+            <a:schemeClr val="accent1"/>
+          </a:effectRef>
+          <a:fontRef idx="minor">
+            <a:schemeClr val="lt1"/>
+          </a:fontRef>
+        </p:style>
+        <p:txBody>
+          <a:bodyPr wrap="square" rtlCol="0" anchor="ctr">
+            <a:noAutofit/>
+          </a:bodyPr>
+          <a:lstStyle/>
+          <a:p>
+            <a:pPr algn="ctr"/>
+            <a:endParaRPr lang="en-US"/>
+          </a:p>
+        </p:txBody>
+      </p:sp>
+      <p:sp>
+        <p:nvSpPr>
+          <p:cNvPr id="14" name="Freeform: Shape 10">
+            <a:extLst>
+              <a:ext uri="{FF2B5EF4-FFF2-40B4-BE49-F238E27FC236}">
+                <a16:creationId xmlns:a16="http://schemas.microsoft.com/office/drawing/2014/main" id="{E78C6E4B-A1F1-4B6C-97EC-BE997495D6AC}"/>
+              </a:ext>
+              <a:ext uri="{C183D7F6-B498-43B3-948B-1728B52AA6E4}">
+                <adec:decorative xmlns:adec="http://schemas.microsoft.com/office/drawing/2017/decorative" val="1"/>
+              </a:ext>
+            </a:extLst>
+          </p:cNvPr>
+          <p:cNvSpPr>
+            <a:spLocks noGrp="1" noRot="1" noChangeAspect="1" noMove="1" noResize="1" noEditPoints="1" noAdjustHandles="1" noChangeArrowheads="1" noChangeShapeType="1" noTextEdit="1"/>
+          </p:cNvSpPr>
+          <p:nvPr>
+            <p:extLst>
+              <p:ext uri="{386F3935-93C4-4BCD-93E2-E3B085C9AB24}">
+                <p16:designElem xmlns:p16="http://schemas.microsoft.com/office/powerpoint/2015/main" val="1"/>
+              </p:ext>
+            </p:extLst>
+          </p:nvPr>
+        </p:nvSpPr>
+        <p:spPr>
+          <a:xfrm>
+            <a:off x="0" y="5346694"/>
+            <a:ext cx="7346605" cy="1511306"/>
+          </a:xfrm>
+          <a:custGeom>
+            <a:avLst/>
+            <a:gdLst>
+              <a:gd name="connsiteX0" fmla="*/ 0 w 7346605"/>
+              <a:gd name="connsiteY0" fmla="*/ 0 h 1511306"/>
+              <a:gd name="connsiteX1" fmla="*/ 239486 w 7346605"/>
+              <a:gd name="connsiteY1" fmla="*/ 0 h 1511306"/>
+              <a:gd name="connsiteX2" fmla="*/ 1209568 w 7346605"/>
+              <a:gd name="connsiteY2" fmla="*/ 0 h 1511306"/>
+              <a:gd name="connsiteX3" fmla="*/ 2405743 w 7346605"/>
+              <a:gd name="connsiteY3" fmla="*/ 0 h 1511306"/>
+              <a:gd name="connsiteX4" fmla="*/ 2405743 w 7346605"/>
+              <a:gd name="connsiteY4" fmla="*/ 2544 h 1511306"/>
+              <a:gd name="connsiteX5" fmla="*/ 2801131 w 7346605"/>
+              <a:gd name="connsiteY5" fmla="*/ 2544 h 1511306"/>
+              <a:gd name="connsiteX6" fmla="*/ 2801131 w 7346605"/>
+              <a:gd name="connsiteY6" fmla="*/ 0 h 1511306"/>
+              <a:gd name="connsiteX7" fmla="*/ 7346605 w 7346605"/>
+              <a:gd name="connsiteY7" fmla="*/ 0 h 1511306"/>
+              <a:gd name="connsiteX8" fmla="*/ 6648988 w 7346605"/>
+              <a:gd name="connsiteY8" fmla="*/ 1511301 h 1511306"/>
+              <a:gd name="connsiteX9" fmla="*/ 2801132 w 7346605"/>
+              <a:gd name="connsiteY9" fmla="*/ 1511301 h 1511306"/>
+              <a:gd name="connsiteX10" fmla="*/ 2801132 w 7346605"/>
+              <a:gd name="connsiteY10" fmla="*/ 1511304 h 1511306"/>
+              <a:gd name="connsiteX11" fmla="*/ 2405743 w 7346605"/>
+              <a:gd name="connsiteY11" fmla="*/ 1511304 h 1511306"/>
+              <a:gd name="connsiteX12" fmla="*/ 2405743 w 7346605"/>
+              <a:gd name="connsiteY12" fmla="*/ 1511306 h 1511306"/>
+              <a:gd name="connsiteX13" fmla="*/ 1333411 w 7346605"/>
+              <a:gd name="connsiteY13" fmla="*/ 1511306 h 1511306"/>
+              <a:gd name="connsiteX14" fmla="*/ 1219208 w 7346605"/>
+              <a:gd name="connsiteY14" fmla="*/ 1511306 h 1511306"/>
+              <a:gd name="connsiteX15" fmla="*/ 1209568 w 7346605"/>
+              <a:gd name="connsiteY15" fmla="*/ 1511306 h 1511306"/>
+              <a:gd name="connsiteX16" fmla="*/ 239486 w 7346605"/>
+              <a:gd name="connsiteY16" fmla="*/ 1511306 h 1511306"/>
+              <a:gd name="connsiteX17" fmla="*/ 0 w 7346605"/>
+              <a:gd name="connsiteY17" fmla="*/ 1511306 h 1511306"/>
+            </a:gdLst>
+            <a:ahLst/>
+            <a:cxnLst>
+              <a:cxn ang="0">
+                <a:pos x="connsiteX0" y="connsiteY0"/>
+              </a:cxn>
+              <a:cxn ang="0">
+                <a:pos x="connsiteX1" y="connsiteY1"/>
+              </a:cxn>
+              <a:cxn ang="0">
+                <a:pos x="connsiteX2" y="connsiteY2"/>
+              </a:cxn>
+              <a:cxn ang="0">
+                <a:pos x="connsiteX3" y="connsiteY3"/>
+              </a:cxn>
+              <a:cxn ang="0">
+                <a:pos x="connsiteX4" y="connsiteY4"/>
+              </a:cxn>
+              <a:cxn ang="0">
+                <a:pos x="connsiteX5" y="connsiteY5"/>
+              </a:cxn>
+              <a:cxn ang="0">
+                <a:pos x="connsiteX6" y="connsiteY6"/>
+              </a:cxn>
+              <a:cxn ang="0">
+                <a:pos x="connsiteX7" y="connsiteY7"/>
+              </a:cxn>
+              <a:cxn ang="0">
+                <a:pos x="connsiteX8" y="connsiteY8"/>
+              </a:cxn>
+              <a:cxn ang="0">
+                <a:pos x="connsiteX9" y="connsiteY9"/>
+              </a:cxn>
+              <a:cxn ang="0">
+                <a:pos x="connsiteX10" y="connsiteY10"/>
+              </a:cxn>
+              <a:cxn ang="0">
+                <a:pos x="connsiteX11" y="connsiteY11"/>
+              </a:cxn>
+              <a:cxn ang="0">
+                <a:pos x="connsiteX12" y="connsiteY12"/>
+              </a:cxn>
+              <a:cxn ang="0">
+                <a:pos x="connsiteX13" y="connsiteY13"/>
+              </a:cxn>
+              <a:cxn ang="0">
+                <a:pos x="connsiteX14" y="connsiteY14"/>
+              </a:cxn>
+              <a:cxn ang="0">
+                <a:pos x="connsiteX15" y="connsiteY15"/>
+              </a:cxn>
+              <a:cxn ang="0">
+                <a:pos x="connsiteX16" y="connsiteY16"/>
+              </a:cxn>
+              <a:cxn ang="0">
+                <a:pos x="connsiteX17" y="connsiteY17"/>
+              </a:cxn>
+            </a:cxnLst>
+            <a:rect l="l" t="t" r="r" b="b"/>
+            <a:pathLst>
+              <a:path w="7346605" h="1511306">
+                <a:moveTo>
+                  <a:pt x="0" y="0"/>
+                </a:moveTo>
+                <a:lnTo>
+                  <a:pt x="239486" y="0"/>
+                </a:lnTo>
+                <a:lnTo>
+                  <a:pt x="1209568" y="0"/>
+                </a:lnTo>
+                <a:lnTo>
+                  <a:pt x="2405743" y="0"/>
+                </a:lnTo>
+                <a:lnTo>
+                  <a:pt x="2405743" y="2544"/>
+                </a:lnTo>
+                <a:lnTo>
+                  <a:pt x="2801131" y="2544"/>
+                </a:lnTo>
+                <a:lnTo>
+                  <a:pt x="2801131" y="0"/>
+                </a:lnTo>
+                <a:lnTo>
+                  <a:pt x="7346605" y="0"/>
+                </a:lnTo>
+                <a:lnTo>
+                  <a:pt x="6648988" y="1511301"/>
+                </a:lnTo>
+                <a:lnTo>
+                  <a:pt x="2801132" y="1511301"/>
+                </a:lnTo>
+                <a:lnTo>
+                  <a:pt x="2801132" y="1511304"/>
+                </a:lnTo>
+                <a:lnTo>
+                  <a:pt x="2405743" y="1511304"/>
+                </a:lnTo>
+                <a:lnTo>
+                  <a:pt x="2405743" y="1511306"/>
+                </a:lnTo>
+                <a:lnTo>
+                  <a:pt x="1333411" y="1511306"/>
+                </a:lnTo>
+                <a:lnTo>
+                  <a:pt x="1219208" y="1511306"/>
+                </a:lnTo>
+                <a:lnTo>
+                  <a:pt x="1209568" y="1511306"/>
+                </a:lnTo>
+                <a:lnTo>
+                  <a:pt x="239486" y="1511306"/>
+                </a:lnTo>
+                <a:lnTo>
+                  <a:pt x="0" y="1511306"/>
+                </a:lnTo>
+                <a:close/>
+              </a:path>
+            </a:pathLst>
+          </a:custGeom>
+          <a:solidFill>
+            <a:srgbClr val="D0CECE"/>
+          </a:solidFill>
+          <a:ln>
+            <a:noFill/>
+          </a:ln>
+        </p:spPr>
+        <p:style>
+          <a:lnRef idx="2">
+            <a:schemeClr val="accent1">
+              <a:shade val="50000"/>
+            </a:schemeClr>
+          </a:lnRef>
+          <a:fillRef idx="1">
+            <a:schemeClr val="accent1"/>
+          </a:fillRef>
+          <a:effectRef idx="0">
+            <a:schemeClr val="accent1"/>
+          </a:effectRef>
+          <a:fontRef idx="minor">
+            <a:schemeClr val="lt1"/>
+          </a:fontRef>
+        </p:style>
+        <p:txBody>
+          <a:bodyPr rtlCol="0" anchor="ctr"/>
+          <a:lstStyle/>
+          <a:p>
+            <a:pPr algn="ctr"/>
+            <a:endParaRPr lang="en-US">
+              <a:solidFill>
+                <a:schemeClr val="bg1">
+                  <a:lumMod val="95000"/>
+                </a:schemeClr>
+              </a:solidFill>
+            </a:endParaRPr>
+          </a:p>
+        </p:txBody>
+      </p:sp>
+      <p:sp>
+        <p:nvSpPr>
           <p:cNvPr id="2" name="Title 1">
             <a:extLst>
               <a:ext uri="{FF2B5EF4-FFF2-40B4-BE49-F238E27FC236}">
@@ -4487,13 +6437,24 @@
             <p:ph type="title"/>
           </p:nvPr>
         </p:nvSpPr>
-        <p:spPr/>
-        <p:txBody>
-          <a:bodyPr/>
+        <p:spPr>
+          <a:xfrm>
+            <a:off x="841249" y="5529884"/>
+            <a:ext cx="5802656" cy="1096331"/>
+          </a:xfrm>
+        </p:spPr>
+        <p:txBody>
+          <a:bodyPr>
+            <a:normAutofit/>
+          </a:bodyPr>
           <a:lstStyle/>
           <a:p>
             <a:r>
-              <a:rPr lang="en-US" dirty="0"/>
+              <a:rPr lang="en-US" sz="4000">
+                <a:solidFill>
+                  <a:srgbClr val="303030"/>
+                </a:solidFill>
+              </a:rPr>
               <a:t>Week 2 – GIT GUI research</a:t>
             </a:r>
           </a:p>
@@ -4515,77 +6476,76 @@
             <p:ph idx="1"/>
           </p:nvPr>
         </p:nvSpPr>
-        <p:spPr/>
-        <p:txBody>
-          <a:bodyPr/>
+        <p:spPr>
+          <a:xfrm>
+            <a:off x="841248" y="731520"/>
+            <a:ext cx="5802657" cy="4254137"/>
+          </a:xfrm>
+        </p:spPr>
+        <p:txBody>
+          <a:bodyPr anchor="ctr">
+            <a:normAutofit/>
+          </a:bodyPr>
           <a:lstStyle/>
           <a:p>
             <a:r>
-              <a:rPr lang="en-US" dirty="0"/>
+              <a:rPr lang="en-US" sz="1900"/>
               <a:t>Programmed a GIT GUI</a:t>
             </a:r>
           </a:p>
           <a:p>
             <a:pPr lvl="1"/>
             <a:r>
-              <a:rPr lang="en-US" dirty="0"/>
+              <a:rPr lang="en-US" sz="1900"/>
               <a:t>Made several key decisions within the GUI</a:t>
             </a:r>
           </a:p>
           <a:p>
             <a:pPr lvl="2"/>
             <a:r>
-              <a:rPr lang="en-US" dirty="0"/>
+              <a:rPr lang="en-US" sz="1900"/>
               <a:t>Technologies used include Electron, npm, Materialize and VanillaJS/HTML/CSS</a:t>
             </a:r>
           </a:p>
           <a:p>
             <a:pPr lvl="2"/>
             <a:r>
-              <a:rPr lang="en-US" dirty="0"/>
+              <a:rPr lang="en-US" sz="1900"/>
               <a:t>Used node-git to interface with git</a:t>
             </a:r>
           </a:p>
           <a:p>
             <a:pPr lvl="1"/>
             <a:r>
-              <a:rPr lang="en-US" dirty="0"/>
+              <a:rPr lang="en-US" sz="1900"/>
               <a:t>Features </a:t>
             </a:r>
           </a:p>
           <a:p>
             <a:pPr lvl="2"/>
             <a:r>
-              <a:rPr lang="en-US" dirty="0"/>
-              <a:t>Implemented git </a:t>
-            </a:r>
-            <a:r>
-              <a:rPr lang="en-US" dirty="0" err="1"/>
-              <a:t>init</a:t>
-            </a:r>
-            <a:r>
-              <a:rPr lang="en-US" dirty="0"/>
-              <a:t>, git add, git commit</a:t>
+              <a:rPr lang="en-US" sz="1900"/>
+              <a:t>Implemented git init, git add, git commit</a:t>
             </a:r>
           </a:p>
           <a:p>
             <a:pPr lvl="2"/>
             <a:r>
-              <a:rPr lang="en-US" dirty="0"/>
+              <a:rPr lang="en-US" sz="1900"/>
               <a:t>Interfaced between git’s system and front-end application</a:t>
             </a:r>
           </a:p>
           <a:p>
             <a:pPr lvl="2"/>
             <a:r>
-              <a:rPr lang="en-US" dirty="0"/>
+              <a:rPr lang="en-US" sz="1900"/>
               <a:t>Show the diff between current version and changed version of the repository in a GUI interface</a:t>
             </a:r>
           </a:p>
           <a:p>
             <a:pPr lvl="2"/>
             <a:r>
-              <a:rPr lang="en-US" dirty="0"/>
+              <a:rPr lang="en-US" sz="1900"/>
               <a:t>Implemented forms to allow users to choose directories</a:t>
             </a:r>
           </a:p>
@@ -4613,22 +6573,12 @@
         </p:blipFill>
         <p:spPr>
           <a:xfrm>
-            <a:off x="8316206" y="365125"/>
-            <a:ext cx="3037593" cy="2212975"/>
+            <a:off x="7534654" y="1399553"/>
+            <a:ext cx="4008102" cy="2915894"/>
           </a:xfrm>
           <a:prstGeom prst="rect">
             <a:avLst/>
           </a:prstGeom>
-          <a:ln>
-            <a:noFill/>
-          </a:ln>
-          <a:effectLst>
-            <a:outerShdw blurRad="190500" algn="tl" rotWithShape="0">
-              <a:srgbClr val="000000">
-                <a:alpha val="70000"/>
-              </a:srgbClr>
-            </a:outerShdw>
-          </a:effectLst>
         </p:spPr>
       </p:pic>
     </p:spTree>
@@ -4647,6 +6597,14 @@
 <file path=ppt/slides/slide5.xml><?xml version="1.0" encoding="utf-8"?>
 <p:sld xmlns:a="http://schemas.openxmlformats.org/drawingml/2006/main" xmlns:r="http://schemas.openxmlformats.org/officeDocument/2006/relationships" xmlns:p="http://schemas.openxmlformats.org/presentationml/2006/main">
   <p:cSld>
+    <p:bg>
+      <p:bgPr>
+        <a:solidFill>
+          <a:schemeClr val="bg1"/>
+        </a:solidFill>
+        <a:effectLst/>
+      </p:bgPr>
+    </p:bg>
     <p:spTree>
       <p:nvGrpSpPr>
         <p:cNvPr id="1" name=""/>
@@ -4663,6 +6621,237 @@
       </p:grpSpPr>
       <p:sp>
         <p:nvSpPr>
+          <p:cNvPr id="8" name="Rectangle 7">
+            <a:extLst>
+              <a:ext uri="{FF2B5EF4-FFF2-40B4-BE49-F238E27FC236}">
+                <a16:creationId xmlns:a16="http://schemas.microsoft.com/office/drawing/2014/main" id="{179F7551-E956-43CB-8F36-268A5DA443BE}"/>
+              </a:ext>
+              <a:ext uri="{C183D7F6-B498-43B3-948B-1728B52AA6E4}">
+                <adec:decorative xmlns:adec="http://schemas.microsoft.com/office/drawing/2017/decorative" val="1"/>
+              </a:ext>
+            </a:extLst>
+          </p:cNvPr>
+          <p:cNvSpPr>
+            <a:spLocks noGrp="1" noRot="1" noChangeAspect="1" noMove="1" noResize="1" noEditPoints="1" noAdjustHandles="1" noChangeArrowheads="1" noChangeShapeType="1" noTextEdit="1"/>
+          </p:cNvSpPr>
+          <p:nvPr>
+            <p:extLst>
+              <p:ext uri="{386F3935-93C4-4BCD-93E2-E3B085C9AB24}">
+                <p16:designElem xmlns:p16="http://schemas.microsoft.com/office/powerpoint/2015/main" val="1"/>
+              </p:ext>
+            </p:extLst>
+          </p:nvPr>
+        </p:nvSpPr>
+        <p:spPr>
+          <a:xfrm>
+            <a:off x="1524" y="0"/>
+            <a:ext cx="12188952" cy="6858000"/>
+          </a:xfrm>
+          <a:prstGeom prst="rect">
+            <a:avLst/>
+          </a:prstGeom>
+          <a:solidFill>
+            <a:schemeClr val="tx1"/>
+          </a:solidFill>
+          <a:ln>
+            <a:noFill/>
+          </a:ln>
+        </p:spPr>
+        <p:style>
+          <a:lnRef idx="2">
+            <a:schemeClr val="accent1">
+              <a:shade val="50000"/>
+            </a:schemeClr>
+          </a:lnRef>
+          <a:fillRef idx="1">
+            <a:schemeClr val="accent1"/>
+          </a:fillRef>
+          <a:effectRef idx="0">
+            <a:schemeClr val="accent1"/>
+          </a:effectRef>
+          <a:fontRef idx="minor">
+            <a:schemeClr val="lt1"/>
+          </a:fontRef>
+        </p:style>
+        <p:txBody>
+          <a:bodyPr rtlCol="0" anchor="ctr"/>
+          <a:lstStyle/>
+          <a:p>
+            <a:pPr marL="0" marR="0" lvl="0" indent="0" algn="ctr" defTabSz="914400" rtl="0" eaLnBrk="1" fontAlgn="auto" latinLnBrk="0" hangingPunct="1">
+              <a:lnSpc>
+                <a:spcPct val="100000"/>
+              </a:lnSpc>
+              <a:spcBef>
+                <a:spcPts val="0"/>
+              </a:spcBef>
+              <a:spcAft>
+                <a:spcPts val="0"/>
+              </a:spcAft>
+              <a:buClrTx/>
+              <a:buSzTx/>
+              <a:buFontTx/>
+              <a:buNone/>
+              <a:tabLst/>
+              <a:defRPr/>
+            </a:pPr>
+            <a:endParaRPr kumimoji="0" lang="en-US" sz="1800" b="0" i="0" u="none" strike="noStrike" kern="1200" cap="none" spc="0" normalizeH="0" baseline="0" noProof="0">
+              <a:ln>
+                <a:noFill/>
+              </a:ln>
+              <a:solidFill>
+                <a:prstClr val="white"/>
+              </a:solidFill>
+              <a:effectLst/>
+              <a:uLnTx/>
+              <a:uFillTx/>
+              <a:latin typeface="Calibri" panose="020F0502020204030204"/>
+              <a:ea typeface="+mn-ea"/>
+              <a:cs typeface="+mn-cs"/>
+            </a:endParaRPr>
+          </a:p>
+        </p:txBody>
+      </p:sp>
+      <p:sp>
+        <p:nvSpPr>
+          <p:cNvPr id="10" name="Freeform: Shape 9">
+            <a:extLst>
+              <a:ext uri="{FF2B5EF4-FFF2-40B4-BE49-F238E27FC236}">
+                <a16:creationId xmlns:a16="http://schemas.microsoft.com/office/drawing/2014/main" id="{53E68D9A-86E1-4C0E-BBF2-8769D05233F6}"/>
+              </a:ext>
+              <a:ext uri="{C183D7F6-B498-43B3-948B-1728B52AA6E4}">
+                <adec:decorative xmlns:adec="http://schemas.microsoft.com/office/drawing/2017/decorative" val="1"/>
+              </a:ext>
+            </a:extLst>
+          </p:cNvPr>
+          <p:cNvSpPr>
+            <a:spLocks noGrp="1" noRot="1" noChangeAspect="1" noMove="1" noResize="1" noEditPoints="1" noAdjustHandles="1" noChangeArrowheads="1" noChangeShapeType="1" noTextEdit="1"/>
+          </p:cNvSpPr>
+          <p:nvPr>
+            <p:extLst>
+              <p:ext uri="{386F3935-93C4-4BCD-93E2-E3B085C9AB24}">
+                <p16:designElem xmlns:p16="http://schemas.microsoft.com/office/powerpoint/2015/main" val="1"/>
+              </p:ext>
+            </p:extLst>
+          </p:nvPr>
+        </p:nvSpPr>
+        <p:spPr>
+          <a:xfrm>
+            <a:off x="0" y="523805"/>
+            <a:ext cx="6313655" cy="5696020"/>
+          </a:xfrm>
+          <a:custGeom>
+            <a:avLst/>
+            <a:gdLst>
+              <a:gd name="connsiteX0" fmla="*/ 0 w 6313655"/>
+              <a:gd name="connsiteY0" fmla="*/ 0 h 5696020"/>
+              <a:gd name="connsiteX1" fmla="*/ 6313655 w 6313655"/>
+              <a:gd name="connsiteY1" fmla="*/ 0 h 5696020"/>
+              <a:gd name="connsiteX2" fmla="*/ 3550375 w 6313655"/>
+              <a:gd name="connsiteY2" fmla="*/ 5696020 h 5696020"/>
+              <a:gd name="connsiteX3" fmla="*/ 0 w 6313655"/>
+              <a:gd name="connsiteY3" fmla="*/ 5696020 h 5696020"/>
+            </a:gdLst>
+            <a:ahLst/>
+            <a:cxnLst>
+              <a:cxn ang="0">
+                <a:pos x="connsiteX0" y="connsiteY0"/>
+              </a:cxn>
+              <a:cxn ang="0">
+                <a:pos x="connsiteX1" y="connsiteY1"/>
+              </a:cxn>
+              <a:cxn ang="0">
+                <a:pos x="connsiteX2" y="connsiteY2"/>
+              </a:cxn>
+              <a:cxn ang="0">
+                <a:pos x="connsiteX3" y="connsiteY3"/>
+              </a:cxn>
+            </a:cxnLst>
+            <a:rect l="l" t="t" r="r" b="b"/>
+            <a:pathLst>
+              <a:path w="6313655" h="5696020">
+                <a:moveTo>
+                  <a:pt x="0" y="0"/>
+                </a:moveTo>
+                <a:lnTo>
+                  <a:pt x="6313655" y="0"/>
+                </a:lnTo>
+                <a:lnTo>
+                  <a:pt x="3550375" y="5696020"/>
+                </a:lnTo>
+                <a:lnTo>
+                  <a:pt x="0" y="5696020"/>
+                </a:lnTo>
+                <a:close/>
+              </a:path>
+            </a:pathLst>
+          </a:custGeom>
+          <a:solidFill>
+            <a:srgbClr val="303030"/>
+          </a:solidFill>
+          <a:ln>
+            <a:noFill/>
+          </a:ln>
+        </p:spPr>
+        <p:style>
+          <a:lnRef idx="2">
+            <a:schemeClr val="accent1">
+              <a:shade val="50000"/>
+            </a:schemeClr>
+          </a:lnRef>
+          <a:fillRef idx="1">
+            <a:schemeClr val="accent1"/>
+          </a:fillRef>
+          <a:effectRef idx="0">
+            <a:schemeClr val="accent1"/>
+          </a:effectRef>
+          <a:fontRef idx="minor">
+            <a:schemeClr val="lt1"/>
+          </a:fontRef>
+        </p:style>
+        <p:txBody>
+          <a:bodyPr wrap="square" rtlCol="0" anchor="ctr">
+            <a:noAutofit/>
+          </a:bodyPr>
+          <a:lstStyle/>
+          <a:p>
+            <a:pPr marL="0" marR="0" lvl="0" indent="0" algn="ctr" defTabSz="914400" rtl="0" eaLnBrk="1" fontAlgn="auto" latinLnBrk="0" hangingPunct="1">
+              <a:lnSpc>
+                <a:spcPct val="100000"/>
+              </a:lnSpc>
+              <a:spcBef>
+                <a:spcPts val="0"/>
+              </a:spcBef>
+              <a:spcAft>
+                <a:spcPts val="0"/>
+              </a:spcAft>
+              <a:buClrTx/>
+              <a:buSzTx/>
+              <a:buFontTx/>
+              <a:buNone/>
+              <a:tabLst/>
+              <a:defRPr/>
+            </a:pPr>
+            <a:endParaRPr kumimoji="0" lang="en-US" sz="1800" b="0" i="0" u="none" strike="noStrike" kern="1200" cap="none" spc="0" normalizeH="0" baseline="0" noProof="0" dirty="0">
+              <a:ln>
+                <a:noFill/>
+              </a:ln>
+              <a:solidFill>
+                <a:prstClr val="black">
+                  <a:lumMod val="95000"/>
+                </a:prstClr>
+              </a:solidFill>
+              <a:effectLst/>
+              <a:uLnTx/>
+              <a:uFillTx/>
+              <a:latin typeface="Calibri" panose="020F0502020204030204"/>
+              <a:ea typeface="+mn-ea"/>
+              <a:cs typeface="+mn-cs"/>
+            </a:endParaRPr>
+          </a:p>
+        </p:txBody>
+      </p:sp>
+      <p:sp>
+        <p:nvSpPr>
           <p:cNvPr id="2" name="Title 1">
             <a:extLst>
               <a:ext uri="{FF2B5EF4-FFF2-40B4-BE49-F238E27FC236}">
@@ -4677,13 +6866,24 @@
             <p:ph type="title"/>
           </p:nvPr>
         </p:nvSpPr>
-        <p:spPr/>
-        <p:txBody>
-          <a:bodyPr/>
+        <p:spPr>
+          <a:xfrm>
+            <a:off x="838200" y="926351"/>
+            <a:ext cx="3805518" cy="2892625"/>
+          </a:xfrm>
+        </p:spPr>
+        <p:txBody>
+          <a:bodyPr anchor="b">
+            <a:normAutofit/>
+          </a:bodyPr>
           <a:lstStyle/>
           <a:p>
             <a:r>
-              <a:rPr lang="en-US" dirty="0"/>
+              <a:rPr lang="en-US">
+                <a:solidFill>
+                  <a:srgbClr val="FFFFFF"/>
+                </a:solidFill>
+              </a:rPr>
               <a:t>Week 3 – REACT added</a:t>
             </a:r>
           </a:p>
@@ -4705,59 +6905,98 @@
             <p:ph idx="1"/>
           </p:nvPr>
         </p:nvSpPr>
-        <p:spPr/>
-        <p:txBody>
-          <a:bodyPr/>
+        <p:spPr>
+          <a:xfrm>
+            <a:off x="6313655" y="926351"/>
+            <a:ext cx="5040144" cy="5091953"/>
+          </a:xfrm>
+        </p:spPr>
+        <p:txBody>
+          <a:bodyPr anchor="ctr">
+            <a:normAutofit/>
+          </a:bodyPr>
           <a:lstStyle/>
           <a:p>
             <a:r>
-              <a:rPr lang="en-US" dirty="0"/>
+              <a:rPr lang="en-US" sz="1700">
+                <a:solidFill>
+                  <a:schemeClr val="bg1"/>
+                </a:solidFill>
+              </a:rPr>
               <a:t>Design Decisions</a:t>
             </a:r>
           </a:p>
           <a:p>
             <a:pPr lvl="1"/>
             <a:r>
-              <a:rPr lang="en-US" dirty="0"/>
+              <a:rPr lang="en-US" sz="1700">
+                <a:solidFill>
+                  <a:schemeClr val="bg1"/>
+                </a:solidFill>
+              </a:rPr>
               <a:t>Over the course of this week, I realized that a multi-page application implementation would not be suffice for my uses.</a:t>
             </a:r>
           </a:p>
           <a:p>
             <a:pPr lvl="1"/>
             <a:r>
-              <a:rPr lang="en-US" dirty="0"/>
+              <a:rPr lang="en-US" sz="1700">
+                <a:solidFill>
+                  <a:schemeClr val="bg1"/>
+                </a:solidFill>
+              </a:rPr>
               <a:t>To remedy this situation (as the render of a new page would cause a disconnect in the experience</a:t>
             </a:r>
           </a:p>
           <a:p>
             <a:pPr lvl="1"/>
             <a:r>
-              <a:rPr lang="en-US" dirty="0"/>
+              <a:rPr lang="en-US" sz="1700">
+                <a:solidFill>
+                  <a:schemeClr val="bg1"/>
+                </a:solidFill>
+              </a:rPr>
               <a:t>To augment REACT, I added REDUX (state management) to have a core store for all information to go towards.</a:t>
             </a:r>
           </a:p>
           <a:p>
             <a:pPr lvl="1"/>
             <a:r>
-              <a:rPr lang="en-US" dirty="0"/>
+              <a:rPr lang="en-US" sz="1700">
+                <a:solidFill>
+                  <a:schemeClr val="bg1"/>
+                </a:solidFill>
+              </a:rPr>
               <a:t>Implement Build environment for compilation of the new dependencies – used a boilerplate with gulp, customized for my needs</a:t>
             </a:r>
           </a:p>
           <a:p>
             <a:r>
-              <a:rPr lang="en-US" dirty="0"/>
+              <a:rPr lang="en-US" sz="1700">
+                <a:solidFill>
+                  <a:schemeClr val="bg1"/>
+                </a:solidFill>
+              </a:rPr>
               <a:t>Features</a:t>
             </a:r>
           </a:p>
           <a:p>
             <a:pPr lvl="1"/>
             <a:r>
-              <a:rPr lang="en-US" dirty="0"/>
+              <a:rPr lang="en-US" sz="1700">
+                <a:solidFill>
+                  <a:schemeClr val="bg1"/>
+                </a:solidFill>
+              </a:rPr>
               <a:t>Added on git push from a configured repository/environment</a:t>
             </a:r>
           </a:p>
           <a:p>
-            <a:endParaRPr lang="en-US" dirty="0"/>
+            <a:endParaRPr lang="en-US" sz="1700">
+              <a:solidFill>
+                <a:schemeClr val="bg1"/>
+              </a:solidFill>
+            </a:endParaRPr>
           </a:p>
         </p:txBody>
       </p:sp>
@@ -4769,7 +7008,7 @@
     </p:extLst>
   </p:cSld>
   <p:clrMapOvr>
-    <a:masterClrMapping/>
+    <a:overrideClrMapping bg1="dk1" tx1="lt1" bg2="dk2" tx2="lt2" accent1="accent1" accent2="accent2" accent3="accent3" accent4="accent4" accent5="accent5" accent6="accent6" hlink="hlink" folHlink="folHlink"/>
   </p:clrMapOvr>
 </p:sld>
 </file>
@@ -4777,6 +7016,14 @@
 <file path=ppt/slides/slide6.xml><?xml version="1.0" encoding="utf-8"?>
 <p:sld xmlns:a="http://schemas.openxmlformats.org/drawingml/2006/main" xmlns:r="http://schemas.openxmlformats.org/officeDocument/2006/relationships" xmlns:p="http://schemas.openxmlformats.org/presentationml/2006/main">
   <p:cSld>
+    <p:bg>
+      <p:bgPr>
+        <a:solidFill>
+          <a:schemeClr val="bg1"/>
+        </a:solidFill>
+        <a:effectLst/>
+      </p:bgPr>
+    </p:bg>
     <p:spTree>
       <p:nvGrpSpPr>
         <p:cNvPr id="1" name=""/>
@@ -4793,6 +7040,388 @@
       </p:grpSpPr>
       <p:sp>
         <p:nvSpPr>
+          <p:cNvPr id="10" name="Freeform: Shape 9">
+            <a:extLst>
+              <a:ext uri="{FF2B5EF4-FFF2-40B4-BE49-F238E27FC236}">
+                <a16:creationId xmlns:a16="http://schemas.microsoft.com/office/drawing/2014/main" id="{F60FCA6E-0894-46CD-BD49-5955A51E0084}"/>
+              </a:ext>
+              <a:ext uri="{C183D7F6-B498-43B3-948B-1728B52AA6E4}">
+                <adec:decorative xmlns:adec="http://schemas.microsoft.com/office/drawing/2017/decorative" val="1"/>
+              </a:ext>
+            </a:extLst>
+          </p:cNvPr>
+          <p:cNvSpPr>
+            <a:spLocks noGrp="1" noRot="1" noChangeAspect="1" noMove="1" noResize="1" noEditPoints="1" noAdjustHandles="1" noChangeArrowheads="1" noChangeShapeType="1" noTextEdit="1"/>
+          </p:cNvSpPr>
+          <p:nvPr>
+            <p:extLst>
+              <p:ext uri="{386F3935-93C4-4BCD-93E2-E3B085C9AB24}">
+                <p16:designElem xmlns:p16="http://schemas.microsoft.com/office/powerpoint/2015/main" val="1"/>
+              </p:ext>
+            </p:extLst>
+          </p:nvPr>
+        </p:nvSpPr>
+        <p:spPr>
+          <a:xfrm>
+            <a:off x="6831955" y="5346696"/>
+            <a:ext cx="5360045" cy="1511304"/>
+          </a:xfrm>
+          <a:custGeom>
+            <a:avLst/>
+            <a:gdLst>
+              <a:gd name="connsiteX0" fmla="*/ 4545473 w 5360045"/>
+              <a:gd name="connsiteY0" fmla="*/ 0 h 1511304"/>
+              <a:gd name="connsiteX1" fmla="*/ 5360045 w 5360045"/>
+              <a:gd name="connsiteY1" fmla="*/ 0 h 1511304"/>
+              <a:gd name="connsiteX2" fmla="*/ 5360045 w 5360045"/>
+              <a:gd name="connsiteY2" fmla="*/ 1046730 h 1511304"/>
+              <a:gd name="connsiteX3" fmla="*/ 5360045 w 5360045"/>
+              <a:gd name="connsiteY3" fmla="*/ 1508760 h 1511304"/>
+              <a:gd name="connsiteX4" fmla="*/ 5360045 w 5360045"/>
+              <a:gd name="connsiteY4" fmla="*/ 1511304 h 1511304"/>
+              <a:gd name="connsiteX5" fmla="*/ 4545474 w 5360045"/>
+              <a:gd name="connsiteY5" fmla="*/ 1511304 h 1511304"/>
+              <a:gd name="connsiteX6" fmla="*/ 2525897 w 5360045"/>
+              <a:gd name="connsiteY6" fmla="*/ 1511304 h 1511304"/>
+              <a:gd name="connsiteX7" fmla="*/ 0 w 5360045"/>
+              <a:gd name="connsiteY7" fmla="*/ 1511304 h 1511304"/>
+              <a:gd name="connsiteX8" fmla="*/ 697617 w 5360045"/>
+              <a:gd name="connsiteY8" fmla="*/ 3 h 1511304"/>
+              <a:gd name="connsiteX9" fmla="*/ 4545473 w 5360045"/>
+              <a:gd name="connsiteY9" fmla="*/ 3 h 1511304"/>
+            </a:gdLst>
+            <a:ahLst/>
+            <a:cxnLst>
+              <a:cxn ang="0">
+                <a:pos x="connsiteX0" y="connsiteY0"/>
+              </a:cxn>
+              <a:cxn ang="0">
+                <a:pos x="connsiteX1" y="connsiteY1"/>
+              </a:cxn>
+              <a:cxn ang="0">
+                <a:pos x="connsiteX2" y="connsiteY2"/>
+              </a:cxn>
+              <a:cxn ang="0">
+                <a:pos x="connsiteX3" y="connsiteY3"/>
+              </a:cxn>
+              <a:cxn ang="0">
+                <a:pos x="connsiteX4" y="connsiteY4"/>
+              </a:cxn>
+              <a:cxn ang="0">
+                <a:pos x="connsiteX5" y="connsiteY5"/>
+              </a:cxn>
+              <a:cxn ang="0">
+                <a:pos x="connsiteX6" y="connsiteY6"/>
+              </a:cxn>
+              <a:cxn ang="0">
+                <a:pos x="connsiteX7" y="connsiteY7"/>
+              </a:cxn>
+              <a:cxn ang="0">
+                <a:pos x="connsiteX8" y="connsiteY8"/>
+              </a:cxn>
+              <a:cxn ang="0">
+                <a:pos x="connsiteX9" y="connsiteY9"/>
+              </a:cxn>
+            </a:cxnLst>
+            <a:rect l="l" t="t" r="r" b="b"/>
+            <a:pathLst>
+              <a:path w="5360045" h="1511304">
+                <a:moveTo>
+                  <a:pt x="4545473" y="0"/>
+                </a:moveTo>
+                <a:lnTo>
+                  <a:pt x="5360045" y="0"/>
+                </a:lnTo>
+                <a:lnTo>
+                  <a:pt x="5360045" y="1046730"/>
+                </a:lnTo>
+                <a:lnTo>
+                  <a:pt x="5360045" y="1508760"/>
+                </a:lnTo>
+                <a:lnTo>
+                  <a:pt x="5360045" y="1511304"/>
+                </a:lnTo>
+                <a:lnTo>
+                  <a:pt x="4545474" y="1511304"/>
+                </a:lnTo>
+                <a:lnTo>
+                  <a:pt x="2525897" y="1511304"/>
+                </a:lnTo>
+                <a:lnTo>
+                  <a:pt x="0" y="1511304"/>
+                </a:lnTo>
+                <a:lnTo>
+                  <a:pt x="697617" y="3"/>
+                </a:lnTo>
+                <a:lnTo>
+                  <a:pt x="4545473" y="3"/>
+                </a:lnTo>
+                <a:close/>
+              </a:path>
+            </a:pathLst>
+          </a:custGeom>
+          <a:solidFill>
+            <a:srgbClr val="404040">
+              <a:alpha val="84706"/>
+            </a:srgbClr>
+          </a:solidFill>
+          <a:ln>
+            <a:noFill/>
+          </a:ln>
+        </p:spPr>
+        <p:style>
+          <a:lnRef idx="2">
+            <a:schemeClr val="accent1">
+              <a:shade val="50000"/>
+            </a:schemeClr>
+          </a:lnRef>
+          <a:fillRef idx="1">
+            <a:schemeClr val="accent1"/>
+          </a:fillRef>
+          <a:effectRef idx="0">
+            <a:schemeClr val="accent1"/>
+          </a:effectRef>
+          <a:fontRef idx="minor">
+            <a:schemeClr val="lt1"/>
+          </a:fontRef>
+        </p:style>
+        <p:txBody>
+          <a:bodyPr wrap="square" rtlCol="0" anchor="ctr">
+            <a:noAutofit/>
+          </a:bodyPr>
+          <a:lstStyle/>
+          <a:p>
+            <a:pPr algn="ctr"/>
+            <a:endParaRPr lang="en-US"/>
+          </a:p>
+        </p:txBody>
+      </p:sp>
+      <p:sp>
+        <p:nvSpPr>
+          <p:cNvPr id="12" name="Freeform: Shape 11">
+            <a:extLst>
+              <a:ext uri="{FF2B5EF4-FFF2-40B4-BE49-F238E27FC236}">
+                <a16:creationId xmlns:a16="http://schemas.microsoft.com/office/drawing/2014/main" id="{E78C6E4B-A1F1-4B6C-97EC-BE997495D6AC}"/>
+              </a:ext>
+              <a:ext uri="{C183D7F6-B498-43B3-948B-1728B52AA6E4}">
+                <adec:decorative xmlns:adec="http://schemas.microsoft.com/office/drawing/2017/decorative" val="1"/>
+              </a:ext>
+            </a:extLst>
+          </p:cNvPr>
+          <p:cNvSpPr>
+            <a:spLocks noGrp="1" noRot="1" noChangeAspect="1" noMove="1" noResize="1" noEditPoints="1" noAdjustHandles="1" noChangeArrowheads="1" noChangeShapeType="1" noTextEdit="1"/>
+          </p:cNvSpPr>
+          <p:nvPr>
+            <p:extLst>
+              <p:ext uri="{386F3935-93C4-4BCD-93E2-E3B085C9AB24}">
+                <p16:designElem xmlns:p16="http://schemas.microsoft.com/office/powerpoint/2015/main" val="1"/>
+              </p:ext>
+            </p:extLst>
+          </p:nvPr>
+        </p:nvSpPr>
+        <p:spPr>
+          <a:xfrm>
+            <a:off x="0" y="5346694"/>
+            <a:ext cx="7346605" cy="1511306"/>
+          </a:xfrm>
+          <a:custGeom>
+            <a:avLst/>
+            <a:gdLst>
+              <a:gd name="connsiteX0" fmla="*/ 0 w 7346605"/>
+              <a:gd name="connsiteY0" fmla="*/ 0 h 1511306"/>
+              <a:gd name="connsiteX1" fmla="*/ 239486 w 7346605"/>
+              <a:gd name="connsiteY1" fmla="*/ 0 h 1511306"/>
+              <a:gd name="connsiteX2" fmla="*/ 1209568 w 7346605"/>
+              <a:gd name="connsiteY2" fmla="*/ 0 h 1511306"/>
+              <a:gd name="connsiteX3" fmla="*/ 2405743 w 7346605"/>
+              <a:gd name="connsiteY3" fmla="*/ 0 h 1511306"/>
+              <a:gd name="connsiteX4" fmla="*/ 2405743 w 7346605"/>
+              <a:gd name="connsiteY4" fmla="*/ 2544 h 1511306"/>
+              <a:gd name="connsiteX5" fmla="*/ 2801131 w 7346605"/>
+              <a:gd name="connsiteY5" fmla="*/ 2544 h 1511306"/>
+              <a:gd name="connsiteX6" fmla="*/ 2801131 w 7346605"/>
+              <a:gd name="connsiteY6" fmla="*/ 0 h 1511306"/>
+              <a:gd name="connsiteX7" fmla="*/ 7346605 w 7346605"/>
+              <a:gd name="connsiteY7" fmla="*/ 0 h 1511306"/>
+              <a:gd name="connsiteX8" fmla="*/ 6648988 w 7346605"/>
+              <a:gd name="connsiteY8" fmla="*/ 1511301 h 1511306"/>
+              <a:gd name="connsiteX9" fmla="*/ 2801132 w 7346605"/>
+              <a:gd name="connsiteY9" fmla="*/ 1511301 h 1511306"/>
+              <a:gd name="connsiteX10" fmla="*/ 2801132 w 7346605"/>
+              <a:gd name="connsiteY10" fmla="*/ 1511304 h 1511306"/>
+              <a:gd name="connsiteX11" fmla="*/ 2405743 w 7346605"/>
+              <a:gd name="connsiteY11" fmla="*/ 1511304 h 1511306"/>
+              <a:gd name="connsiteX12" fmla="*/ 2405743 w 7346605"/>
+              <a:gd name="connsiteY12" fmla="*/ 1511306 h 1511306"/>
+              <a:gd name="connsiteX13" fmla="*/ 1333411 w 7346605"/>
+              <a:gd name="connsiteY13" fmla="*/ 1511306 h 1511306"/>
+              <a:gd name="connsiteX14" fmla="*/ 1219208 w 7346605"/>
+              <a:gd name="connsiteY14" fmla="*/ 1511306 h 1511306"/>
+              <a:gd name="connsiteX15" fmla="*/ 1209568 w 7346605"/>
+              <a:gd name="connsiteY15" fmla="*/ 1511306 h 1511306"/>
+              <a:gd name="connsiteX16" fmla="*/ 239486 w 7346605"/>
+              <a:gd name="connsiteY16" fmla="*/ 1511306 h 1511306"/>
+              <a:gd name="connsiteX17" fmla="*/ 0 w 7346605"/>
+              <a:gd name="connsiteY17" fmla="*/ 1511306 h 1511306"/>
+            </a:gdLst>
+            <a:ahLst/>
+            <a:cxnLst>
+              <a:cxn ang="0">
+                <a:pos x="connsiteX0" y="connsiteY0"/>
+              </a:cxn>
+              <a:cxn ang="0">
+                <a:pos x="connsiteX1" y="connsiteY1"/>
+              </a:cxn>
+              <a:cxn ang="0">
+                <a:pos x="connsiteX2" y="connsiteY2"/>
+              </a:cxn>
+              <a:cxn ang="0">
+                <a:pos x="connsiteX3" y="connsiteY3"/>
+              </a:cxn>
+              <a:cxn ang="0">
+                <a:pos x="connsiteX4" y="connsiteY4"/>
+              </a:cxn>
+              <a:cxn ang="0">
+                <a:pos x="connsiteX5" y="connsiteY5"/>
+              </a:cxn>
+              <a:cxn ang="0">
+                <a:pos x="connsiteX6" y="connsiteY6"/>
+              </a:cxn>
+              <a:cxn ang="0">
+                <a:pos x="connsiteX7" y="connsiteY7"/>
+              </a:cxn>
+              <a:cxn ang="0">
+                <a:pos x="connsiteX8" y="connsiteY8"/>
+              </a:cxn>
+              <a:cxn ang="0">
+                <a:pos x="connsiteX9" y="connsiteY9"/>
+              </a:cxn>
+              <a:cxn ang="0">
+                <a:pos x="connsiteX10" y="connsiteY10"/>
+              </a:cxn>
+              <a:cxn ang="0">
+                <a:pos x="connsiteX11" y="connsiteY11"/>
+              </a:cxn>
+              <a:cxn ang="0">
+                <a:pos x="connsiteX12" y="connsiteY12"/>
+              </a:cxn>
+              <a:cxn ang="0">
+                <a:pos x="connsiteX13" y="connsiteY13"/>
+              </a:cxn>
+              <a:cxn ang="0">
+                <a:pos x="connsiteX14" y="connsiteY14"/>
+              </a:cxn>
+              <a:cxn ang="0">
+                <a:pos x="connsiteX15" y="connsiteY15"/>
+              </a:cxn>
+              <a:cxn ang="0">
+                <a:pos x="connsiteX16" y="connsiteY16"/>
+              </a:cxn>
+              <a:cxn ang="0">
+                <a:pos x="connsiteX17" y="connsiteY17"/>
+              </a:cxn>
+            </a:cxnLst>
+            <a:rect l="l" t="t" r="r" b="b"/>
+            <a:pathLst>
+              <a:path w="7346605" h="1511306">
+                <a:moveTo>
+                  <a:pt x="0" y="0"/>
+                </a:moveTo>
+                <a:lnTo>
+                  <a:pt x="239486" y="0"/>
+                </a:lnTo>
+                <a:lnTo>
+                  <a:pt x="1209568" y="0"/>
+                </a:lnTo>
+                <a:lnTo>
+                  <a:pt x="2405743" y="0"/>
+                </a:lnTo>
+                <a:lnTo>
+                  <a:pt x="2405743" y="2544"/>
+                </a:lnTo>
+                <a:lnTo>
+                  <a:pt x="2801131" y="2544"/>
+                </a:lnTo>
+                <a:lnTo>
+                  <a:pt x="2801131" y="0"/>
+                </a:lnTo>
+                <a:lnTo>
+                  <a:pt x="7346605" y="0"/>
+                </a:lnTo>
+                <a:lnTo>
+                  <a:pt x="6648988" y="1511301"/>
+                </a:lnTo>
+                <a:lnTo>
+                  <a:pt x="2801132" y="1511301"/>
+                </a:lnTo>
+                <a:lnTo>
+                  <a:pt x="2801132" y="1511304"/>
+                </a:lnTo>
+                <a:lnTo>
+                  <a:pt x="2405743" y="1511304"/>
+                </a:lnTo>
+                <a:lnTo>
+                  <a:pt x="2405743" y="1511306"/>
+                </a:lnTo>
+                <a:lnTo>
+                  <a:pt x="1333411" y="1511306"/>
+                </a:lnTo>
+                <a:lnTo>
+                  <a:pt x="1219208" y="1511306"/>
+                </a:lnTo>
+                <a:lnTo>
+                  <a:pt x="1209568" y="1511306"/>
+                </a:lnTo>
+                <a:lnTo>
+                  <a:pt x="239486" y="1511306"/>
+                </a:lnTo>
+                <a:lnTo>
+                  <a:pt x="0" y="1511306"/>
+                </a:lnTo>
+                <a:close/>
+              </a:path>
+            </a:pathLst>
+          </a:custGeom>
+          <a:solidFill>
+            <a:srgbClr val="D0CECE"/>
+          </a:solidFill>
+          <a:ln>
+            <a:noFill/>
+          </a:ln>
+        </p:spPr>
+        <p:style>
+          <a:lnRef idx="2">
+            <a:schemeClr val="accent1">
+              <a:shade val="50000"/>
+            </a:schemeClr>
+          </a:lnRef>
+          <a:fillRef idx="1">
+            <a:schemeClr val="accent1"/>
+          </a:fillRef>
+          <a:effectRef idx="0">
+            <a:schemeClr val="accent1"/>
+          </a:effectRef>
+          <a:fontRef idx="minor">
+            <a:schemeClr val="lt1"/>
+          </a:fontRef>
+        </p:style>
+        <p:txBody>
+          <a:bodyPr rtlCol="0" anchor="ctr"/>
+          <a:lstStyle/>
+          <a:p>
+            <a:pPr algn="ctr"/>
+            <a:endParaRPr lang="en-US">
+              <a:solidFill>
+                <a:schemeClr val="bg1">
+                  <a:lumMod val="95000"/>
+                </a:schemeClr>
+              </a:solidFill>
+            </a:endParaRPr>
+          </a:p>
+        </p:txBody>
+      </p:sp>
+      <p:sp>
+        <p:nvSpPr>
           <p:cNvPr id="2" name="Title 1">
             <a:extLst>
               <a:ext uri="{FF2B5EF4-FFF2-40B4-BE49-F238E27FC236}">
@@ -4807,76 +7436,25 @@
             <p:ph type="title"/>
           </p:nvPr>
         </p:nvSpPr>
-        <p:spPr/>
-        <p:txBody>
-          <a:bodyPr/>
+        <p:spPr>
+          <a:xfrm>
+            <a:off x="841247" y="5529884"/>
+            <a:ext cx="5806440" cy="1096331"/>
+          </a:xfrm>
+        </p:spPr>
+        <p:txBody>
+          <a:bodyPr>
+            <a:normAutofit/>
+          </a:bodyPr>
           <a:lstStyle/>
           <a:p>
             <a:r>
-              <a:rPr lang="en-US" dirty="0"/>
+              <a:rPr lang="en-US" sz="3400">
+                <a:solidFill>
+                  <a:srgbClr val="303030"/>
+                </a:solidFill>
+              </a:rPr>
               <a:t>Week 4 – Adding Listening and Routing	</a:t>
-            </a:r>
-          </a:p>
-        </p:txBody>
-      </p:sp>
-      <p:sp>
-        <p:nvSpPr>
-          <p:cNvPr id="3" name="Content Placeholder 2">
-            <a:extLst>
-              <a:ext uri="{FF2B5EF4-FFF2-40B4-BE49-F238E27FC236}">
-                <a16:creationId xmlns:a16="http://schemas.microsoft.com/office/drawing/2014/main" id="{3912A293-EEE6-491B-A5EE-9132F48B589F}"/>
-              </a:ext>
-            </a:extLst>
-          </p:cNvPr>
-          <p:cNvSpPr>
-            <a:spLocks noGrp="1"/>
-          </p:cNvSpPr>
-          <p:nvPr>
-            <p:ph idx="1"/>
-          </p:nvPr>
-        </p:nvSpPr>
-        <p:spPr/>
-        <p:txBody>
-          <a:bodyPr/>
-          <a:lstStyle/>
-          <a:p>
-            <a:r>
-              <a:rPr lang="en-US" dirty="0"/>
-              <a:t>Design Decisions</a:t>
-            </a:r>
-          </a:p>
-          <a:p>
-            <a:pPr lvl="1"/>
-            <a:r>
-              <a:rPr lang="en-US" dirty="0"/>
-              <a:t>With Redux Routing, allow for one-page applications with multiple views, to solve the previous week’s issue with its full functionality</a:t>
-            </a:r>
-          </a:p>
-          <a:p>
-            <a:pPr lvl="1"/>
-            <a:r>
-              <a:rPr lang="en-US" dirty="0"/>
-              <a:t>With node-watch, we view (theoretically) and update whenever a new change has been made</a:t>
-            </a:r>
-          </a:p>
-          <a:p>
-            <a:pPr lvl="1"/>
-            <a:r>
-              <a:rPr lang="en-US" dirty="0"/>
-              <a:t>With material UI design a front-end interface with consistent design decisions</a:t>
-            </a:r>
-          </a:p>
-          <a:p>
-            <a:r>
-              <a:rPr lang="en-US" dirty="0"/>
-              <a:t>Features</a:t>
-            </a:r>
-          </a:p>
-          <a:p>
-            <a:pPr lvl="1"/>
-            <a:r>
-              <a:rPr lang="en-US" dirty="0"/>
-              <a:t>Can display git diff and status with information</a:t>
             </a:r>
           </a:p>
         </p:txBody>
@@ -4903,14 +7481,83 @@
         </p:blipFill>
         <p:spPr>
           <a:xfrm>
-            <a:off x="7508401" y="4332530"/>
-            <a:ext cx="4683599" cy="2525470"/>
+            <a:off x="841247" y="1326249"/>
+            <a:ext cx="6049942" cy="3266968"/>
           </a:xfrm>
           <a:prstGeom prst="rect">
             <a:avLst/>
           </a:prstGeom>
         </p:spPr>
       </p:pic>
+      <p:sp>
+        <p:nvSpPr>
+          <p:cNvPr id="3" name="Content Placeholder 2">
+            <a:extLst>
+              <a:ext uri="{FF2B5EF4-FFF2-40B4-BE49-F238E27FC236}">
+                <a16:creationId xmlns:a16="http://schemas.microsoft.com/office/drawing/2014/main" id="{3912A293-EEE6-491B-A5EE-9132F48B589F}"/>
+              </a:ext>
+            </a:extLst>
+          </p:cNvPr>
+          <p:cNvSpPr>
+            <a:spLocks noGrp="1"/>
+          </p:cNvSpPr>
+          <p:nvPr>
+            <p:ph idx="1"/>
+          </p:nvPr>
+        </p:nvSpPr>
+        <p:spPr>
+          <a:xfrm>
+            <a:off x="7534655" y="965199"/>
+            <a:ext cx="4008101" cy="4020458"/>
+          </a:xfrm>
+        </p:spPr>
+        <p:txBody>
+          <a:bodyPr anchor="ctr">
+            <a:normAutofit/>
+          </a:bodyPr>
+          <a:lstStyle/>
+          <a:p>
+            <a:r>
+              <a:rPr lang="en-US" sz="1700"/>
+              <a:t>Design Decisions</a:t>
+            </a:r>
+          </a:p>
+          <a:p>
+            <a:pPr lvl="1"/>
+            <a:r>
+              <a:rPr lang="en-US" sz="1700"/>
+              <a:t>With Redux Routing, allow for one-page applications with multiple views, to solve the previous week’s issue with its full functionality</a:t>
+            </a:r>
+          </a:p>
+          <a:p>
+            <a:pPr lvl="1"/>
+            <a:r>
+              <a:rPr lang="en-US" sz="1700"/>
+              <a:t>With node-watch, we view (theoretically) and update whenever a new change has been made</a:t>
+            </a:r>
+          </a:p>
+          <a:p>
+            <a:pPr lvl="1"/>
+            <a:r>
+              <a:rPr lang="en-US" sz="1700"/>
+              <a:t>With material UI design a front-end interface with consistent design decisions</a:t>
+            </a:r>
+          </a:p>
+          <a:p>
+            <a:r>
+              <a:rPr lang="en-US" sz="1700"/>
+              <a:t>Features</a:t>
+            </a:r>
+          </a:p>
+          <a:p>
+            <a:pPr lvl="1"/>
+            <a:r>
+              <a:rPr lang="en-US" sz="1700"/>
+              <a:t>Can display git diff and status with information</a:t>
+            </a:r>
+          </a:p>
+        </p:txBody>
+      </p:sp>
     </p:spTree>
     <p:extLst>
       <p:ext uri="{BB962C8B-B14F-4D97-AF65-F5344CB8AC3E}">
@@ -4927,6 +7574,14 @@
 <file path=ppt/slides/slide7.xml><?xml version="1.0" encoding="utf-8"?>
 <p:sld xmlns:a="http://schemas.openxmlformats.org/drawingml/2006/main" xmlns:r="http://schemas.openxmlformats.org/officeDocument/2006/relationships" xmlns:p="http://schemas.openxmlformats.org/presentationml/2006/main">
   <p:cSld>
+    <p:bg>
+      <p:bgPr>
+        <a:solidFill>
+          <a:schemeClr val="bg1"/>
+        </a:solidFill>
+        <a:effectLst/>
+      </p:bgPr>
+    </p:bg>
     <p:spTree>
       <p:nvGrpSpPr>
         <p:cNvPr id="1" name=""/>
@@ -4943,6 +7598,388 @@
       </p:grpSpPr>
       <p:sp>
         <p:nvSpPr>
+          <p:cNvPr id="9" name="Freeform: Shape 8">
+            <a:extLst>
+              <a:ext uri="{FF2B5EF4-FFF2-40B4-BE49-F238E27FC236}">
+                <a16:creationId xmlns:a16="http://schemas.microsoft.com/office/drawing/2014/main" id="{F60FCA6E-0894-46CD-BD49-5955A51E0084}"/>
+              </a:ext>
+              <a:ext uri="{C183D7F6-B498-43B3-948B-1728B52AA6E4}">
+                <adec:decorative xmlns:adec="http://schemas.microsoft.com/office/drawing/2017/decorative" val="1"/>
+              </a:ext>
+            </a:extLst>
+          </p:cNvPr>
+          <p:cNvSpPr>
+            <a:spLocks noGrp="1" noRot="1" noChangeAspect="1" noMove="1" noResize="1" noEditPoints="1" noAdjustHandles="1" noChangeArrowheads="1" noChangeShapeType="1" noTextEdit="1"/>
+          </p:cNvSpPr>
+          <p:nvPr>
+            <p:extLst>
+              <p:ext uri="{386F3935-93C4-4BCD-93E2-E3B085C9AB24}">
+                <p16:designElem xmlns:p16="http://schemas.microsoft.com/office/powerpoint/2015/main" val="1"/>
+              </p:ext>
+            </p:extLst>
+          </p:nvPr>
+        </p:nvSpPr>
+        <p:spPr>
+          <a:xfrm>
+            <a:off x="6831955" y="5346696"/>
+            <a:ext cx="5360045" cy="1511304"/>
+          </a:xfrm>
+          <a:custGeom>
+            <a:avLst/>
+            <a:gdLst>
+              <a:gd name="connsiteX0" fmla="*/ 4545473 w 5360045"/>
+              <a:gd name="connsiteY0" fmla="*/ 0 h 1511304"/>
+              <a:gd name="connsiteX1" fmla="*/ 5360045 w 5360045"/>
+              <a:gd name="connsiteY1" fmla="*/ 0 h 1511304"/>
+              <a:gd name="connsiteX2" fmla="*/ 5360045 w 5360045"/>
+              <a:gd name="connsiteY2" fmla="*/ 1046730 h 1511304"/>
+              <a:gd name="connsiteX3" fmla="*/ 5360045 w 5360045"/>
+              <a:gd name="connsiteY3" fmla="*/ 1508760 h 1511304"/>
+              <a:gd name="connsiteX4" fmla="*/ 5360045 w 5360045"/>
+              <a:gd name="connsiteY4" fmla="*/ 1511304 h 1511304"/>
+              <a:gd name="connsiteX5" fmla="*/ 4545474 w 5360045"/>
+              <a:gd name="connsiteY5" fmla="*/ 1511304 h 1511304"/>
+              <a:gd name="connsiteX6" fmla="*/ 2525897 w 5360045"/>
+              <a:gd name="connsiteY6" fmla="*/ 1511304 h 1511304"/>
+              <a:gd name="connsiteX7" fmla="*/ 0 w 5360045"/>
+              <a:gd name="connsiteY7" fmla="*/ 1511304 h 1511304"/>
+              <a:gd name="connsiteX8" fmla="*/ 697617 w 5360045"/>
+              <a:gd name="connsiteY8" fmla="*/ 3 h 1511304"/>
+              <a:gd name="connsiteX9" fmla="*/ 4545473 w 5360045"/>
+              <a:gd name="connsiteY9" fmla="*/ 3 h 1511304"/>
+            </a:gdLst>
+            <a:ahLst/>
+            <a:cxnLst>
+              <a:cxn ang="0">
+                <a:pos x="connsiteX0" y="connsiteY0"/>
+              </a:cxn>
+              <a:cxn ang="0">
+                <a:pos x="connsiteX1" y="connsiteY1"/>
+              </a:cxn>
+              <a:cxn ang="0">
+                <a:pos x="connsiteX2" y="connsiteY2"/>
+              </a:cxn>
+              <a:cxn ang="0">
+                <a:pos x="connsiteX3" y="connsiteY3"/>
+              </a:cxn>
+              <a:cxn ang="0">
+                <a:pos x="connsiteX4" y="connsiteY4"/>
+              </a:cxn>
+              <a:cxn ang="0">
+                <a:pos x="connsiteX5" y="connsiteY5"/>
+              </a:cxn>
+              <a:cxn ang="0">
+                <a:pos x="connsiteX6" y="connsiteY6"/>
+              </a:cxn>
+              <a:cxn ang="0">
+                <a:pos x="connsiteX7" y="connsiteY7"/>
+              </a:cxn>
+              <a:cxn ang="0">
+                <a:pos x="connsiteX8" y="connsiteY8"/>
+              </a:cxn>
+              <a:cxn ang="0">
+                <a:pos x="connsiteX9" y="connsiteY9"/>
+              </a:cxn>
+            </a:cxnLst>
+            <a:rect l="l" t="t" r="r" b="b"/>
+            <a:pathLst>
+              <a:path w="5360045" h="1511304">
+                <a:moveTo>
+                  <a:pt x="4545473" y="0"/>
+                </a:moveTo>
+                <a:lnTo>
+                  <a:pt x="5360045" y="0"/>
+                </a:lnTo>
+                <a:lnTo>
+                  <a:pt x="5360045" y="1046730"/>
+                </a:lnTo>
+                <a:lnTo>
+                  <a:pt x="5360045" y="1508760"/>
+                </a:lnTo>
+                <a:lnTo>
+                  <a:pt x="5360045" y="1511304"/>
+                </a:lnTo>
+                <a:lnTo>
+                  <a:pt x="4545474" y="1511304"/>
+                </a:lnTo>
+                <a:lnTo>
+                  <a:pt x="2525897" y="1511304"/>
+                </a:lnTo>
+                <a:lnTo>
+                  <a:pt x="0" y="1511304"/>
+                </a:lnTo>
+                <a:lnTo>
+                  <a:pt x="697617" y="3"/>
+                </a:lnTo>
+                <a:lnTo>
+                  <a:pt x="4545473" y="3"/>
+                </a:lnTo>
+                <a:close/>
+              </a:path>
+            </a:pathLst>
+          </a:custGeom>
+          <a:solidFill>
+            <a:srgbClr val="404040">
+              <a:alpha val="84706"/>
+            </a:srgbClr>
+          </a:solidFill>
+          <a:ln>
+            <a:noFill/>
+          </a:ln>
+        </p:spPr>
+        <p:style>
+          <a:lnRef idx="2">
+            <a:schemeClr val="accent1">
+              <a:shade val="50000"/>
+            </a:schemeClr>
+          </a:lnRef>
+          <a:fillRef idx="1">
+            <a:schemeClr val="accent1"/>
+          </a:fillRef>
+          <a:effectRef idx="0">
+            <a:schemeClr val="accent1"/>
+          </a:effectRef>
+          <a:fontRef idx="minor">
+            <a:schemeClr val="lt1"/>
+          </a:fontRef>
+        </p:style>
+        <p:txBody>
+          <a:bodyPr wrap="square" rtlCol="0" anchor="ctr">
+            <a:noAutofit/>
+          </a:bodyPr>
+          <a:lstStyle/>
+          <a:p>
+            <a:pPr algn="ctr"/>
+            <a:endParaRPr lang="en-US"/>
+          </a:p>
+        </p:txBody>
+      </p:sp>
+      <p:sp>
+        <p:nvSpPr>
+          <p:cNvPr id="11" name="Freeform: Shape 10">
+            <a:extLst>
+              <a:ext uri="{FF2B5EF4-FFF2-40B4-BE49-F238E27FC236}">
+                <a16:creationId xmlns:a16="http://schemas.microsoft.com/office/drawing/2014/main" id="{E78C6E4B-A1F1-4B6C-97EC-BE997495D6AC}"/>
+              </a:ext>
+              <a:ext uri="{C183D7F6-B498-43B3-948B-1728B52AA6E4}">
+                <adec:decorative xmlns:adec="http://schemas.microsoft.com/office/drawing/2017/decorative" val="1"/>
+              </a:ext>
+            </a:extLst>
+          </p:cNvPr>
+          <p:cNvSpPr>
+            <a:spLocks noGrp="1" noRot="1" noChangeAspect="1" noMove="1" noResize="1" noEditPoints="1" noAdjustHandles="1" noChangeArrowheads="1" noChangeShapeType="1" noTextEdit="1"/>
+          </p:cNvSpPr>
+          <p:nvPr>
+            <p:extLst>
+              <p:ext uri="{386F3935-93C4-4BCD-93E2-E3B085C9AB24}">
+                <p16:designElem xmlns:p16="http://schemas.microsoft.com/office/powerpoint/2015/main" val="1"/>
+              </p:ext>
+            </p:extLst>
+          </p:nvPr>
+        </p:nvSpPr>
+        <p:spPr>
+          <a:xfrm>
+            <a:off x="0" y="5346694"/>
+            <a:ext cx="7346605" cy="1511306"/>
+          </a:xfrm>
+          <a:custGeom>
+            <a:avLst/>
+            <a:gdLst>
+              <a:gd name="connsiteX0" fmla="*/ 0 w 7346605"/>
+              <a:gd name="connsiteY0" fmla="*/ 0 h 1511306"/>
+              <a:gd name="connsiteX1" fmla="*/ 239486 w 7346605"/>
+              <a:gd name="connsiteY1" fmla="*/ 0 h 1511306"/>
+              <a:gd name="connsiteX2" fmla="*/ 1209568 w 7346605"/>
+              <a:gd name="connsiteY2" fmla="*/ 0 h 1511306"/>
+              <a:gd name="connsiteX3" fmla="*/ 2405743 w 7346605"/>
+              <a:gd name="connsiteY3" fmla="*/ 0 h 1511306"/>
+              <a:gd name="connsiteX4" fmla="*/ 2405743 w 7346605"/>
+              <a:gd name="connsiteY4" fmla="*/ 2544 h 1511306"/>
+              <a:gd name="connsiteX5" fmla="*/ 2801131 w 7346605"/>
+              <a:gd name="connsiteY5" fmla="*/ 2544 h 1511306"/>
+              <a:gd name="connsiteX6" fmla="*/ 2801131 w 7346605"/>
+              <a:gd name="connsiteY6" fmla="*/ 0 h 1511306"/>
+              <a:gd name="connsiteX7" fmla="*/ 7346605 w 7346605"/>
+              <a:gd name="connsiteY7" fmla="*/ 0 h 1511306"/>
+              <a:gd name="connsiteX8" fmla="*/ 6648988 w 7346605"/>
+              <a:gd name="connsiteY8" fmla="*/ 1511301 h 1511306"/>
+              <a:gd name="connsiteX9" fmla="*/ 2801132 w 7346605"/>
+              <a:gd name="connsiteY9" fmla="*/ 1511301 h 1511306"/>
+              <a:gd name="connsiteX10" fmla="*/ 2801132 w 7346605"/>
+              <a:gd name="connsiteY10" fmla="*/ 1511304 h 1511306"/>
+              <a:gd name="connsiteX11" fmla="*/ 2405743 w 7346605"/>
+              <a:gd name="connsiteY11" fmla="*/ 1511304 h 1511306"/>
+              <a:gd name="connsiteX12" fmla="*/ 2405743 w 7346605"/>
+              <a:gd name="connsiteY12" fmla="*/ 1511306 h 1511306"/>
+              <a:gd name="connsiteX13" fmla="*/ 1333411 w 7346605"/>
+              <a:gd name="connsiteY13" fmla="*/ 1511306 h 1511306"/>
+              <a:gd name="connsiteX14" fmla="*/ 1219208 w 7346605"/>
+              <a:gd name="connsiteY14" fmla="*/ 1511306 h 1511306"/>
+              <a:gd name="connsiteX15" fmla="*/ 1209568 w 7346605"/>
+              <a:gd name="connsiteY15" fmla="*/ 1511306 h 1511306"/>
+              <a:gd name="connsiteX16" fmla="*/ 239486 w 7346605"/>
+              <a:gd name="connsiteY16" fmla="*/ 1511306 h 1511306"/>
+              <a:gd name="connsiteX17" fmla="*/ 0 w 7346605"/>
+              <a:gd name="connsiteY17" fmla="*/ 1511306 h 1511306"/>
+            </a:gdLst>
+            <a:ahLst/>
+            <a:cxnLst>
+              <a:cxn ang="0">
+                <a:pos x="connsiteX0" y="connsiteY0"/>
+              </a:cxn>
+              <a:cxn ang="0">
+                <a:pos x="connsiteX1" y="connsiteY1"/>
+              </a:cxn>
+              <a:cxn ang="0">
+                <a:pos x="connsiteX2" y="connsiteY2"/>
+              </a:cxn>
+              <a:cxn ang="0">
+                <a:pos x="connsiteX3" y="connsiteY3"/>
+              </a:cxn>
+              <a:cxn ang="0">
+                <a:pos x="connsiteX4" y="connsiteY4"/>
+              </a:cxn>
+              <a:cxn ang="0">
+                <a:pos x="connsiteX5" y="connsiteY5"/>
+              </a:cxn>
+              <a:cxn ang="0">
+                <a:pos x="connsiteX6" y="connsiteY6"/>
+              </a:cxn>
+              <a:cxn ang="0">
+                <a:pos x="connsiteX7" y="connsiteY7"/>
+              </a:cxn>
+              <a:cxn ang="0">
+                <a:pos x="connsiteX8" y="connsiteY8"/>
+              </a:cxn>
+              <a:cxn ang="0">
+                <a:pos x="connsiteX9" y="connsiteY9"/>
+              </a:cxn>
+              <a:cxn ang="0">
+                <a:pos x="connsiteX10" y="connsiteY10"/>
+              </a:cxn>
+              <a:cxn ang="0">
+                <a:pos x="connsiteX11" y="connsiteY11"/>
+              </a:cxn>
+              <a:cxn ang="0">
+                <a:pos x="connsiteX12" y="connsiteY12"/>
+              </a:cxn>
+              <a:cxn ang="0">
+                <a:pos x="connsiteX13" y="connsiteY13"/>
+              </a:cxn>
+              <a:cxn ang="0">
+                <a:pos x="connsiteX14" y="connsiteY14"/>
+              </a:cxn>
+              <a:cxn ang="0">
+                <a:pos x="connsiteX15" y="connsiteY15"/>
+              </a:cxn>
+              <a:cxn ang="0">
+                <a:pos x="connsiteX16" y="connsiteY16"/>
+              </a:cxn>
+              <a:cxn ang="0">
+                <a:pos x="connsiteX17" y="connsiteY17"/>
+              </a:cxn>
+            </a:cxnLst>
+            <a:rect l="l" t="t" r="r" b="b"/>
+            <a:pathLst>
+              <a:path w="7346605" h="1511306">
+                <a:moveTo>
+                  <a:pt x="0" y="0"/>
+                </a:moveTo>
+                <a:lnTo>
+                  <a:pt x="239486" y="0"/>
+                </a:lnTo>
+                <a:lnTo>
+                  <a:pt x="1209568" y="0"/>
+                </a:lnTo>
+                <a:lnTo>
+                  <a:pt x="2405743" y="0"/>
+                </a:lnTo>
+                <a:lnTo>
+                  <a:pt x="2405743" y="2544"/>
+                </a:lnTo>
+                <a:lnTo>
+                  <a:pt x="2801131" y="2544"/>
+                </a:lnTo>
+                <a:lnTo>
+                  <a:pt x="2801131" y="0"/>
+                </a:lnTo>
+                <a:lnTo>
+                  <a:pt x="7346605" y="0"/>
+                </a:lnTo>
+                <a:lnTo>
+                  <a:pt x="6648988" y="1511301"/>
+                </a:lnTo>
+                <a:lnTo>
+                  <a:pt x="2801132" y="1511301"/>
+                </a:lnTo>
+                <a:lnTo>
+                  <a:pt x="2801132" y="1511304"/>
+                </a:lnTo>
+                <a:lnTo>
+                  <a:pt x="2405743" y="1511304"/>
+                </a:lnTo>
+                <a:lnTo>
+                  <a:pt x="2405743" y="1511306"/>
+                </a:lnTo>
+                <a:lnTo>
+                  <a:pt x="1333411" y="1511306"/>
+                </a:lnTo>
+                <a:lnTo>
+                  <a:pt x="1219208" y="1511306"/>
+                </a:lnTo>
+                <a:lnTo>
+                  <a:pt x="1209568" y="1511306"/>
+                </a:lnTo>
+                <a:lnTo>
+                  <a:pt x="239486" y="1511306"/>
+                </a:lnTo>
+                <a:lnTo>
+                  <a:pt x="0" y="1511306"/>
+                </a:lnTo>
+                <a:close/>
+              </a:path>
+            </a:pathLst>
+          </a:custGeom>
+          <a:solidFill>
+            <a:srgbClr val="D0CECE"/>
+          </a:solidFill>
+          <a:ln>
+            <a:noFill/>
+          </a:ln>
+        </p:spPr>
+        <p:style>
+          <a:lnRef idx="2">
+            <a:schemeClr val="accent1">
+              <a:shade val="50000"/>
+            </a:schemeClr>
+          </a:lnRef>
+          <a:fillRef idx="1">
+            <a:schemeClr val="accent1"/>
+          </a:fillRef>
+          <a:effectRef idx="0">
+            <a:schemeClr val="accent1"/>
+          </a:effectRef>
+          <a:fontRef idx="minor">
+            <a:schemeClr val="lt1"/>
+          </a:fontRef>
+        </p:style>
+        <p:txBody>
+          <a:bodyPr rtlCol="0" anchor="ctr"/>
+          <a:lstStyle/>
+          <a:p>
+            <a:pPr algn="ctr"/>
+            <a:endParaRPr lang="en-US">
+              <a:solidFill>
+                <a:schemeClr val="bg1">
+                  <a:lumMod val="95000"/>
+                </a:schemeClr>
+              </a:solidFill>
+            </a:endParaRPr>
+          </a:p>
+        </p:txBody>
+      </p:sp>
+      <p:sp>
+        <p:nvSpPr>
           <p:cNvPr id="2" name="Title 1">
             <a:extLst>
               <a:ext uri="{FF2B5EF4-FFF2-40B4-BE49-F238E27FC236}">
@@ -4957,78 +7994,26 @@
             <p:ph type="title"/>
           </p:nvPr>
         </p:nvSpPr>
-        <p:spPr/>
-        <p:txBody>
-          <a:bodyPr/>
+        <p:spPr>
+          <a:xfrm>
+            <a:off x="841247" y="5529884"/>
+            <a:ext cx="5806440" cy="1096331"/>
+          </a:xfrm>
+        </p:spPr>
+        <p:txBody>
+          <a:bodyPr>
+            <a:normAutofit/>
+          </a:bodyPr>
           <a:lstStyle/>
           <a:p>
             <a:r>
-              <a:rPr lang="en-US" dirty="0"/>
+              <a:rPr lang="en-US" sz="3400">
+                <a:solidFill>
+                  <a:srgbClr val="303030"/>
+                </a:solidFill>
+              </a:rPr>
               <a:t>Week 5 –Improvements, Tagging, History</a:t>
             </a:r>
-          </a:p>
-        </p:txBody>
-      </p:sp>
-      <p:sp>
-        <p:nvSpPr>
-          <p:cNvPr id="3" name="Content Placeholder 2">
-            <a:extLst>
-              <a:ext uri="{FF2B5EF4-FFF2-40B4-BE49-F238E27FC236}">
-                <a16:creationId xmlns:a16="http://schemas.microsoft.com/office/drawing/2014/main" id="{5A1E3F65-7453-4EAB-9EEA-765CBDCA4AED}"/>
-              </a:ext>
-            </a:extLst>
-          </p:cNvPr>
-          <p:cNvSpPr>
-            <a:spLocks noGrp="1"/>
-          </p:cNvSpPr>
-          <p:nvPr>
-            <p:ph idx="1"/>
-          </p:nvPr>
-        </p:nvSpPr>
-        <p:spPr/>
-        <p:txBody>
-          <a:bodyPr/>
-          <a:lstStyle/>
-          <a:p>
-            <a:r>
-              <a:rPr lang="en-US" dirty="0"/>
-              <a:t>Design Decisions</a:t>
-            </a:r>
-          </a:p>
-          <a:p>
-            <a:pPr lvl="1"/>
-            <a:r>
-              <a:rPr lang="en-US" dirty="0"/>
-              <a:t>Improved Build and Compile time – by using WEBPACK instead of GULP, and reconfiguring our repository to use these technologies, we improve build and compile times by over 50% -- it is a LOT better.</a:t>
-            </a:r>
-          </a:p>
-          <a:p>
-            <a:pPr lvl="1"/>
-            <a:r>
-              <a:rPr lang="en-US" dirty="0"/>
-              <a:t>Fix some bugs by using a new build technology</a:t>
-            </a:r>
-          </a:p>
-          <a:p>
-            <a:r>
-              <a:rPr lang="en-US" dirty="0"/>
-              <a:t>Features</a:t>
-            </a:r>
-          </a:p>
-          <a:p>
-            <a:pPr lvl="1"/>
-            <a:r>
-              <a:rPr lang="en-US" dirty="0"/>
-              <a:t>Add git log display (to show history), custom file bar, git diff (properly with highlighting), and git tag ( to mark </a:t>
-            </a:r>
-            <a:r>
-              <a:rPr lang="en-US"/>
-              <a:t>important commits )</a:t>
-            </a:r>
-            <a:endParaRPr lang="en-US" dirty="0"/>
-          </a:p>
-          <a:p>
-            <a:endParaRPr lang="en-US" dirty="0"/>
           </a:p>
         </p:txBody>
       </p:sp>
@@ -5054,14 +8039,79 @@
         </p:blipFill>
         <p:spPr>
           <a:xfrm>
-            <a:off x="6454035" y="5085402"/>
-            <a:ext cx="4899765" cy="1407473"/>
+            <a:off x="841247" y="2090054"/>
+            <a:ext cx="6049942" cy="1739358"/>
           </a:xfrm>
           <a:prstGeom prst="rect">
             <a:avLst/>
           </a:prstGeom>
         </p:spPr>
       </p:pic>
+      <p:sp>
+        <p:nvSpPr>
+          <p:cNvPr id="3" name="Content Placeholder 2">
+            <a:extLst>
+              <a:ext uri="{FF2B5EF4-FFF2-40B4-BE49-F238E27FC236}">
+                <a16:creationId xmlns:a16="http://schemas.microsoft.com/office/drawing/2014/main" id="{5A1E3F65-7453-4EAB-9EEA-765CBDCA4AED}"/>
+              </a:ext>
+            </a:extLst>
+          </p:cNvPr>
+          <p:cNvSpPr>
+            <a:spLocks noGrp="1"/>
+          </p:cNvSpPr>
+          <p:nvPr>
+            <p:ph idx="1"/>
+          </p:nvPr>
+        </p:nvSpPr>
+        <p:spPr>
+          <a:xfrm>
+            <a:off x="7534655" y="965199"/>
+            <a:ext cx="4008101" cy="4020458"/>
+          </a:xfrm>
+        </p:spPr>
+        <p:txBody>
+          <a:bodyPr anchor="ctr">
+            <a:normAutofit/>
+          </a:bodyPr>
+          <a:lstStyle/>
+          <a:p>
+            <a:r>
+              <a:rPr lang="en-US" sz="1700"/>
+              <a:t>Design Decisions</a:t>
+            </a:r>
+          </a:p>
+          <a:p>
+            <a:pPr lvl="1"/>
+            <a:r>
+              <a:rPr lang="en-US" sz="1700"/>
+              <a:t>Improved Build and Compile time – by using WEBPACK instead of GULP, and reconfiguring our repository to use these technologies, we improve build and compile times by over 50% -- it is a LOT better.</a:t>
+            </a:r>
+          </a:p>
+          <a:p>
+            <a:pPr lvl="1"/>
+            <a:r>
+              <a:rPr lang="en-US" sz="1700"/>
+              <a:t>Fix some bugs by using a new build technology</a:t>
+            </a:r>
+          </a:p>
+          <a:p>
+            <a:r>
+              <a:rPr lang="en-US" sz="1700"/>
+              <a:t>Features</a:t>
+            </a:r>
+          </a:p>
+          <a:p>
+            <a:pPr lvl="1"/>
+            <a:r>
+              <a:rPr lang="en-US" sz="1700"/>
+              <a:t>Add git log display (to show history), custom file bar, git diff (properly with highlighting), and git tag ( to mark important commits )</a:t>
+            </a:r>
+          </a:p>
+          <a:p>
+            <a:endParaRPr lang="en-US" sz="1700"/>
+          </a:p>
+        </p:txBody>
+      </p:sp>
     </p:spTree>
     <p:extLst>
       <p:ext uri="{BB962C8B-B14F-4D97-AF65-F5344CB8AC3E}">
@@ -5078,6 +8128,14 @@
 <file path=ppt/slides/slide8.xml><?xml version="1.0" encoding="utf-8"?>
 <p:sld xmlns:a="http://schemas.openxmlformats.org/drawingml/2006/main" xmlns:r="http://schemas.openxmlformats.org/officeDocument/2006/relationships" xmlns:p="http://schemas.openxmlformats.org/presentationml/2006/main">
   <p:cSld>
+    <p:bg>
+      <p:bgPr>
+        <a:solidFill>
+          <a:schemeClr val="bg1"/>
+        </a:solidFill>
+        <a:effectLst/>
+      </p:bgPr>
+    </p:bg>
     <p:spTree>
       <p:nvGrpSpPr>
         <p:cNvPr id="1" name=""/>
@@ -5094,112 +8152,422 @@
       </p:grpSpPr>
       <p:sp>
         <p:nvSpPr>
-          <p:cNvPr id="2" name="Title 1">
-            <a:extLst>
-              <a:ext uri="{FF2B5EF4-FFF2-40B4-BE49-F238E27FC236}">
-                <a16:creationId xmlns:a16="http://schemas.microsoft.com/office/drawing/2014/main" id="{5E40387D-D092-4E39-BF5A-848D96248D81}"/>
-              </a:ext>
-            </a:extLst>
-          </p:cNvPr>
-          <p:cNvSpPr>
-            <a:spLocks noGrp="1"/>
-          </p:cNvSpPr>
-          <p:nvPr>
-            <p:ph type="title"/>
+          <p:cNvPr id="9" name="Freeform: Shape 8">
+            <a:extLst>
+              <a:ext uri="{FF2B5EF4-FFF2-40B4-BE49-F238E27FC236}">
+                <a16:creationId xmlns:a16="http://schemas.microsoft.com/office/drawing/2014/main" id="{F60FCA6E-0894-46CD-BD49-5955A51E0084}"/>
+              </a:ext>
+              <a:ext uri="{C183D7F6-B498-43B3-948B-1728B52AA6E4}">
+                <adec:decorative xmlns:adec="http://schemas.microsoft.com/office/drawing/2017/decorative" val="1"/>
+              </a:ext>
+            </a:extLst>
+          </p:cNvPr>
+          <p:cNvSpPr>
+            <a:spLocks noGrp="1" noRot="1" noChangeAspect="1" noMove="1" noResize="1" noEditPoints="1" noAdjustHandles="1" noChangeArrowheads="1" noChangeShapeType="1" noTextEdit="1"/>
+          </p:cNvSpPr>
+          <p:nvPr>
+            <p:extLst>
+              <p:ext uri="{386F3935-93C4-4BCD-93E2-E3B085C9AB24}">
+                <p16:designElem xmlns:p16="http://schemas.microsoft.com/office/powerpoint/2015/main" val="1"/>
+              </p:ext>
+            </p:extLst>
           </p:nvPr>
         </p:nvSpPr>
         <p:spPr>
           <a:xfrm>
-            <a:off x="838200" y="365125"/>
-            <a:ext cx="6883400" cy="1325563"/>
+            <a:off x="6831955" y="5346696"/>
+            <a:ext cx="5360045" cy="1511304"/>
+          </a:xfrm>
+          <a:custGeom>
+            <a:avLst/>
+            <a:gdLst>
+              <a:gd name="connsiteX0" fmla="*/ 4545473 w 5360045"/>
+              <a:gd name="connsiteY0" fmla="*/ 0 h 1511304"/>
+              <a:gd name="connsiteX1" fmla="*/ 5360045 w 5360045"/>
+              <a:gd name="connsiteY1" fmla="*/ 0 h 1511304"/>
+              <a:gd name="connsiteX2" fmla="*/ 5360045 w 5360045"/>
+              <a:gd name="connsiteY2" fmla="*/ 1046730 h 1511304"/>
+              <a:gd name="connsiteX3" fmla="*/ 5360045 w 5360045"/>
+              <a:gd name="connsiteY3" fmla="*/ 1508760 h 1511304"/>
+              <a:gd name="connsiteX4" fmla="*/ 5360045 w 5360045"/>
+              <a:gd name="connsiteY4" fmla="*/ 1511304 h 1511304"/>
+              <a:gd name="connsiteX5" fmla="*/ 4545474 w 5360045"/>
+              <a:gd name="connsiteY5" fmla="*/ 1511304 h 1511304"/>
+              <a:gd name="connsiteX6" fmla="*/ 2525897 w 5360045"/>
+              <a:gd name="connsiteY6" fmla="*/ 1511304 h 1511304"/>
+              <a:gd name="connsiteX7" fmla="*/ 0 w 5360045"/>
+              <a:gd name="connsiteY7" fmla="*/ 1511304 h 1511304"/>
+              <a:gd name="connsiteX8" fmla="*/ 697617 w 5360045"/>
+              <a:gd name="connsiteY8" fmla="*/ 3 h 1511304"/>
+              <a:gd name="connsiteX9" fmla="*/ 4545473 w 5360045"/>
+              <a:gd name="connsiteY9" fmla="*/ 3 h 1511304"/>
+            </a:gdLst>
+            <a:ahLst/>
+            <a:cxnLst>
+              <a:cxn ang="0">
+                <a:pos x="connsiteX0" y="connsiteY0"/>
+              </a:cxn>
+              <a:cxn ang="0">
+                <a:pos x="connsiteX1" y="connsiteY1"/>
+              </a:cxn>
+              <a:cxn ang="0">
+                <a:pos x="connsiteX2" y="connsiteY2"/>
+              </a:cxn>
+              <a:cxn ang="0">
+                <a:pos x="connsiteX3" y="connsiteY3"/>
+              </a:cxn>
+              <a:cxn ang="0">
+                <a:pos x="connsiteX4" y="connsiteY4"/>
+              </a:cxn>
+              <a:cxn ang="0">
+                <a:pos x="connsiteX5" y="connsiteY5"/>
+              </a:cxn>
+              <a:cxn ang="0">
+                <a:pos x="connsiteX6" y="connsiteY6"/>
+              </a:cxn>
+              <a:cxn ang="0">
+                <a:pos x="connsiteX7" y="connsiteY7"/>
+              </a:cxn>
+              <a:cxn ang="0">
+                <a:pos x="connsiteX8" y="connsiteY8"/>
+              </a:cxn>
+              <a:cxn ang="0">
+                <a:pos x="connsiteX9" y="connsiteY9"/>
+              </a:cxn>
+            </a:cxnLst>
+            <a:rect l="l" t="t" r="r" b="b"/>
+            <a:pathLst>
+              <a:path w="5360045" h="1511304">
+                <a:moveTo>
+                  <a:pt x="4545473" y="0"/>
+                </a:moveTo>
+                <a:lnTo>
+                  <a:pt x="5360045" y="0"/>
+                </a:lnTo>
+                <a:lnTo>
+                  <a:pt x="5360045" y="1046730"/>
+                </a:lnTo>
+                <a:lnTo>
+                  <a:pt x="5360045" y="1508760"/>
+                </a:lnTo>
+                <a:lnTo>
+                  <a:pt x="5360045" y="1511304"/>
+                </a:lnTo>
+                <a:lnTo>
+                  <a:pt x="4545474" y="1511304"/>
+                </a:lnTo>
+                <a:lnTo>
+                  <a:pt x="2525897" y="1511304"/>
+                </a:lnTo>
+                <a:lnTo>
+                  <a:pt x="0" y="1511304"/>
+                </a:lnTo>
+                <a:lnTo>
+                  <a:pt x="697617" y="3"/>
+                </a:lnTo>
+                <a:lnTo>
+                  <a:pt x="4545473" y="3"/>
+                </a:lnTo>
+                <a:close/>
+              </a:path>
+            </a:pathLst>
+          </a:custGeom>
+          <a:solidFill>
+            <a:srgbClr val="404040">
+              <a:alpha val="84706"/>
+            </a:srgbClr>
+          </a:solidFill>
+          <a:ln>
+            <a:noFill/>
+          </a:ln>
+        </p:spPr>
+        <p:style>
+          <a:lnRef idx="2">
+            <a:schemeClr val="accent1">
+              <a:shade val="50000"/>
+            </a:schemeClr>
+          </a:lnRef>
+          <a:fillRef idx="1">
+            <a:schemeClr val="accent1"/>
+          </a:fillRef>
+          <a:effectRef idx="0">
+            <a:schemeClr val="accent1"/>
+          </a:effectRef>
+          <a:fontRef idx="minor">
+            <a:schemeClr val="lt1"/>
+          </a:fontRef>
+        </p:style>
+        <p:txBody>
+          <a:bodyPr wrap="square" rtlCol="0" anchor="ctr">
+            <a:noAutofit/>
+          </a:bodyPr>
+          <a:lstStyle/>
+          <a:p>
+            <a:pPr algn="ctr"/>
+            <a:endParaRPr lang="en-US"/>
+          </a:p>
+        </p:txBody>
+      </p:sp>
+      <p:sp>
+        <p:nvSpPr>
+          <p:cNvPr id="11" name="Freeform: Shape 10">
+            <a:extLst>
+              <a:ext uri="{FF2B5EF4-FFF2-40B4-BE49-F238E27FC236}">
+                <a16:creationId xmlns:a16="http://schemas.microsoft.com/office/drawing/2014/main" id="{E78C6E4B-A1F1-4B6C-97EC-BE997495D6AC}"/>
+              </a:ext>
+              <a:ext uri="{C183D7F6-B498-43B3-948B-1728B52AA6E4}">
+                <adec:decorative xmlns:adec="http://schemas.microsoft.com/office/drawing/2017/decorative" val="1"/>
+              </a:ext>
+            </a:extLst>
+          </p:cNvPr>
+          <p:cNvSpPr>
+            <a:spLocks noGrp="1" noRot="1" noChangeAspect="1" noMove="1" noResize="1" noEditPoints="1" noAdjustHandles="1" noChangeArrowheads="1" noChangeShapeType="1" noTextEdit="1"/>
+          </p:cNvSpPr>
+          <p:nvPr>
+            <p:extLst>
+              <p:ext uri="{386F3935-93C4-4BCD-93E2-E3B085C9AB24}">
+                <p16:designElem xmlns:p16="http://schemas.microsoft.com/office/powerpoint/2015/main" val="1"/>
+              </p:ext>
+            </p:extLst>
+          </p:nvPr>
+        </p:nvSpPr>
+        <p:spPr>
+          <a:xfrm>
+            <a:off x="0" y="5346694"/>
+            <a:ext cx="7346605" cy="1511306"/>
+          </a:xfrm>
+          <a:custGeom>
+            <a:avLst/>
+            <a:gdLst>
+              <a:gd name="connsiteX0" fmla="*/ 0 w 7346605"/>
+              <a:gd name="connsiteY0" fmla="*/ 0 h 1511306"/>
+              <a:gd name="connsiteX1" fmla="*/ 239486 w 7346605"/>
+              <a:gd name="connsiteY1" fmla="*/ 0 h 1511306"/>
+              <a:gd name="connsiteX2" fmla="*/ 1209568 w 7346605"/>
+              <a:gd name="connsiteY2" fmla="*/ 0 h 1511306"/>
+              <a:gd name="connsiteX3" fmla="*/ 2405743 w 7346605"/>
+              <a:gd name="connsiteY3" fmla="*/ 0 h 1511306"/>
+              <a:gd name="connsiteX4" fmla="*/ 2405743 w 7346605"/>
+              <a:gd name="connsiteY4" fmla="*/ 2544 h 1511306"/>
+              <a:gd name="connsiteX5" fmla="*/ 2801131 w 7346605"/>
+              <a:gd name="connsiteY5" fmla="*/ 2544 h 1511306"/>
+              <a:gd name="connsiteX6" fmla="*/ 2801131 w 7346605"/>
+              <a:gd name="connsiteY6" fmla="*/ 0 h 1511306"/>
+              <a:gd name="connsiteX7" fmla="*/ 7346605 w 7346605"/>
+              <a:gd name="connsiteY7" fmla="*/ 0 h 1511306"/>
+              <a:gd name="connsiteX8" fmla="*/ 6648988 w 7346605"/>
+              <a:gd name="connsiteY8" fmla="*/ 1511301 h 1511306"/>
+              <a:gd name="connsiteX9" fmla="*/ 2801132 w 7346605"/>
+              <a:gd name="connsiteY9" fmla="*/ 1511301 h 1511306"/>
+              <a:gd name="connsiteX10" fmla="*/ 2801132 w 7346605"/>
+              <a:gd name="connsiteY10" fmla="*/ 1511304 h 1511306"/>
+              <a:gd name="connsiteX11" fmla="*/ 2405743 w 7346605"/>
+              <a:gd name="connsiteY11" fmla="*/ 1511304 h 1511306"/>
+              <a:gd name="connsiteX12" fmla="*/ 2405743 w 7346605"/>
+              <a:gd name="connsiteY12" fmla="*/ 1511306 h 1511306"/>
+              <a:gd name="connsiteX13" fmla="*/ 1333411 w 7346605"/>
+              <a:gd name="connsiteY13" fmla="*/ 1511306 h 1511306"/>
+              <a:gd name="connsiteX14" fmla="*/ 1219208 w 7346605"/>
+              <a:gd name="connsiteY14" fmla="*/ 1511306 h 1511306"/>
+              <a:gd name="connsiteX15" fmla="*/ 1209568 w 7346605"/>
+              <a:gd name="connsiteY15" fmla="*/ 1511306 h 1511306"/>
+              <a:gd name="connsiteX16" fmla="*/ 239486 w 7346605"/>
+              <a:gd name="connsiteY16" fmla="*/ 1511306 h 1511306"/>
+              <a:gd name="connsiteX17" fmla="*/ 0 w 7346605"/>
+              <a:gd name="connsiteY17" fmla="*/ 1511306 h 1511306"/>
+            </a:gdLst>
+            <a:ahLst/>
+            <a:cxnLst>
+              <a:cxn ang="0">
+                <a:pos x="connsiteX0" y="connsiteY0"/>
+              </a:cxn>
+              <a:cxn ang="0">
+                <a:pos x="connsiteX1" y="connsiteY1"/>
+              </a:cxn>
+              <a:cxn ang="0">
+                <a:pos x="connsiteX2" y="connsiteY2"/>
+              </a:cxn>
+              <a:cxn ang="0">
+                <a:pos x="connsiteX3" y="connsiteY3"/>
+              </a:cxn>
+              <a:cxn ang="0">
+                <a:pos x="connsiteX4" y="connsiteY4"/>
+              </a:cxn>
+              <a:cxn ang="0">
+                <a:pos x="connsiteX5" y="connsiteY5"/>
+              </a:cxn>
+              <a:cxn ang="0">
+                <a:pos x="connsiteX6" y="connsiteY6"/>
+              </a:cxn>
+              <a:cxn ang="0">
+                <a:pos x="connsiteX7" y="connsiteY7"/>
+              </a:cxn>
+              <a:cxn ang="0">
+                <a:pos x="connsiteX8" y="connsiteY8"/>
+              </a:cxn>
+              <a:cxn ang="0">
+                <a:pos x="connsiteX9" y="connsiteY9"/>
+              </a:cxn>
+              <a:cxn ang="0">
+                <a:pos x="connsiteX10" y="connsiteY10"/>
+              </a:cxn>
+              <a:cxn ang="0">
+                <a:pos x="connsiteX11" y="connsiteY11"/>
+              </a:cxn>
+              <a:cxn ang="0">
+                <a:pos x="connsiteX12" y="connsiteY12"/>
+              </a:cxn>
+              <a:cxn ang="0">
+                <a:pos x="connsiteX13" y="connsiteY13"/>
+              </a:cxn>
+              <a:cxn ang="0">
+                <a:pos x="connsiteX14" y="connsiteY14"/>
+              </a:cxn>
+              <a:cxn ang="0">
+                <a:pos x="connsiteX15" y="connsiteY15"/>
+              </a:cxn>
+              <a:cxn ang="0">
+                <a:pos x="connsiteX16" y="connsiteY16"/>
+              </a:cxn>
+              <a:cxn ang="0">
+                <a:pos x="connsiteX17" y="connsiteY17"/>
+              </a:cxn>
+            </a:cxnLst>
+            <a:rect l="l" t="t" r="r" b="b"/>
+            <a:pathLst>
+              <a:path w="7346605" h="1511306">
+                <a:moveTo>
+                  <a:pt x="0" y="0"/>
+                </a:moveTo>
+                <a:lnTo>
+                  <a:pt x="239486" y="0"/>
+                </a:lnTo>
+                <a:lnTo>
+                  <a:pt x="1209568" y="0"/>
+                </a:lnTo>
+                <a:lnTo>
+                  <a:pt x="2405743" y="0"/>
+                </a:lnTo>
+                <a:lnTo>
+                  <a:pt x="2405743" y="2544"/>
+                </a:lnTo>
+                <a:lnTo>
+                  <a:pt x="2801131" y="2544"/>
+                </a:lnTo>
+                <a:lnTo>
+                  <a:pt x="2801131" y="0"/>
+                </a:lnTo>
+                <a:lnTo>
+                  <a:pt x="7346605" y="0"/>
+                </a:lnTo>
+                <a:lnTo>
+                  <a:pt x="6648988" y="1511301"/>
+                </a:lnTo>
+                <a:lnTo>
+                  <a:pt x="2801132" y="1511301"/>
+                </a:lnTo>
+                <a:lnTo>
+                  <a:pt x="2801132" y="1511304"/>
+                </a:lnTo>
+                <a:lnTo>
+                  <a:pt x="2405743" y="1511304"/>
+                </a:lnTo>
+                <a:lnTo>
+                  <a:pt x="2405743" y="1511306"/>
+                </a:lnTo>
+                <a:lnTo>
+                  <a:pt x="1333411" y="1511306"/>
+                </a:lnTo>
+                <a:lnTo>
+                  <a:pt x="1219208" y="1511306"/>
+                </a:lnTo>
+                <a:lnTo>
+                  <a:pt x="1209568" y="1511306"/>
+                </a:lnTo>
+                <a:lnTo>
+                  <a:pt x="239486" y="1511306"/>
+                </a:lnTo>
+                <a:lnTo>
+                  <a:pt x="0" y="1511306"/>
+                </a:lnTo>
+                <a:close/>
+              </a:path>
+            </a:pathLst>
+          </a:custGeom>
+          <a:solidFill>
+            <a:srgbClr val="D0CECE"/>
+          </a:solidFill>
+          <a:ln>
+            <a:noFill/>
+          </a:ln>
+        </p:spPr>
+        <p:style>
+          <a:lnRef idx="2">
+            <a:schemeClr val="accent1">
+              <a:shade val="50000"/>
+            </a:schemeClr>
+          </a:lnRef>
+          <a:fillRef idx="1">
+            <a:schemeClr val="accent1"/>
+          </a:fillRef>
+          <a:effectRef idx="0">
+            <a:schemeClr val="accent1"/>
+          </a:effectRef>
+          <a:fontRef idx="minor">
+            <a:schemeClr val="lt1"/>
+          </a:fontRef>
+        </p:style>
+        <p:txBody>
+          <a:bodyPr rtlCol="0" anchor="ctr"/>
+          <a:lstStyle/>
+          <a:p>
+            <a:pPr algn="ctr"/>
+            <a:endParaRPr lang="en-US">
+              <a:solidFill>
+                <a:schemeClr val="bg1">
+                  <a:lumMod val="95000"/>
+                </a:schemeClr>
+              </a:solidFill>
+            </a:endParaRPr>
+          </a:p>
+        </p:txBody>
+      </p:sp>
+      <p:sp>
+        <p:nvSpPr>
+          <p:cNvPr id="2" name="Title 1">
+            <a:extLst>
+              <a:ext uri="{FF2B5EF4-FFF2-40B4-BE49-F238E27FC236}">
+                <a16:creationId xmlns:a16="http://schemas.microsoft.com/office/drawing/2014/main" id="{5E40387D-D092-4E39-BF5A-848D96248D81}"/>
+              </a:ext>
+            </a:extLst>
+          </p:cNvPr>
+          <p:cNvSpPr>
+            <a:spLocks noGrp="1"/>
+          </p:cNvSpPr>
+          <p:nvPr>
+            <p:ph type="title"/>
+          </p:nvPr>
+        </p:nvSpPr>
+        <p:spPr>
+          <a:xfrm>
+            <a:off x="841247" y="5529884"/>
+            <a:ext cx="5806440" cy="1096331"/>
           </a:xfrm>
         </p:spPr>
         <p:txBody>
-          <a:bodyPr/>
+          <a:bodyPr>
+            <a:normAutofit/>
+          </a:bodyPr>
           <a:lstStyle/>
           <a:p>
             <a:r>
-              <a:rPr lang="en-US" dirty="0"/>
+              <a:rPr lang="en-US" sz="3400">
+                <a:solidFill>
+                  <a:srgbClr val="303030"/>
+                </a:solidFill>
+              </a:rPr>
               <a:t>Week 6 – Logging, History Display, Diff Comparison	</a:t>
             </a:r>
-          </a:p>
-        </p:txBody>
-      </p:sp>
-      <p:sp>
-        <p:nvSpPr>
-          <p:cNvPr id="3" name="Content Placeholder 2">
-            <a:extLst>
-              <a:ext uri="{FF2B5EF4-FFF2-40B4-BE49-F238E27FC236}">
-                <a16:creationId xmlns:a16="http://schemas.microsoft.com/office/drawing/2014/main" id="{BF4AB3EC-C87F-40FE-A1A4-3CABB36ED113}"/>
-              </a:ext>
-            </a:extLst>
-          </p:cNvPr>
-          <p:cNvSpPr>
-            <a:spLocks noGrp="1"/>
-          </p:cNvSpPr>
-          <p:nvPr>
-            <p:ph idx="1"/>
-          </p:nvPr>
-        </p:nvSpPr>
-        <p:spPr>
-          <a:xfrm>
-            <a:off x="838200" y="2184399"/>
-            <a:ext cx="10515600" cy="3992563"/>
-          </a:xfrm>
-        </p:spPr>
-        <p:txBody>
-          <a:bodyPr/>
-          <a:lstStyle/>
-          <a:p>
-            <a:r>
-              <a:rPr lang="en-US" dirty="0"/>
-              <a:t>Features</a:t>
-            </a:r>
-          </a:p>
-          <a:p>
-            <a:pPr lvl="1"/>
-            <a:r>
-              <a:rPr lang="en-US" dirty="0"/>
-              <a:t>Fully implement history via git log, and show a full history of the repository</a:t>
-            </a:r>
-          </a:p>
-          <a:p>
-            <a:pPr lvl="1"/>
-            <a:r>
-              <a:rPr lang="en-US" dirty="0"/>
-              <a:t>Allow for “focused” rendering of history, focusing on a single file</a:t>
-            </a:r>
-          </a:p>
-          <a:p>
-            <a:pPr lvl="1"/>
-            <a:r>
-              <a:rPr lang="en-US" dirty="0"/>
-              <a:t>Diff comparison of the changes made during each commit displayed when specific files are chosen</a:t>
-            </a:r>
-          </a:p>
-          <a:p>
-            <a:pPr lvl="1"/>
-            <a:r>
-              <a:rPr lang="en-US" dirty="0"/>
-              <a:t>Implement header to display the commit location and other misc. information</a:t>
-            </a:r>
-          </a:p>
-          <a:p>
-            <a:r>
-              <a:rPr lang="en-US" dirty="0"/>
-              <a:t>Design Decisions</a:t>
-            </a:r>
-          </a:p>
-          <a:p>
-            <a:pPr lvl="1"/>
-            <a:r>
-              <a:rPr lang="en-US" dirty="0"/>
-              <a:t>Added some central state management to remove controls placed within the view</a:t>
-            </a:r>
-          </a:p>
-          <a:p>
-            <a:pPr lvl="1"/>
-            <a:endParaRPr lang="en-US" dirty="0"/>
           </a:p>
         </p:txBody>
       </p:sp>
@@ -5225,14 +8593,94 @@
         </p:blipFill>
         <p:spPr>
           <a:xfrm>
-            <a:off x="8130493" y="365125"/>
-            <a:ext cx="3223307" cy="2164579"/>
+            <a:off x="900369" y="965200"/>
+            <a:ext cx="5931697" cy="3989067"/>
           </a:xfrm>
           <a:prstGeom prst="rect">
             <a:avLst/>
           </a:prstGeom>
         </p:spPr>
       </p:pic>
+      <p:sp>
+        <p:nvSpPr>
+          <p:cNvPr id="3" name="Content Placeholder 2">
+            <a:extLst>
+              <a:ext uri="{FF2B5EF4-FFF2-40B4-BE49-F238E27FC236}">
+                <a16:creationId xmlns:a16="http://schemas.microsoft.com/office/drawing/2014/main" id="{BF4AB3EC-C87F-40FE-A1A4-3CABB36ED113}"/>
+              </a:ext>
+            </a:extLst>
+          </p:cNvPr>
+          <p:cNvSpPr>
+            <a:spLocks noGrp="1"/>
+          </p:cNvSpPr>
+          <p:nvPr>
+            <p:ph idx="1"/>
+          </p:nvPr>
+        </p:nvSpPr>
+        <p:spPr>
+          <a:xfrm>
+            <a:off x="7534655" y="965199"/>
+            <a:ext cx="4008101" cy="4020458"/>
+          </a:xfrm>
+        </p:spPr>
+        <p:txBody>
+          <a:bodyPr anchor="ctr">
+            <a:normAutofit/>
+          </a:bodyPr>
+          <a:lstStyle/>
+          <a:p>
+            <a:r>
+              <a:rPr lang="en-US" sz="1400"/>
+              <a:t>Features</a:t>
+            </a:r>
+          </a:p>
+          <a:p>
+            <a:pPr lvl="1"/>
+            <a:r>
+              <a:rPr lang="en-US" sz="1400"/>
+              <a:t>Fully implement history via git log, and show a full history of the repository</a:t>
+            </a:r>
+          </a:p>
+          <a:p>
+            <a:pPr lvl="1"/>
+            <a:r>
+              <a:rPr lang="en-US" sz="1400"/>
+              <a:t>Allow for “focused” rendering of history, focusing on a single file</a:t>
+            </a:r>
+          </a:p>
+          <a:p>
+            <a:pPr lvl="1"/>
+            <a:r>
+              <a:rPr lang="en-US" sz="1400"/>
+              <a:t>Diff comparison of the changes made during each commit displayed when specific files are chosen</a:t>
+            </a:r>
+          </a:p>
+          <a:p>
+            <a:pPr lvl="1"/>
+            <a:r>
+              <a:rPr lang="en-US" sz="1400"/>
+              <a:t>Implement header to display the commit location and other misc. information</a:t>
+            </a:r>
+          </a:p>
+          <a:p>
+            <a:r>
+              <a:rPr lang="en-US" sz="1400"/>
+              <a:t>Design Decisions</a:t>
+            </a:r>
+          </a:p>
+          <a:p>
+            <a:pPr lvl="1"/>
+            <a:r>
+              <a:rPr lang="en-US" sz="1400"/>
+              <a:t>Added some central state management to remove controls placed within the view</a:t>
+            </a:r>
+          </a:p>
+          <a:p>
+            <a:pPr lvl="1"/>
+            <a:endParaRPr lang="en-US" sz="1400"/>
+          </a:p>
+        </p:txBody>
+      </p:sp>
     </p:spTree>
     <p:extLst>
       <p:ext uri="{BB962C8B-B14F-4D97-AF65-F5344CB8AC3E}">
@@ -5249,6 +8697,14 @@
 <file path=ppt/slides/slide9.xml><?xml version="1.0" encoding="utf-8"?>
 <p:sld xmlns:a="http://schemas.openxmlformats.org/drawingml/2006/main" xmlns:r="http://schemas.openxmlformats.org/officeDocument/2006/relationships" xmlns:p="http://schemas.openxmlformats.org/presentationml/2006/main">
   <p:cSld>
+    <p:bg>
+      <p:bgPr>
+        <a:solidFill>
+          <a:schemeClr val="bg1"/>
+        </a:solidFill>
+        <a:effectLst/>
+      </p:bgPr>
+    </p:bg>
     <p:spTree>
       <p:nvGrpSpPr>
         <p:cNvPr id="1" name=""/>
@@ -5265,94 +8721,118 @@
       </p:grpSpPr>
       <p:sp>
         <p:nvSpPr>
-          <p:cNvPr id="2" name="Title 1">
-            <a:extLst>
-              <a:ext uri="{FF2B5EF4-FFF2-40B4-BE49-F238E27FC236}">
-                <a16:creationId xmlns:a16="http://schemas.microsoft.com/office/drawing/2014/main" id="{F147CC82-1B1F-40E3-8469-77F12E7B4F5E}"/>
-              </a:ext>
-            </a:extLst>
-          </p:cNvPr>
-          <p:cNvSpPr>
-            <a:spLocks noGrp="1"/>
-          </p:cNvSpPr>
-          <p:nvPr>
-            <p:ph type="title"/>
-          </p:nvPr>
-        </p:nvSpPr>
-        <p:spPr/>
-        <p:txBody>
-          <a:bodyPr/>
+          <p:cNvPr id="10" name="Rectangle 9">
+            <a:extLst>
+              <a:ext uri="{FF2B5EF4-FFF2-40B4-BE49-F238E27FC236}">
+                <a16:creationId xmlns:a16="http://schemas.microsoft.com/office/drawing/2014/main" id="{9A5D6D04-32E9-4AF7-BB82-DB2D0C0B478B}"/>
+              </a:ext>
+              <a:ext uri="{C183D7F6-B498-43B3-948B-1728B52AA6E4}">
+                <adec:decorative xmlns:adec="http://schemas.microsoft.com/office/drawing/2017/decorative" val="1"/>
+              </a:ext>
+            </a:extLst>
+          </p:cNvPr>
+          <p:cNvSpPr>
+            <a:spLocks noGrp="1" noRot="1" noChangeAspect="1" noMove="1" noResize="1" noEditPoints="1" noAdjustHandles="1" noChangeArrowheads="1" noChangeShapeType="1" noTextEdit="1"/>
+          </p:cNvSpPr>
+          <p:nvPr>
+            <p:extLst>
+              <p:ext uri="{386F3935-93C4-4BCD-93E2-E3B085C9AB24}">
+                <p16:designElem xmlns:p16="http://schemas.microsoft.com/office/powerpoint/2015/main" val="1"/>
+              </p:ext>
+            </p:extLst>
+          </p:nvPr>
+        </p:nvSpPr>
+        <p:spPr>
+          <a:xfrm>
+            <a:off x="0" y="0"/>
+            <a:ext cx="12192000" cy="6858000"/>
+          </a:xfrm>
+          <a:prstGeom prst="rect">
+            <a:avLst/>
+          </a:prstGeom>
+          <a:solidFill>
+            <a:schemeClr val="bg1"/>
+          </a:solidFill>
+          <a:ln>
+            <a:noFill/>
+          </a:ln>
+        </p:spPr>
+        <p:style>
+          <a:lnRef idx="2">
+            <a:schemeClr val="accent1">
+              <a:shade val="50000"/>
+            </a:schemeClr>
+          </a:lnRef>
+          <a:fillRef idx="1">
+            <a:schemeClr val="accent1"/>
+          </a:fillRef>
+          <a:effectRef idx="0">
+            <a:schemeClr val="accent1"/>
+          </a:effectRef>
+          <a:fontRef idx="minor">
+            <a:schemeClr val="lt1"/>
+          </a:fontRef>
+        </p:style>
+        <p:txBody>
+          <a:bodyPr rtlCol="0" anchor="ctr"/>
           <a:lstStyle/>
           <a:p>
-            <a:r>
-              <a:rPr lang="en-US" dirty="0"/>
-              <a:t>Week 7 – Networks and Updates</a:t>
-            </a:r>
-          </a:p>
-        </p:txBody>
-      </p:sp>
-      <p:sp>
-        <p:nvSpPr>
-          <p:cNvPr id="3" name="Content Placeholder 2">
-            <a:extLst>
-              <a:ext uri="{FF2B5EF4-FFF2-40B4-BE49-F238E27FC236}">
-                <a16:creationId xmlns:a16="http://schemas.microsoft.com/office/drawing/2014/main" id="{CCC3E22D-CD8B-410D-8500-21D5F25406BC}"/>
-              </a:ext>
-            </a:extLst>
-          </p:cNvPr>
-          <p:cNvSpPr>
-            <a:spLocks noGrp="1"/>
-          </p:cNvSpPr>
-          <p:nvPr>
-            <p:ph idx="1"/>
-          </p:nvPr>
-        </p:nvSpPr>
-        <p:spPr/>
-        <p:txBody>
-          <a:bodyPr/>
-          <a:lstStyle/>
-          <a:p>
-            <a:r>
-              <a:rPr lang="en-US" dirty="0"/>
-              <a:t>Research</a:t>
-            </a:r>
-          </a:p>
-          <a:p>
-            <a:pPr lvl="1"/>
-            <a:r>
-              <a:rPr lang="en-US" dirty="0"/>
-              <a:t>Setup a Git server with all basic functionality</a:t>
-            </a:r>
-          </a:p>
-          <a:p>
-            <a:pPr lvl="1"/>
-            <a:r>
-              <a:rPr lang="en-US" dirty="0"/>
-              <a:t>Rendered a custom git diff render for Excel</a:t>
-            </a:r>
-          </a:p>
-          <a:p>
-            <a:r>
-              <a:rPr lang="en-US" dirty="0"/>
-              <a:t>Features</a:t>
-            </a:r>
-          </a:p>
-          <a:p>
-            <a:pPr lvl="1"/>
-            <a:r>
-              <a:rPr lang="en-US" dirty="0"/>
-              <a:t>Implemented Git Branching within the application to allow multiple workflows within a single Repository</a:t>
-            </a:r>
-          </a:p>
-          <a:p>
-            <a:pPr lvl="1"/>
-            <a:r>
-              <a:rPr lang="en-US" dirty="0"/>
-              <a:t>Updated and modernized the repository selection interface</a:t>
-            </a:r>
-          </a:p>
-        </p:txBody>
-      </p:sp>
+            <a:pPr algn="ctr"/>
+            <a:endParaRPr lang="en-US"/>
+          </a:p>
+        </p:txBody>
+      </p:sp>
+      <p:pic>
+        <p:nvPicPr>
+          <p:cNvPr id="5" name="Picture 4">
+            <a:extLst>
+              <a:ext uri="{FF2B5EF4-FFF2-40B4-BE49-F238E27FC236}">
+                <a16:creationId xmlns:a16="http://schemas.microsoft.com/office/drawing/2014/main" id="{73508CA8-B5A0-4634-9020-18C49DA1B427}"/>
+              </a:ext>
+            </a:extLst>
+          </p:cNvPr>
+          <p:cNvPicPr>
+            <a:picLocks noChangeAspect="1"/>
+          </p:cNvPicPr>
+          <p:nvPr/>
+        </p:nvPicPr>
+        <p:blipFill>
+          <a:blip r:embed="rId2"/>
+          <a:stretch>
+            <a:fillRect/>
+          </a:stretch>
+        </p:blipFill>
+        <p:spPr>
+          <a:xfrm>
+            <a:off x="8390267" y="673038"/>
+            <a:ext cx="2545088" cy="2095955"/>
+          </a:xfrm>
+          <a:custGeom>
+            <a:avLst/>
+            <a:gdLst/>
+            <a:ahLst/>
+            <a:cxnLst/>
+            <a:rect l="l" t="t" r="r" b="b"/>
+            <a:pathLst>
+              <a:path w="3976051" h="2331947">
+                <a:moveTo>
+                  <a:pt x="0" y="0"/>
+                </a:moveTo>
+                <a:lnTo>
+                  <a:pt x="3976051" y="0"/>
+                </a:lnTo>
+                <a:lnTo>
+                  <a:pt x="3976051" y="2331947"/>
+                </a:lnTo>
+                <a:lnTo>
+                  <a:pt x="0" y="2331947"/>
+                </a:lnTo>
+                <a:close/>
+              </a:path>
+            </a:pathLst>
+          </a:custGeom>
+        </p:spPr>
+      </p:pic>
       <p:pic>
         <p:nvPicPr>
           <p:cNvPr id="4" name="Picture 3">
@@ -5368,50 +8848,531 @@
           <p:nvPr/>
         </p:nvPicPr>
         <p:blipFill rotWithShape="1">
-          <a:blip r:embed="rId2"/>
+          <a:blip r:embed="rId3"/>
           <a:srcRect l="1" t="301" r="-1" b="68332"/>
           <a:stretch/>
         </p:blipFill>
         <p:spPr>
           <a:xfrm>
-            <a:off x="9174939" y="4537348"/>
-            <a:ext cx="2483661" cy="1955527"/>
+            <a:off x="8334759" y="2998228"/>
+            <a:ext cx="2656107" cy="2095954"/>
           </a:xfrm>
-          <a:prstGeom prst="rect">
+          <a:custGeom>
             <a:avLst/>
-          </a:prstGeom>
+            <a:gdLst/>
+            <a:ahLst/>
+            <a:cxnLst/>
+            <a:rect l="l" t="t" r="r" b="b"/>
+            <a:pathLst>
+              <a:path w="4926150" h="2331720">
+                <a:moveTo>
+                  <a:pt x="0" y="0"/>
+                </a:moveTo>
+                <a:lnTo>
+                  <a:pt x="4926150" y="0"/>
+                </a:lnTo>
+                <a:lnTo>
+                  <a:pt x="4926150" y="2331720"/>
+                </a:lnTo>
+                <a:lnTo>
+                  <a:pt x="0" y="2331720"/>
+                </a:lnTo>
+                <a:close/>
+              </a:path>
+            </a:pathLst>
+          </a:custGeom>
         </p:spPr>
       </p:pic>
-      <p:pic>
-        <p:nvPicPr>
-          <p:cNvPr id="5" name="Picture 4">
-            <a:extLst>
-              <a:ext uri="{FF2B5EF4-FFF2-40B4-BE49-F238E27FC236}">
-                <a16:creationId xmlns:a16="http://schemas.microsoft.com/office/drawing/2014/main" id="{73508CA8-B5A0-4634-9020-18C49DA1B427}"/>
-              </a:ext>
-            </a:extLst>
-          </p:cNvPr>
-          <p:cNvPicPr>
-            <a:picLocks noChangeAspect="1"/>
-          </p:cNvPicPr>
-          <p:nvPr/>
-        </p:nvPicPr>
-        <p:blipFill>
-          <a:blip r:embed="rId3"/>
-          <a:stretch>
-            <a:fillRect/>
-          </a:stretch>
-        </p:blipFill>
+      <p:sp>
+        <p:nvSpPr>
+          <p:cNvPr id="12" name="Freeform: Shape 11">
+            <a:extLst>
+              <a:ext uri="{FF2B5EF4-FFF2-40B4-BE49-F238E27FC236}">
+                <a16:creationId xmlns:a16="http://schemas.microsoft.com/office/drawing/2014/main" id="{A7487470-DFA4-44D9-BF1D-22C1178E0177}"/>
+              </a:ext>
+              <a:ext uri="{C183D7F6-B498-43B3-948B-1728B52AA6E4}">
+                <adec:decorative xmlns:adec="http://schemas.microsoft.com/office/drawing/2017/decorative" val="1"/>
+              </a:ext>
+            </a:extLst>
+          </p:cNvPr>
+          <p:cNvSpPr>
+            <a:spLocks noGrp="1" noRot="1" noChangeAspect="1" noMove="1" noResize="1" noEditPoints="1" noAdjustHandles="1" noChangeArrowheads="1" noChangeShapeType="1" noTextEdit="1"/>
+          </p:cNvSpPr>
+          <p:nvPr>
+            <p:extLst>
+              <p:ext uri="{386F3935-93C4-4BCD-93E2-E3B085C9AB24}">
+                <p16:designElem xmlns:p16="http://schemas.microsoft.com/office/powerpoint/2015/main" val="1"/>
+              </p:ext>
+            </p:extLst>
+          </p:nvPr>
+        </p:nvSpPr>
         <p:spPr>
           <a:xfrm>
-            <a:off x="8654440" y="655637"/>
-            <a:ext cx="2915057" cy="2400635"/>
+            <a:off x="6831955" y="5346696"/>
+            <a:ext cx="5360045" cy="1511304"/>
           </a:xfrm>
-          <a:prstGeom prst="rect">
+          <a:custGeom>
             <a:avLst/>
-          </a:prstGeom>
+            <a:gdLst>
+              <a:gd name="connsiteX0" fmla="*/ 4545473 w 5360045"/>
+              <a:gd name="connsiteY0" fmla="*/ 0 h 1511304"/>
+              <a:gd name="connsiteX1" fmla="*/ 5360045 w 5360045"/>
+              <a:gd name="connsiteY1" fmla="*/ 0 h 1511304"/>
+              <a:gd name="connsiteX2" fmla="*/ 5360045 w 5360045"/>
+              <a:gd name="connsiteY2" fmla="*/ 1046730 h 1511304"/>
+              <a:gd name="connsiteX3" fmla="*/ 5360045 w 5360045"/>
+              <a:gd name="connsiteY3" fmla="*/ 1508760 h 1511304"/>
+              <a:gd name="connsiteX4" fmla="*/ 5360045 w 5360045"/>
+              <a:gd name="connsiteY4" fmla="*/ 1511304 h 1511304"/>
+              <a:gd name="connsiteX5" fmla="*/ 4545474 w 5360045"/>
+              <a:gd name="connsiteY5" fmla="*/ 1511304 h 1511304"/>
+              <a:gd name="connsiteX6" fmla="*/ 2525897 w 5360045"/>
+              <a:gd name="connsiteY6" fmla="*/ 1511304 h 1511304"/>
+              <a:gd name="connsiteX7" fmla="*/ 0 w 5360045"/>
+              <a:gd name="connsiteY7" fmla="*/ 1511304 h 1511304"/>
+              <a:gd name="connsiteX8" fmla="*/ 697617 w 5360045"/>
+              <a:gd name="connsiteY8" fmla="*/ 3 h 1511304"/>
+              <a:gd name="connsiteX9" fmla="*/ 4545473 w 5360045"/>
+              <a:gd name="connsiteY9" fmla="*/ 3 h 1511304"/>
+            </a:gdLst>
+            <a:ahLst/>
+            <a:cxnLst>
+              <a:cxn ang="0">
+                <a:pos x="connsiteX0" y="connsiteY0"/>
+              </a:cxn>
+              <a:cxn ang="0">
+                <a:pos x="connsiteX1" y="connsiteY1"/>
+              </a:cxn>
+              <a:cxn ang="0">
+                <a:pos x="connsiteX2" y="connsiteY2"/>
+              </a:cxn>
+              <a:cxn ang="0">
+                <a:pos x="connsiteX3" y="connsiteY3"/>
+              </a:cxn>
+              <a:cxn ang="0">
+                <a:pos x="connsiteX4" y="connsiteY4"/>
+              </a:cxn>
+              <a:cxn ang="0">
+                <a:pos x="connsiteX5" y="connsiteY5"/>
+              </a:cxn>
+              <a:cxn ang="0">
+                <a:pos x="connsiteX6" y="connsiteY6"/>
+              </a:cxn>
+              <a:cxn ang="0">
+                <a:pos x="connsiteX7" y="connsiteY7"/>
+              </a:cxn>
+              <a:cxn ang="0">
+                <a:pos x="connsiteX8" y="connsiteY8"/>
+              </a:cxn>
+              <a:cxn ang="0">
+                <a:pos x="connsiteX9" y="connsiteY9"/>
+              </a:cxn>
+            </a:cxnLst>
+            <a:rect l="l" t="t" r="r" b="b"/>
+            <a:pathLst>
+              <a:path w="5360045" h="1511304">
+                <a:moveTo>
+                  <a:pt x="4545473" y="0"/>
+                </a:moveTo>
+                <a:lnTo>
+                  <a:pt x="5360045" y="0"/>
+                </a:lnTo>
+                <a:lnTo>
+                  <a:pt x="5360045" y="1046730"/>
+                </a:lnTo>
+                <a:lnTo>
+                  <a:pt x="5360045" y="1508760"/>
+                </a:lnTo>
+                <a:lnTo>
+                  <a:pt x="5360045" y="1511304"/>
+                </a:lnTo>
+                <a:lnTo>
+                  <a:pt x="4545474" y="1511304"/>
+                </a:lnTo>
+                <a:lnTo>
+                  <a:pt x="2525897" y="1511304"/>
+                </a:lnTo>
+                <a:lnTo>
+                  <a:pt x="0" y="1511304"/>
+                </a:lnTo>
+                <a:lnTo>
+                  <a:pt x="697617" y="3"/>
+                </a:lnTo>
+                <a:lnTo>
+                  <a:pt x="4545473" y="3"/>
+                </a:lnTo>
+                <a:close/>
+              </a:path>
+            </a:pathLst>
+          </a:custGeom>
+          <a:solidFill>
+            <a:srgbClr val="404040">
+              <a:alpha val="84706"/>
+            </a:srgbClr>
+          </a:solidFill>
+          <a:ln>
+            <a:noFill/>
+          </a:ln>
         </p:spPr>
-      </p:pic>
+        <p:style>
+          <a:lnRef idx="2">
+            <a:schemeClr val="accent1">
+              <a:shade val="50000"/>
+            </a:schemeClr>
+          </a:lnRef>
+          <a:fillRef idx="1">
+            <a:schemeClr val="accent1"/>
+          </a:fillRef>
+          <a:effectRef idx="0">
+            <a:schemeClr val="accent1"/>
+          </a:effectRef>
+          <a:fontRef idx="minor">
+            <a:schemeClr val="lt1"/>
+          </a:fontRef>
+        </p:style>
+        <p:txBody>
+          <a:bodyPr wrap="square" rtlCol="0" anchor="ctr">
+            <a:noAutofit/>
+          </a:bodyPr>
+          <a:lstStyle/>
+          <a:p>
+            <a:pPr algn="ctr"/>
+            <a:endParaRPr lang="en-US"/>
+          </a:p>
+        </p:txBody>
+      </p:sp>
+      <p:sp>
+        <p:nvSpPr>
+          <p:cNvPr id="14" name="Freeform: Shape 13">
+            <a:extLst>
+              <a:ext uri="{FF2B5EF4-FFF2-40B4-BE49-F238E27FC236}">
+                <a16:creationId xmlns:a16="http://schemas.microsoft.com/office/drawing/2014/main" id="{5BEBD55E-3B02-468C-B15C-E3978632EB11}"/>
+              </a:ext>
+              <a:ext uri="{C183D7F6-B498-43B3-948B-1728B52AA6E4}">
+                <adec:decorative xmlns:adec="http://schemas.microsoft.com/office/drawing/2017/decorative" val="1"/>
+              </a:ext>
+            </a:extLst>
+          </p:cNvPr>
+          <p:cNvSpPr>
+            <a:spLocks noGrp="1" noRot="1" noChangeAspect="1" noMove="1" noResize="1" noEditPoints="1" noAdjustHandles="1" noChangeArrowheads="1" noChangeShapeType="1" noTextEdit="1"/>
+          </p:cNvSpPr>
+          <p:nvPr>
+            <p:extLst>
+              <p:ext uri="{386F3935-93C4-4BCD-93E2-E3B085C9AB24}">
+                <p16:designElem xmlns:p16="http://schemas.microsoft.com/office/powerpoint/2015/main" val="1"/>
+              </p:ext>
+            </p:extLst>
+          </p:nvPr>
+        </p:nvSpPr>
+        <p:spPr>
+          <a:xfrm>
+            <a:off x="0" y="5346694"/>
+            <a:ext cx="7346605" cy="1511306"/>
+          </a:xfrm>
+          <a:custGeom>
+            <a:avLst/>
+            <a:gdLst>
+              <a:gd name="connsiteX0" fmla="*/ 0 w 7346605"/>
+              <a:gd name="connsiteY0" fmla="*/ 0 h 1511306"/>
+              <a:gd name="connsiteX1" fmla="*/ 239486 w 7346605"/>
+              <a:gd name="connsiteY1" fmla="*/ 0 h 1511306"/>
+              <a:gd name="connsiteX2" fmla="*/ 1209568 w 7346605"/>
+              <a:gd name="connsiteY2" fmla="*/ 0 h 1511306"/>
+              <a:gd name="connsiteX3" fmla="*/ 2405743 w 7346605"/>
+              <a:gd name="connsiteY3" fmla="*/ 0 h 1511306"/>
+              <a:gd name="connsiteX4" fmla="*/ 2405743 w 7346605"/>
+              <a:gd name="connsiteY4" fmla="*/ 2544 h 1511306"/>
+              <a:gd name="connsiteX5" fmla="*/ 2801131 w 7346605"/>
+              <a:gd name="connsiteY5" fmla="*/ 2544 h 1511306"/>
+              <a:gd name="connsiteX6" fmla="*/ 2801131 w 7346605"/>
+              <a:gd name="connsiteY6" fmla="*/ 0 h 1511306"/>
+              <a:gd name="connsiteX7" fmla="*/ 7346605 w 7346605"/>
+              <a:gd name="connsiteY7" fmla="*/ 0 h 1511306"/>
+              <a:gd name="connsiteX8" fmla="*/ 6648988 w 7346605"/>
+              <a:gd name="connsiteY8" fmla="*/ 1511301 h 1511306"/>
+              <a:gd name="connsiteX9" fmla="*/ 2801132 w 7346605"/>
+              <a:gd name="connsiteY9" fmla="*/ 1511301 h 1511306"/>
+              <a:gd name="connsiteX10" fmla="*/ 2801132 w 7346605"/>
+              <a:gd name="connsiteY10" fmla="*/ 1511304 h 1511306"/>
+              <a:gd name="connsiteX11" fmla="*/ 2405743 w 7346605"/>
+              <a:gd name="connsiteY11" fmla="*/ 1511304 h 1511306"/>
+              <a:gd name="connsiteX12" fmla="*/ 2405743 w 7346605"/>
+              <a:gd name="connsiteY12" fmla="*/ 1511306 h 1511306"/>
+              <a:gd name="connsiteX13" fmla="*/ 1333411 w 7346605"/>
+              <a:gd name="connsiteY13" fmla="*/ 1511306 h 1511306"/>
+              <a:gd name="connsiteX14" fmla="*/ 1219208 w 7346605"/>
+              <a:gd name="connsiteY14" fmla="*/ 1511306 h 1511306"/>
+              <a:gd name="connsiteX15" fmla="*/ 1209568 w 7346605"/>
+              <a:gd name="connsiteY15" fmla="*/ 1511306 h 1511306"/>
+              <a:gd name="connsiteX16" fmla="*/ 239486 w 7346605"/>
+              <a:gd name="connsiteY16" fmla="*/ 1511306 h 1511306"/>
+              <a:gd name="connsiteX17" fmla="*/ 0 w 7346605"/>
+              <a:gd name="connsiteY17" fmla="*/ 1511306 h 1511306"/>
+            </a:gdLst>
+            <a:ahLst/>
+            <a:cxnLst>
+              <a:cxn ang="0">
+                <a:pos x="connsiteX0" y="connsiteY0"/>
+              </a:cxn>
+              <a:cxn ang="0">
+                <a:pos x="connsiteX1" y="connsiteY1"/>
+              </a:cxn>
+              <a:cxn ang="0">
+                <a:pos x="connsiteX2" y="connsiteY2"/>
+              </a:cxn>
+              <a:cxn ang="0">
+                <a:pos x="connsiteX3" y="connsiteY3"/>
+              </a:cxn>
+              <a:cxn ang="0">
+                <a:pos x="connsiteX4" y="connsiteY4"/>
+              </a:cxn>
+              <a:cxn ang="0">
+                <a:pos x="connsiteX5" y="connsiteY5"/>
+              </a:cxn>
+              <a:cxn ang="0">
+                <a:pos x="connsiteX6" y="connsiteY6"/>
+              </a:cxn>
+              <a:cxn ang="0">
+                <a:pos x="connsiteX7" y="connsiteY7"/>
+              </a:cxn>
+              <a:cxn ang="0">
+                <a:pos x="connsiteX8" y="connsiteY8"/>
+              </a:cxn>
+              <a:cxn ang="0">
+                <a:pos x="connsiteX9" y="connsiteY9"/>
+              </a:cxn>
+              <a:cxn ang="0">
+                <a:pos x="connsiteX10" y="connsiteY10"/>
+              </a:cxn>
+              <a:cxn ang="0">
+                <a:pos x="connsiteX11" y="connsiteY11"/>
+              </a:cxn>
+              <a:cxn ang="0">
+                <a:pos x="connsiteX12" y="connsiteY12"/>
+              </a:cxn>
+              <a:cxn ang="0">
+                <a:pos x="connsiteX13" y="connsiteY13"/>
+              </a:cxn>
+              <a:cxn ang="0">
+                <a:pos x="connsiteX14" y="connsiteY14"/>
+              </a:cxn>
+              <a:cxn ang="0">
+                <a:pos x="connsiteX15" y="connsiteY15"/>
+              </a:cxn>
+              <a:cxn ang="0">
+                <a:pos x="connsiteX16" y="connsiteY16"/>
+              </a:cxn>
+              <a:cxn ang="0">
+                <a:pos x="connsiteX17" y="connsiteY17"/>
+              </a:cxn>
+            </a:cxnLst>
+            <a:rect l="l" t="t" r="r" b="b"/>
+            <a:pathLst>
+              <a:path w="7346605" h="1511306">
+                <a:moveTo>
+                  <a:pt x="0" y="0"/>
+                </a:moveTo>
+                <a:lnTo>
+                  <a:pt x="239486" y="0"/>
+                </a:lnTo>
+                <a:lnTo>
+                  <a:pt x="1209568" y="0"/>
+                </a:lnTo>
+                <a:lnTo>
+                  <a:pt x="2405743" y="0"/>
+                </a:lnTo>
+                <a:lnTo>
+                  <a:pt x="2405743" y="2544"/>
+                </a:lnTo>
+                <a:lnTo>
+                  <a:pt x="2801131" y="2544"/>
+                </a:lnTo>
+                <a:lnTo>
+                  <a:pt x="2801131" y="0"/>
+                </a:lnTo>
+                <a:lnTo>
+                  <a:pt x="7346605" y="0"/>
+                </a:lnTo>
+                <a:lnTo>
+                  <a:pt x="6648988" y="1511301"/>
+                </a:lnTo>
+                <a:lnTo>
+                  <a:pt x="2801132" y="1511301"/>
+                </a:lnTo>
+                <a:lnTo>
+                  <a:pt x="2801132" y="1511304"/>
+                </a:lnTo>
+                <a:lnTo>
+                  <a:pt x="2405743" y="1511304"/>
+                </a:lnTo>
+                <a:lnTo>
+                  <a:pt x="2405743" y="1511306"/>
+                </a:lnTo>
+                <a:lnTo>
+                  <a:pt x="1333411" y="1511306"/>
+                </a:lnTo>
+                <a:lnTo>
+                  <a:pt x="1219208" y="1511306"/>
+                </a:lnTo>
+                <a:lnTo>
+                  <a:pt x="1209568" y="1511306"/>
+                </a:lnTo>
+                <a:lnTo>
+                  <a:pt x="239486" y="1511306"/>
+                </a:lnTo>
+                <a:lnTo>
+                  <a:pt x="0" y="1511306"/>
+                </a:lnTo>
+                <a:close/>
+              </a:path>
+            </a:pathLst>
+          </a:custGeom>
+          <a:solidFill>
+            <a:srgbClr val="D0CECE"/>
+          </a:solidFill>
+          <a:ln>
+            <a:noFill/>
+          </a:ln>
+        </p:spPr>
+        <p:style>
+          <a:lnRef idx="2">
+            <a:schemeClr val="accent1">
+              <a:shade val="50000"/>
+            </a:schemeClr>
+          </a:lnRef>
+          <a:fillRef idx="1">
+            <a:schemeClr val="accent1"/>
+          </a:fillRef>
+          <a:effectRef idx="0">
+            <a:schemeClr val="accent1"/>
+          </a:effectRef>
+          <a:fontRef idx="minor">
+            <a:schemeClr val="lt1"/>
+          </a:fontRef>
+        </p:style>
+        <p:txBody>
+          <a:bodyPr rtlCol="0" anchor="ctr"/>
+          <a:lstStyle/>
+          <a:p>
+            <a:pPr algn="ctr"/>
+            <a:endParaRPr lang="en-US">
+              <a:solidFill>
+                <a:schemeClr val="bg1">
+                  <a:lumMod val="95000"/>
+                </a:schemeClr>
+              </a:solidFill>
+            </a:endParaRPr>
+          </a:p>
+        </p:txBody>
+      </p:sp>
+      <p:sp>
+        <p:nvSpPr>
+          <p:cNvPr id="2" name="Title 1">
+            <a:extLst>
+              <a:ext uri="{FF2B5EF4-FFF2-40B4-BE49-F238E27FC236}">
+                <a16:creationId xmlns:a16="http://schemas.microsoft.com/office/drawing/2014/main" id="{F147CC82-1B1F-40E3-8469-77F12E7B4F5E}"/>
+              </a:ext>
+            </a:extLst>
+          </p:cNvPr>
+          <p:cNvSpPr>
+            <a:spLocks noGrp="1"/>
+          </p:cNvSpPr>
+          <p:nvPr>
+            <p:ph type="title"/>
+          </p:nvPr>
+        </p:nvSpPr>
+        <p:spPr>
+          <a:xfrm>
+            <a:off x="841248" y="5532120"/>
+            <a:ext cx="5806440" cy="1097280"/>
+          </a:xfrm>
+        </p:spPr>
+        <p:txBody>
+          <a:bodyPr>
+            <a:normAutofit/>
+          </a:bodyPr>
+          <a:lstStyle/>
+          <a:p>
+            <a:r>
+              <a:rPr lang="en-US" sz="3400">
+                <a:solidFill>
+                  <a:srgbClr val="303030"/>
+                </a:solidFill>
+              </a:rPr>
+              <a:t>Week 7 – Networks and Updates</a:t>
+            </a:r>
+          </a:p>
+        </p:txBody>
+      </p:sp>
+      <p:sp>
+        <p:nvSpPr>
+          <p:cNvPr id="3" name="Content Placeholder 2">
+            <a:extLst>
+              <a:ext uri="{FF2B5EF4-FFF2-40B4-BE49-F238E27FC236}">
+                <a16:creationId xmlns:a16="http://schemas.microsoft.com/office/drawing/2014/main" id="{CCC3E22D-CD8B-410D-8500-21D5F25406BC}"/>
+              </a:ext>
+            </a:extLst>
+          </p:cNvPr>
+          <p:cNvSpPr>
+            <a:spLocks noGrp="1"/>
+          </p:cNvSpPr>
+          <p:nvPr>
+            <p:ph idx="1"/>
+          </p:nvPr>
+        </p:nvSpPr>
+        <p:spPr>
+          <a:xfrm>
+            <a:off x="841248" y="921634"/>
+            <a:ext cx="5806440" cy="4070988"/>
+          </a:xfrm>
+        </p:spPr>
+        <p:txBody>
+          <a:bodyPr anchor="ctr">
+            <a:normAutofit/>
+          </a:bodyPr>
+          <a:lstStyle/>
+          <a:p>
+            <a:r>
+              <a:rPr lang="en-US" sz="2000"/>
+              <a:t>Research</a:t>
+            </a:r>
+          </a:p>
+          <a:p>
+            <a:pPr lvl="1"/>
+            <a:r>
+              <a:rPr lang="en-US" sz="2000"/>
+              <a:t>Setup a Git server with all basic functionality</a:t>
+            </a:r>
+          </a:p>
+          <a:p>
+            <a:pPr lvl="1"/>
+            <a:r>
+              <a:rPr lang="en-US" sz="2000"/>
+              <a:t>Rendered a custom git diff render for Excel</a:t>
+            </a:r>
+          </a:p>
+          <a:p>
+            <a:r>
+              <a:rPr lang="en-US" sz="2000"/>
+              <a:t>Features</a:t>
+            </a:r>
+          </a:p>
+          <a:p>
+            <a:pPr lvl="1"/>
+            <a:r>
+              <a:rPr lang="en-US" sz="2000"/>
+              <a:t>Implemented Git Branching within the application to allow multiple workflows within a single Repository</a:t>
+            </a:r>
+          </a:p>
+          <a:p>
+            <a:pPr lvl="1"/>
+            <a:r>
+              <a:rPr lang="en-US" sz="2000"/>
+              <a:t>Updated and modernized the repository selection interface</a:t>
+            </a:r>
+          </a:p>
+        </p:txBody>
+      </p:sp>
     </p:spTree>
     <p:extLst>
       <p:ext uri="{BB962C8B-B14F-4D97-AF65-F5344CB8AC3E}">

--- a/Notes/summer2020/Summer_Summary.pptx
+++ b/Notes/summer2020/Summer_Summary.pptx
@@ -5043,15 +5043,7 @@
             <a:pPr lvl="1"/>
             <a:r>
               <a:rPr lang="en-US" dirty="0"/>
-              <a:t>To reply to the server, you use some established CA in </a:t>
-            </a:r>
-            <a:r>
-              <a:rPr lang="en-US" dirty="0" err="1"/>
-              <a:t>Github’s</a:t>
-            </a:r>
-            <a:r>
-              <a:rPr lang="en-US" dirty="0"/>
-              <a:t> case (for company publish a public key to be trusted by all) </a:t>
+              <a:t>To reply to the server, you use some established CA in GitHub case (for company publish a public key to be trusted by all) </a:t>
             </a:r>
           </a:p>
           <a:p>
@@ -7518,41 +7510,41 @@
           <a:lstStyle/>
           <a:p>
             <a:r>
-              <a:rPr lang="en-US" sz="1700"/>
+              <a:rPr lang="en-US" sz="1700" dirty="0"/>
               <a:t>Design Decisions</a:t>
             </a:r>
           </a:p>
           <a:p>
             <a:pPr lvl="1"/>
             <a:r>
-              <a:rPr lang="en-US" sz="1700"/>
+              <a:rPr lang="en-US" sz="1700" dirty="0"/>
               <a:t>With Redux Routing, allow for one-page applications with multiple views, to solve the previous week’s issue with its full functionality</a:t>
             </a:r>
           </a:p>
           <a:p>
             <a:pPr lvl="1"/>
             <a:r>
-              <a:rPr lang="en-US" sz="1700"/>
+              <a:rPr lang="en-US" sz="1700" dirty="0"/>
               <a:t>With node-watch, we view (theoretically) and update whenever a new change has been made</a:t>
             </a:r>
           </a:p>
           <a:p>
             <a:pPr lvl="1"/>
             <a:r>
-              <a:rPr lang="en-US" sz="1700"/>
+              <a:rPr lang="en-US" sz="1700" dirty="0"/>
               <a:t>With material UI design a front-end interface with consistent design decisions</a:t>
             </a:r>
           </a:p>
           <a:p>
             <a:r>
-              <a:rPr lang="en-US" sz="1700"/>
+              <a:rPr lang="en-US" sz="1700" dirty="0"/>
               <a:t>Features</a:t>
             </a:r>
           </a:p>
           <a:p>
             <a:pPr lvl="1"/>
             <a:r>
-              <a:rPr lang="en-US" sz="1700"/>
+              <a:rPr lang="en-US" sz="1700" dirty="0"/>
               <a:t>Can display git diff and status with information</a:t>
             </a:r>
           </a:p>

--- a/Notes/summer2020/Summer_Summary.pptx
+++ b/Notes/summer2020/Summer_Summary.pptx
@@ -5,7 +5,7 @@
     <p:sldMasterId id="2147483648" r:id="rId1"/>
   </p:sldMasterIdLst>
   <p:notesMasterIdLst>
-    <p:notesMasterId r:id="rId13"/>
+    <p:notesMasterId r:id="rId15"/>
   </p:notesMasterIdLst>
   <p:sldIdLst>
     <p:sldId id="256" r:id="rId2"/>
@@ -19,6 +19,8 @@
     <p:sldId id="264" r:id="rId10"/>
     <p:sldId id="265" r:id="rId11"/>
     <p:sldId id="266" r:id="rId12"/>
+    <p:sldId id="267" r:id="rId13"/>
+    <p:sldId id="268" r:id="rId14"/>
   </p:sldIdLst>
   <p:sldSz cx="12192000" cy="6858000"/>
   <p:notesSz cx="6858000" cy="9144000"/>
@@ -133,6 +135,8 @@
             <p14:sldId id="264"/>
             <p14:sldId id="265"/>
             <p14:sldId id="266"/>
+            <p14:sldId id="267"/>
+            <p14:sldId id="268"/>
           </p14:sldIdLst>
         </p14:section>
       </p14:sectionLst>
@@ -226,7 +230,7 @@
           <a:p>
             <a:fld id="{CB3DF5BE-4652-4BFC-8469-8FAEFABE5385}" type="datetimeFigureOut">
               <a:rPr lang="en-US" smtClean="0"/>
-              <a:t>8/19/2020</a:t>
+              <a:t>8/25/2020</a:t>
             </a:fld>
             <a:endParaRPr lang="en-US"/>
           </a:p>
@@ -889,7 +893,7 @@
           <a:p>
             <a:fld id="{5248DD35-FA55-4FF5-A2B8-ACB490128C85}" type="datetimeFigureOut">
               <a:rPr lang="en-US" smtClean="0"/>
-              <a:t>8/19/2020</a:t>
+              <a:t>8/25/2020</a:t>
             </a:fld>
             <a:endParaRPr lang="en-US"/>
           </a:p>
@@ -1087,7 +1091,7 @@
           <a:p>
             <a:fld id="{5248DD35-FA55-4FF5-A2B8-ACB490128C85}" type="datetimeFigureOut">
               <a:rPr lang="en-US" smtClean="0"/>
-              <a:t>8/19/2020</a:t>
+              <a:t>8/25/2020</a:t>
             </a:fld>
             <a:endParaRPr lang="en-US"/>
           </a:p>
@@ -1295,7 +1299,7 @@
           <a:p>
             <a:fld id="{5248DD35-FA55-4FF5-A2B8-ACB490128C85}" type="datetimeFigureOut">
               <a:rPr lang="en-US" smtClean="0"/>
-              <a:t>8/19/2020</a:t>
+              <a:t>8/25/2020</a:t>
             </a:fld>
             <a:endParaRPr lang="en-US"/>
           </a:p>
@@ -1493,7 +1497,7 @@
           <a:p>
             <a:fld id="{5248DD35-FA55-4FF5-A2B8-ACB490128C85}" type="datetimeFigureOut">
               <a:rPr lang="en-US" smtClean="0"/>
-              <a:t>8/19/2020</a:t>
+              <a:t>8/25/2020</a:t>
             </a:fld>
             <a:endParaRPr lang="en-US"/>
           </a:p>
@@ -1768,7 +1772,7 @@
           <a:p>
             <a:fld id="{5248DD35-FA55-4FF5-A2B8-ACB490128C85}" type="datetimeFigureOut">
               <a:rPr lang="en-US" smtClean="0"/>
-              <a:t>8/19/2020</a:t>
+              <a:t>8/25/2020</a:t>
             </a:fld>
             <a:endParaRPr lang="en-US"/>
           </a:p>
@@ -2033,7 +2037,7 @@
           <a:p>
             <a:fld id="{5248DD35-FA55-4FF5-A2B8-ACB490128C85}" type="datetimeFigureOut">
               <a:rPr lang="en-US" smtClean="0"/>
-              <a:t>8/19/2020</a:t>
+              <a:t>8/25/2020</a:t>
             </a:fld>
             <a:endParaRPr lang="en-US"/>
           </a:p>
@@ -2445,7 +2449,7 @@
           <a:p>
             <a:fld id="{5248DD35-FA55-4FF5-A2B8-ACB490128C85}" type="datetimeFigureOut">
               <a:rPr lang="en-US" smtClean="0"/>
-              <a:t>8/19/2020</a:t>
+              <a:t>8/25/2020</a:t>
             </a:fld>
             <a:endParaRPr lang="en-US"/>
           </a:p>
@@ -2586,7 +2590,7 @@
           <a:p>
             <a:fld id="{5248DD35-FA55-4FF5-A2B8-ACB490128C85}" type="datetimeFigureOut">
               <a:rPr lang="en-US" smtClean="0"/>
-              <a:t>8/19/2020</a:t>
+              <a:t>8/25/2020</a:t>
             </a:fld>
             <a:endParaRPr lang="en-US"/>
           </a:p>
@@ -2699,7 +2703,7 @@
           <a:p>
             <a:fld id="{5248DD35-FA55-4FF5-A2B8-ACB490128C85}" type="datetimeFigureOut">
               <a:rPr lang="en-US" smtClean="0"/>
-              <a:t>8/19/2020</a:t>
+              <a:t>8/25/2020</a:t>
             </a:fld>
             <a:endParaRPr lang="en-US"/>
           </a:p>
@@ -3010,7 +3014,7 @@
           <a:p>
             <a:fld id="{5248DD35-FA55-4FF5-A2B8-ACB490128C85}" type="datetimeFigureOut">
               <a:rPr lang="en-US" smtClean="0"/>
-              <a:t>8/19/2020</a:t>
+              <a:t>8/25/2020</a:t>
             </a:fld>
             <a:endParaRPr lang="en-US"/>
           </a:p>
@@ -3298,7 +3302,7 @@
           <a:p>
             <a:fld id="{5248DD35-FA55-4FF5-A2B8-ACB490128C85}" type="datetimeFigureOut">
               <a:rPr lang="en-US" smtClean="0"/>
-              <a:t>8/19/2020</a:t>
+              <a:t>8/25/2020</a:t>
             </a:fld>
             <a:endParaRPr lang="en-US"/>
           </a:p>
@@ -3539,7 +3543,7 @@
           <a:p>
             <a:fld id="{5248DD35-FA55-4FF5-A2B8-ACB490128C85}" type="datetimeFigureOut">
               <a:rPr lang="en-US" smtClean="0"/>
-              <a:t>8/19/2020</a:t>
+              <a:t>8/25/2020</a:t>
             </a:fld>
             <a:endParaRPr lang="en-US"/>
           </a:p>
@@ -4843,7 +4847,7 @@
           <a:lstStyle/>
           <a:p>
             <a:r>
-              <a:rPr lang="en-US" sz="4000">
+              <a:rPr lang="en-US" sz="4000" dirty="0">
                 <a:solidFill>
                   <a:srgbClr val="303030"/>
                 </a:solidFill>
@@ -4964,6 +4968,14 @@
 <file path=ppt/slides/slide11.xml><?xml version="1.0" encoding="utf-8"?>
 <p:sld xmlns:a="http://schemas.openxmlformats.org/drawingml/2006/main" xmlns:r="http://schemas.openxmlformats.org/officeDocument/2006/relationships" xmlns:p="http://schemas.openxmlformats.org/presentationml/2006/main">
   <p:cSld>
+    <p:bg>
+      <p:bgPr>
+        <a:solidFill>
+          <a:schemeClr val="bg1"/>
+        </a:solidFill>
+        <a:effectLst/>
+      </p:bgPr>
+    </p:bg>
     <p:spTree>
       <p:nvGrpSpPr>
         <p:cNvPr id="1" name=""/>
@@ -4980,6 +4992,69 @@
       </p:grpSpPr>
       <p:sp>
         <p:nvSpPr>
+          <p:cNvPr id="17" name="Rectangle 16">
+            <a:extLst>
+              <a:ext uri="{FF2B5EF4-FFF2-40B4-BE49-F238E27FC236}">
+                <a16:creationId xmlns:a16="http://schemas.microsoft.com/office/drawing/2014/main" id="{2B566528-1B12-4246-9431-5C2D7D081168}"/>
+              </a:ext>
+              <a:ext uri="{C183D7F6-B498-43B3-948B-1728B52AA6E4}">
+                <adec:decorative xmlns:adec="http://schemas.microsoft.com/office/drawing/2017/decorative" val="1"/>
+              </a:ext>
+            </a:extLst>
+          </p:cNvPr>
+          <p:cNvSpPr>
+            <a:spLocks noGrp="1" noRot="1" noChangeAspect="1" noMove="1" noResize="1" noEditPoints="1" noAdjustHandles="1" noChangeArrowheads="1" noChangeShapeType="1" noTextEdit="1"/>
+          </p:cNvSpPr>
+          <p:nvPr>
+            <p:extLst>
+              <p:ext uri="{386F3935-93C4-4BCD-93E2-E3B085C9AB24}">
+                <p16:designElem xmlns:p16="http://schemas.microsoft.com/office/powerpoint/2015/main" val="1"/>
+              </p:ext>
+            </p:extLst>
+          </p:nvPr>
+        </p:nvSpPr>
+        <p:spPr>
+          <a:xfrm>
+            <a:off x="0" y="0"/>
+            <a:ext cx="12192000" cy="6858000"/>
+          </a:xfrm>
+          <a:prstGeom prst="rect">
+            <a:avLst/>
+          </a:prstGeom>
+          <a:solidFill>
+            <a:schemeClr val="bg1"/>
+          </a:solidFill>
+          <a:ln>
+            <a:noFill/>
+          </a:ln>
+        </p:spPr>
+        <p:style>
+          <a:lnRef idx="2">
+            <a:schemeClr val="accent1">
+              <a:shade val="50000"/>
+            </a:schemeClr>
+          </a:lnRef>
+          <a:fillRef idx="1">
+            <a:schemeClr val="accent1"/>
+          </a:fillRef>
+          <a:effectRef idx="0">
+            <a:schemeClr val="accent1"/>
+          </a:effectRef>
+          <a:fontRef idx="minor">
+            <a:schemeClr val="lt1"/>
+          </a:fontRef>
+        </p:style>
+        <p:txBody>
+          <a:bodyPr rtlCol="0" anchor="ctr"/>
+          <a:lstStyle/>
+          <a:p>
+            <a:pPr algn="ctr"/>
+            <a:endParaRPr lang="en-US" dirty="0"/>
+          </a:p>
+        </p:txBody>
+      </p:sp>
+      <p:sp>
+        <p:nvSpPr>
           <p:cNvPr id="2" name="Title 1">
             <a:extLst>
               <a:ext uri="{FF2B5EF4-FFF2-40B4-BE49-F238E27FC236}">
@@ -4994,13 +5069,20 @@
             <p:ph type="title"/>
           </p:nvPr>
         </p:nvSpPr>
-        <p:spPr/>
-        <p:txBody>
-          <a:bodyPr/>
+        <p:spPr>
+          <a:xfrm>
+            <a:off x="643467" y="321734"/>
+            <a:ext cx="10905066" cy="1135737"/>
+          </a:xfrm>
+        </p:spPr>
+        <p:txBody>
+          <a:bodyPr>
+            <a:normAutofit/>
+          </a:bodyPr>
           <a:lstStyle/>
           <a:p>
             <a:r>
-              <a:rPr lang="en-US" dirty="0"/>
+              <a:rPr lang="en-US" sz="3600"/>
               <a:t>Week 8 – Authentication</a:t>
             </a:r>
           </a:p>
@@ -5022,36 +5104,315 @@
             <p:ph idx="1"/>
           </p:nvPr>
         </p:nvSpPr>
-        <p:spPr/>
-        <p:txBody>
-          <a:bodyPr/>
+        <p:spPr>
+          <a:xfrm>
+            <a:off x="643467" y="1782981"/>
+            <a:ext cx="10905066" cy="4393982"/>
+          </a:xfrm>
+        </p:spPr>
+        <p:txBody>
+          <a:bodyPr>
+            <a:normAutofit/>
+          </a:bodyPr>
           <a:lstStyle/>
           <a:p>
             <a:r>
-              <a:rPr lang="en-US" dirty="0"/>
+              <a:rPr lang="en-US" sz="2000" dirty="0"/>
               <a:t>Research</a:t>
             </a:r>
           </a:p>
           <a:p>
             <a:pPr lvl="1"/>
             <a:r>
-              <a:rPr lang="en-US" dirty="0"/>
+              <a:rPr lang="en-US" sz="2000" dirty="0"/>
               <a:t>When you talk with a server, you provide them a public key. This public key is used to encrypt incoming traffic (the security of this based on the two large primes ideal and some other ideas)</a:t>
             </a:r>
           </a:p>
           <a:p>
             <a:pPr lvl="1"/>
             <a:r>
-              <a:rPr lang="en-US" dirty="0"/>
+              <a:rPr lang="en-US" sz="2000" dirty="0"/>
               <a:t>To reply to the server, you use some established CA in GitHub case (for company publish a public key to be trusted by all) </a:t>
             </a:r>
           </a:p>
           <a:p>
             <a:pPr lvl="1"/>
             <a:r>
-              <a:rPr lang="en-US" dirty="0"/>
-              <a:t>Therefore, you can connect to Git with a pub key talk – and you send over a hello with TCP – and negotiate the terms of the communication. Then, check the authenticity of their communication with the public key – they reply with the same information encrypted with the public key you gave it, which may be decrypted with your private key, and then two ephemeral keys may be generated to talk between the two.</a:t>
-            </a:r>
+              <a:rPr lang="en-US" sz="2000" dirty="0"/>
+              <a:t>Therefore, you can connect to Git with a pub key talk – and you send over a hello with TCP – and negotiate the terms of the communication. </a:t>
+            </a:r>
+            <a:r>
+              <a:rPr lang="en-US" sz="2000"/>
+              <a:t>Then, check the authenticity of their communication with the public key – they reply with the same information encrypted with the public key you gave it, which may be decrypted with your private key, and then two ephemeral keys may be generated to talk between the two.</a:t>
+            </a:r>
+          </a:p>
+        </p:txBody>
+      </p:sp>
+      <p:sp>
+        <p:nvSpPr>
+          <p:cNvPr id="19" name="Rectangle 18">
+            <a:extLst>
+              <a:ext uri="{FF2B5EF4-FFF2-40B4-BE49-F238E27FC236}">
+                <a16:creationId xmlns:a16="http://schemas.microsoft.com/office/drawing/2014/main" id="{2E80C965-DB6D-4F81-9E9E-B027384D0BD6}"/>
+              </a:ext>
+              <a:ext uri="{C183D7F6-B498-43B3-948B-1728B52AA6E4}">
+                <adec:decorative xmlns:adec="http://schemas.microsoft.com/office/drawing/2017/decorative" val="1"/>
+              </a:ext>
+            </a:extLst>
+          </p:cNvPr>
+          <p:cNvSpPr>
+            <a:spLocks noGrp="1" noRot="1" noChangeAspect="1" noMove="1" noResize="1" noEditPoints="1" noAdjustHandles="1" noChangeArrowheads="1" noChangeShapeType="1" noTextEdit="1"/>
+          </p:cNvSpPr>
+          <p:nvPr>
+            <p:extLst>
+              <p:ext uri="{386F3935-93C4-4BCD-93E2-E3B085C9AB24}">
+                <p16:designElem xmlns:p16="http://schemas.microsoft.com/office/powerpoint/2015/main" val="1"/>
+              </p:ext>
+            </p:extLst>
+          </p:nvPr>
+        </p:nvSpPr>
+        <p:spPr>
+          <a:xfrm rot="2700000">
+            <a:off x="11052629" y="2120024"/>
+            <a:ext cx="645368" cy="645368"/>
+          </a:xfrm>
+          <a:prstGeom prst="rect">
+            <a:avLst/>
+          </a:prstGeom>
+          <a:solidFill>
+            <a:schemeClr val="accent4">
+              <a:alpha val="30000"/>
+            </a:schemeClr>
+          </a:solidFill>
+          <a:ln>
+            <a:noFill/>
+          </a:ln>
+        </p:spPr>
+        <p:style>
+          <a:lnRef idx="2">
+            <a:schemeClr val="accent1">
+              <a:shade val="50000"/>
+            </a:schemeClr>
+          </a:lnRef>
+          <a:fillRef idx="1">
+            <a:schemeClr val="accent1"/>
+          </a:fillRef>
+          <a:effectRef idx="0">
+            <a:schemeClr val="accent1"/>
+          </a:effectRef>
+          <a:fontRef idx="minor">
+            <a:schemeClr val="lt1"/>
+          </a:fontRef>
+        </p:style>
+        <p:txBody>
+          <a:bodyPr rtlCol="0" anchor="ctr"/>
+          <a:lstStyle/>
+          <a:p>
+            <a:pPr algn="ctr"/>
+            <a:endParaRPr lang="en-US"/>
+          </a:p>
+        </p:txBody>
+      </p:sp>
+      <p:sp>
+        <p:nvSpPr>
+          <p:cNvPr id="21" name="Isosceles Triangle 20">
+            <a:extLst>
+              <a:ext uri="{FF2B5EF4-FFF2-40B4-BE49-F238E27FC236}">
+                <a16:creationId xmlns:a16="http://schemas.microsoft.com/office/drawing/2014/main" id="{A580F890-B085-4E95-96AA-55AEBEC5CE6E}"/>
+              </a:ext>
+              <a:ext uri="{C183D7F6-B498-43B3-948B-1728B52AA6E4}">
+                <adec:decorative xmlns:adec="http://schemas.microsoft.com/office/drawing/2017/decorative" val="1"/>
+              </a:ext>
+            </a:extLst>
+          </p:cNvPr>
+          <p:cNvSpPr>
+            <a:spLocks noGrp="1" noRot="1" noChangeAspect="1" noMove="1" noResize="1" noEditPoints="1" noAdjustHandles="1" noChangeArrowheads="1" noChangeShapeType="1" noTextEdit="1"/>
+          </p:cNvSpPr>
+          <p:nvPr>
+            <p:extLst>
+              <p:ext uri="{386F3935-93C4-4BCD-93E2-E3B085C9AB24}">
+                <p16:designElem xmlns:p16="http://schemas.microsoft.com/office/powerpoint/2015/main" val="1"/>
+              </p:ext>
+            </p:extLst>
+          </p:nvPr>
+        </p:nvSpPr>
+        <p:spPr>
+          <a:xfrm rot="16200000">
+            <a:off x="10289068" y="1343027"/>
+            <a:ext cx="2532832" cy="1273032"/>
+          </a:xfrm>
+          <a:prstGeom prst="triangle">
+            <a:avLst>
+              <a:gd name="adj" fmla="val 50000"/>
+            </a:avLst>
+          </a:prstGeom>
+          <a:solidFill>
+            <a:schemeClr val="accent4">
+              <a:alpha val="30000"/>
+            </a:schemeClr>
+          </a:solidFill>
+          <a:ln>
+            <a:noFill/>
+          </a:ln>
+        </p:spPr>
+        <p:style>
+          <a:lnRef idx="2">
+            <a:schemeClr val="accent1">
+              <a:shade val="50000"/>
+            </a:schemeClr>
+          </a:lnRef>
+          <a:fillRef idx="1">
+            <a:schemeClr val="accent1"/>
+          </a:fillRef>
+          <a:effectRef idx="0">
+            <a:schemeClr val="accent1"/>
+          </a:effectRef>
+          <a:fontRef idx="minor">
+            <a:schemeClr val="lt1"/>
+          </a:fontRef>
+        </p:style>
+        <p:txBody>
+          <a:bodyPr rtlCol="0" anchor="ctr"/>
+          <a:lstStyle/>
+          <a:p>
+            <a:pPr algn="ctr"/>
+            <a:endParaRPr lang="en-US"/>
+          </a:p>
+        </p:txBody>
+      </p:sp>
+      <p:sp>
+        <p:nvSpPr>
+          <p:cNvPr id="23" name="Isosceles Triangle 22">
+            <a:extLst>
+              <a:ext uri="{FF2B5EF4-FFF2-40B4-BE49-F238E27FC236}">
+                <a16:creationId xmlns:a16="http://schemas.microsoft.com/office/drawing/2014/main" id="{D3F51FEB-38FB-4F6C-9F7B-2F2AFAB65463}"/>
+              </a:ext>
+              <a:ext uri="{C183D7F6-B498-43B3-948B-1728B52AA6E4}">
+                <adec:decorative xmlns:adec="http://schemas.microsoft.com/office/drawing/2017/decorative" val="1"/>
+              </a:ext>
+            </a:extLst>
+          </p:cNvPr>
+          <p:cNvSpPr>
+            <a:spLocks noGrp="1" noRot="1" noChangeAspect="1" noMove="1" noResize="1" noEditPoints="1" noAdjustHandles="1" noChangeArrowheads="1" noChangeShapeType="1" noTextEdit="1"/>
+          </p:cNvSpPr>
+          <p:nvPr>
+            <p:extLst>
+              <p:ext uri="{386F3935-93C4-4BCD-93E2-E3B085C9AB24}">
+                <p16:designElem xmlns:p16="http://schemas.microsoft.com/office/powerpoint/2015/main" val="1"/>
+              </p:ext>
+            </p:extLst>
+          </p:nvPr>
+        </p:nvSpPr>
+        <p:spPr>
+          <a:xfrm rot="5400000">
+            <a:off x="-501760" y="5103257"/>
+            <a:ext cx="2017580" cy="1014060"/>
+          </a:xfrm>
+          <a:prstGeom prst="triangle">
+            <a:avLst>
+              <a:gd name="adj" fmla="val 50000"/>
+            </a:avLst>
+          </a:prstGeom>
+          <a:solidFill>
+            <a:schemeClr val="accent1">
+              <a:alpha val="30000"/>
+            </a:schemeClr>
+          </a:solidFill>
+          <a:ln>
+            <a:noFill/>
+          </a:ln>
+        </p:spPr>
+        <p:style>
+          <a:lnRef idx="2">
+            <a:schemeClr val="accent1">
+              <a:shade val="50000"/>
+            </a:schemeClr>
+          </a:lnRef>
+          <a:fillRef idx="1">
+            <a:schemeClr val="accent1"/>
+          </a:fillRef>
+          <a:effectRef idx="0">
+            <a:schemeClr val="accent1"/>
+          </a:effectRef>
+          <a:fontRef idx="minor">
+            <a:schemeClr val="lt1"/>
+          </a:fontRef>
+        </p:style>
+        <p:txBody>
+          <a:bodyPr wrap="square" rtlCol="0" anchor="ctr">
+            <a:noAutofit/>
+          </a:bodyPr>
+          <a:lstStyle/>
+          <a:p>
+            <a:pPr algn="ctr"/>
+            <a:endParaRPr lang="en-US"/>
+          </a:p>
+        </p:txBody>
+      </p:sp>
+      <p:sp>
+        <p:nvSpPr>
+          <p:cNvPr id="25" name="Rectangle 24">
+            <a:extLst>
+              <a:ext uri="{FF2B5EF4-FFF2-40B4-BE49-F238E27FC236}">
+                <a16:creationId xmlns:a16="http://schemas.microsoft.com/office/drawing/2014/main" id="{1E547BA6-BAE0-43BB-A7CA-60F69CE252F0}"/>
+              </a:ext>
+              <a:ext uri="{C183D7F6-B498-43B3-948B-1728B52AA6E4}">
+                <adec:decorative xmlns:adec="http://schemas.microsoft.com/office/drawing/2017/decorative" val="1"/>
+              </a:ext>
+            </a:extLst>
+          </p:cNvPr>
+          <p:cNvSpPr>
+            <a:spLocks noGrp="1" noRot="1" noChangeAspect="1" noMove="1" noResize="1" noEditPoints="1" noAdjustHandles="1" noChangeArrowheads="1" noChangeShapeType="1" noTextEdit="1"/>
+          </p:cNvSpPr>
+          <p:nvPr>
+            <p:extLst>
+              <p:ext uri="{386F3935-93C4-4BCD-93E2-E3B085C9AB24}">
+                <p16:designElem xmlns:p16="http://schemas.microsoft.com/office/powerpoint/2015/main" val="1"/>
+              </p:ext>
+            </p:extLst>
+          </p:nvPr>
+        </p:nvSpPr>
+        <p:spPr>
+          <a:xfrm rot="2700000">
+            <a:off x="427916" y="5728708"/>
+            <a:ext cx="485578" cy="485578"/>
+          </a:xfrm>
+          <a:prstGeom prst="rect">
+            <a:avLst/>
+          </a:prstGeom>
+          <a:solidFill>
+            <a:schemeClr val="accent1">
+              <a:alpha val="30000"/>
+            </a:schemeClr>
+          </a:solidFill>
+          <a:ln>
+            <a:noFill/>
+          </a:ln>
+        </p:spPr>
+        <p:style>
+          <a:lnRef idx="2">
+            <a:schemeClr val="accent1">
+              <a:shade val="50000"/>
+            </a:schemeClr>
+          </a:lnRef>
+          <a:fillRef idx="1">
+            <a:schemeClr val="accent1"/>
+          </a:fillRef>
+          <a:effectRef idx="0">
+            <a:schemeClr val="accent1"/>
+          </a:effectRef>
+          <a:fontRef idx="minor">
+            <a:schemeClr val="lt1"/>
+          </a:fontRef>
+        </p:style>
+        <p:txBody>
+          <a:bodyPr wrap="square" rtlCol="0" anchor="ctr">
+            <a:noAutofit/>
+          </a:bodyPr>
+          <a:lstStyle/>
+          <a:p>
+            <a:pPr algn="ctr"/>
+            <a:endParaRPr lang="en-US"/>
           </a:p>
         </p:txBody>
       </p:sp>
@@ -5059,6 +5420,1264 @@
     <p:extLst>
       <p:ext uri="{BB962C8B-B14F-4D97-AF65-F5344CB8AC3E}">
         <p14:creationId xmlns:p14="http://schemas.microsoft.com/office/powerpoint/2010/main" val="2220226308"/>
+      </p:ext>
+    </p:extLst>
+  </p:cSld>
+  <p:clrMapOvr>
+    <a:masterClrMapping/>
+  </p:clrMapOvr>
+</p:sld>
+</file>
+
+<file path=ppt/slides/slide12.xml><?xml version="1.0" encoding="utf-8"?>
+<p:sld xmlns:a="http://schemas.openxmlformats.org/drawingml/2006/main" xmlns:r="http://schemas.openxmlformats.org/officeDocument/2006/relationships" xmlns:p="http://schemas.openxmlformats.org/presentationml/2006/main">
+  <p:cSld>
+    <p:bg>
+      <p:bgPr>
+        <a:solidFill>
+          <a:schemeClr val="bg1"/>
+        </a:solidFill>
+        <a:effectLst/>
+      </p:bgPr>
+    </p:bg>
+    <p:spTree>
+      <p:nvGrpSpPr>
+        <p:cNvPr id="1" name=""/>
+        <p:cNvGrpSpPr/>
+        <p:nvPr/>
+      </p:nvGrpSpPr>
+      <p:grpSpPr>
+        <a:xfrm>
+          <a:off x="0" y="0"/>
+          <a:ext cx="0" cy="0"/>
+          <a:chOff x="0" y="0"/>
+          <a:chExt cx="0" cy="0"/>
+        </a:xfrm>
+      </p:grpSpPr>
+      <p:sp>
+        <p:nvSpPr>
+          <p:cNvPr id="2" name="Title 1">
+            <a:extLst>
+              <a:ext uri="{FF2B5EF4-FFF2-40B4-BE49-F238E27FC236}">
+                <a16:creationId xmlns:a16="http://schemas.microsoft.com/office/drawing/2014/main" id="{C7152254-A09E-48F0-B1F1-47859C380250}"/>
+              </a:ext>
+            </a:extLst>
+          </p:cNvPr>
+          <p:cNvSpPr>
+            <a:spLocks noGrp="1"/>
+          </p:cNvSpPr>
+          <p:nvPr>
+            <p:ph type="title"/>
+          </p:nvPr>
+        </p:nvSpPr>
+        <p:spPr>
+          <a:xfrm>
+            <a:off x="1653363" y="365760"/>
+            <a:ext cx="9367203" cy="1188720"/>
+          </a:xfrm>
+        </p:spPr>
+        <p:txBody>
+          <a:bodyPr>
+            <a:normAutofit/>
+          </a:bodyPr>
+          <a:lstStyle/>
+          <a:p>
+            <a:r>
+              <a:rPr lang="en-US" sz="3700"/>
+              <a:t>Week 9 –Blacklisting, Vulnerabilities and Protected Branching	</a:t>
+            </a:r>
+          </a:p>
+        </p:txBody>
+      </p:sp>
+      <p:sp>
+        <p:nvSpPr>
+          <p:cNvPr id="8" name="Freeform: Shape 7">
+            <a:extLst>
+              <a:ext uri="{FF2B5EF4-FFF2-40B4-BE49-F238E27FC236}">
+                <a16:creationId xmlns:a16="http://schemas.microsoft.com/office/drawing/2014/main" id="{7CB4857B-ED7C-444D-9F04-2F885114A1C2}"/>
+              </a:ext>
+              <a:ext uri="{C183D7F6-B498-43B3-948B-1728B52AA6E4}">
+                <adec:decorative xmlns:adec="http://schemas.microsoft.com/office/drawing/2017/decorative" val="1"/>
+              </a:ext>
+            </a:extLst>
+          </p:cNvPr>
+          <p:cNvSpPr>
+            <a:spLocks noGrp="1" noRot="1" noChangeAspect="1" noMove="1" noResize="1" noEditPoints="1" noAdjustHandles="1" noChangeArrowheads="1" noChangeShapeType="1" noTextEdit="1"/>
+          </p:cNvSpPr>
+          <p:nvPr>
+            <p:extLst>
+              <p:ext uri="{386F3935-93C4-4BCD-93E2-E3B085C9AB24}">
+                <p16:designElem xmlns:p16="http://schemas.microsoft.com/office/powerpoint/2015/main" val="1"/>
+              </p:ext>
+            </p:extLst>
+          </p:nvPr>
+        </p:nvSpPr>
+        <p:spPr>
+          <a:xfrm>
+            <a:off x="1" y="0"/>
+            <a:ext cx="1764099" cy="1558212"/>
+          </a:xfrm>
+          <a:custGeom>
+            <a:avLst/>
+            <a:gdLst>
+              <a:gd name="connsiteX0" fmla="*/ 0 w 1764099"/>
+              <a:gd name="connsiteY0" fmla="*/ 0 h 1558212"/>
+              <a:gd name="connsiteX1" fmla="*/ 1764099 w 1764099"/>
+              <a:gd name="connsiteY1" fmla="*/ 0 h 1558212"/>
+              <a:gd name="connsiteX2" fmla="*/ 1042087 w 1764099"/>
+              <a:gd name="connsiteY2" fmla="*/ 1558212 h 1558212"/>
+              <a:gd name="connsiteX3" fmla="*/ 0 w 1764099"/>
+              <a:gd name="connsiteY3" fmla="*/ 1558212 h 1558212"/>
+            </a:gdLst>
+            <a:ahLst/>
+            <a:cxnLst>
+              <a:cxn ang="0">
+                <a:pos x="connsiteX0" y="connsiteY0"/>
+              </a:cxn>
+              <a:cxn ang="0">
+                <a:pos x="connsiteX1" y="connsiteY1"/>
+              </a:cxn>
+              <a:cxn ang="0">
+                <a:pos x="connsiteX2" y="connsiteY2"/>
+              </a:cxn>
+              <a:cxn ang="0">
+                <a:pos x="connsiteX3" y="connsiteY3"/>
+              </a:cxn>
+            </a:cxnLst>
+            <a:rect l="l" t="t" r="r" b="b"/>
+            <a:pathLst>
+              <a:path w="1764099" h="1558212">
+                <a:moveTo>
+                  <a:pt x="0" y="0"/>
+                </a:moveTo>
+                <a:lnTo>
+                  <a:pt x="1764099" y="0"/>
+                </a:lnTo>
+                <a:lnTo>
+                  <a:pt x="1042087" y="1558212"/>
+                </a:lnTo>
+                <a:lnTo>
+                  <a:pt x="0" y="1558212"/>
+                </a:lnTo>
+                <a:close/>
+              </a:path>
+            </a:pathLst>
+          </a:custGeom>
+          <a:solidFill>
+            <a:schemeClr val="accent4"/>
+          </a:solidFill>
+          <a:ln>
+            <a:noFill/>
+          </a:ln>
+        </p:spPr>
+        <p:style>
+          <a:lnRef idx="2">
+            <a:schemeClr val="accent1">
+              <a:shade val="50000"/>
+            </a:schemeClr>
+          </a:lnRef>
+          <a:fillRef idx="1">
+            <a:schemeClr val="accent1"/>
+          </a:fillRef>
+          <a:effectRef idx="0">
+            <a:schemeClr val="accent1"/>
+          </a:effectRef>
+          <a:fontRef idx="minor">
+            <a:schemeClr val="lt1"/>
+          </a:fontRef>
+        </p:style>
+        <p:txBody>
+          <a:bodyPr wrap="square" rtlCol="0" anchor="ctr">
+            <a:noAutofit/>
+          </a:bodyPr>
+          <a:lstStyle/>
+          <a:p>
+            <a:pPr algn="ctr"/>
+            <a:endParaRPr lang="en-US"/>
+          </a:p>
+        </p:txBody>
+      </p:sp>
+      <p:sp>
+        <p:nvSpPr>
+          <p:cNvPr id="10" name="Freeform: Shape 9">
+            <a:extLst>
+              <a:ext uri="{FF2B5EF4-FFF2-40B4-BE49-F238E27FC236}">
+                <a16:creationId xmlns:a16="http://schemas.microsoft.com/office/drawing/2014/main" id="{D18046FB-44EA-4FD8-A585-EA09A319B2D0}"/>
+              </a:ext>
+              <a:ext uri="{C183D7F6-B498-43B3-948B-1728B52AA6E4}">
+                <adec:decorative xmlns:adec="http://schemas.microsoft.com/office/drawing/2017/decorative" val="1"/>
+              </a:ext>
+            </a:extLst>
+          </p:cNvPr>
+          <p:cNvSpPr>
+            <a:spLocks noGrp="1" noRot="1" noChangeAspect="1" noMove="1" noResize="1" noEditPoints="1" noAdjustHandles="1" noChangeArrowheads="1" noChangeShapeType="1" noTextEdit="1"/>
+          </p:cNvSpPr>
+          <p:nvPr>
+            <p:extLst>
+              <p:ext uri="{386F3935-93C4-4BCD-93E2-E3B085C9AB24}">
+                <p16:designElem xmlns:p16="http://schemas.microsoft.com/office/powerpoint/2015/main" val="1"/>
+              </p:ext>
+            </p:extLst>
+          </p:nvPr>
+        </p:nvSpPr>
+        <p:spPr>
+          <a:xfrm>
+            <a:off x="1" y="1691640"/>
+            <a:ext cx="12191999" cy="5166360"/>
+          </a:xfrm>
+          <a:custGeom>
+            <a:avLst/>
+            <a:gdLst>
+              <a:gd name="connsiteX0" fmla="*/ 0 w 12191999"/>
+              <a:gd name="connsiteY0" fmla="*/ 0 h 5166360"/>
+              <a:gd name="connsiteX1" fmla="*/ 1822388 w 12191999"/>
+              <a:gd name="connsiteY1" fmla="*/ 0 h 5166360"/>
+              <a:gd name="connsiteX2" fmla="*/ 6468290 w 12191999"/>
+              <a:gd name="connsiteY2" fmla="*/ 0 h 5166360"/>
+              <a:gd name="connsiteX3" fmla="*/ 7796394 w 12191999"/>
+              <a:gd name="connsiteY3" fmla="*/ 0 h 5166360"/>
+              <a:gd name="connsiteX4" fmla="*/ 8376834 w 12191999"/>
+              <a:gd name="connsiteY4" fmla="*/ 0 h 5166360"/>
+              <a:gd name="connsiteX5" fmla="*/ 9704938 w 12191999"/>
+              <a:gd name="connsiteY5" fmla="*/ 0 h 5166360"/>
+              <a:gd name="connsiteX6" fmla="*/ 9704938 w 12191999"/>
+              <a:gd name="connsiteY6" fmla="*/ 2 h 5166360"/>
+              <a:gd name="connsiteX7" fmla="*/ 10283456 w 12191999"/>
+              <a:gd name="connsiteY7" fmla="*/ 2 h 5166360"/>
+              <a:gd name="connsiteX8" fmla="*/ 10863897 w 12191999"/>
+              <a:gd name="connsiteY8" fmla="*/ 2 h 5166360"/>
+              <a:gd name="connsiteX9" fmla="*/ 12191999 w 12191999"/>
+              <a:gd name="connsiteY9" fmla="*/ 2 h 5166360"/>
+              <a:gd name="connsiteX10" fmla="*/ 12191999 w 12191999"/>
+              <a:gd name="connsiteY10" fmla="*/ 5166360 h 5166360"/>
+              <a:gd name="connsiteX11" fmla="*/ 0 w 12191999"/>
+              <a:gd name="connsiteY11" fmla="*/ 5166360 h 5166360"/>
+              <a:gd name="connsiteX12" fmla="*/ 0 w 12191999"/>
+              <a:gd name="connsiteY12" fmla="*/ 2604436 h 5166360"/>
+              <a:gd name="connsiteX13" fmla="*/ 862341 w 12191999"/>
+              <a:gd name="connsiteY13" fmla="*/ 743371 h 5166360"/>
+              <a:gd name="connsiteX14" fmla="*/ 0 w 12191999"/>
+              <a:gd name="connsiteY14" fmla="*/ 743371 h 5166360"/>
+              <a:gd name="connsiteX15" fmla="*/ 0 w 12191999"/>
+              <a:gd name="connsiteY15" fmla="*/ 742508 h 5166360"/>
+              <a:gd name="connsiteX16" fmla="*/ 92826 w 12191999"/>
+              <a:gd name="connsiteY16" fmla="*/ 742508 h 5166360"/>
+              <a:gd name="connsiteX17" fmla="*/ 406486 w 12191999"/>
+              <a:gd name="connsiteY17" fmla="*/ 742508 h 5166360"/>
+              <a:gd name="connsiteX18" fmla="*/ 406486 w 12191999"/>
+              <a:gd name="connsiteY18" fmla="*/ 742507 h 5166360"/>
+              <a:gd name="connsiteX19" fmla="*/ 862741 w 12191999"/>
+              <a:gd name="connsiteY19" fmla="*/ 742507 h 5166360"/>
+              <a:gd name="connsiteX20" fmla="*/ 1206388 w 12191999"/>
+              <a:gd name="connsiteY20" fmla="*/ 864 h 5166360"/>
+              <a:gd name="connsiteX21" fmla="*/ 748500 w 12191999"/>
+              <a:gd name="connsiteY21" fmla="*/ 864 h 5166360"/>
+              <a:gd name="connsiteX22" fmla="*/ 0 w 12191999"/>
+              <a:gd name="connsiteY22" fmla="*/ 864 h 5166360"/>
+            </a:gdLst>
+            <a:ahLst/>
+            <a:cxnLst>
+              <a:cxn ang="0">
+                <a:pos x="connsiteX0" y="connsiteY0"/>
+              </a:cxn>
+              <a:cxn ang="0">
+                <a:pos x="connsiteX1" y="connsiteY1"/>
+              </a:cxn>
+              <a:cxn ang="0">
+                <a:pos x="connsiteX2" y="connsiteY2"/>
+              </a:cxn>
+              <a:cxn ang="0">
+                <a:pos x="connsiteX3" y="connsiteY3"/>
+              </a:cxn>
+              <a:cxn ang="0">
+                <a:pos x="connsiteX4" y="connsiteY4"/>
+              </a:cxn>
+              <a:cxn ang="0">
+                <a:pos x="connsiteX5" y="connsiteY5"/>
+              </a:cxn>
+              <a:cxn ang="0">
+                <a:pos x="connsiteX6" y="connsiteY6"/>
+              </a:cxn>
+              <a:cxn ang="0">
+                <a:pos x="connsiteX7" y="connsiteY7"/>
+              </a:cxn>
+              <a:cxn ang="0">
+                <a:pos x="connsiteX8" y="connsiteY8"/>
+              </a:cxn>
+              <a:cxn ang="0">
+                <a:pos x="connsiteX9" y="connsiteY9"/>
+              </a:cxn>
+              <a:cxn ang="0">
+                <a:pos x="connsiteX10" y="connsiteY10"/>
+              </a:cxn>
+              <a:cxn ang="0">
+                <a:pos x="connsiteX11" y="connsiteY11"/>
+              </a:cxn>
+              <a:cxn ang="0">
+                <a:pos x="connsiteX12" y="connsiteY12"/>
+              </a:cxn>
+              <a:cxn ang="0">
+                <a:pos x="connsiteX13" y="connsiteY13"/>
+              </a:cxn>
+              <a:cxn ang="0">
+                <a:pos x="connsiteX14" y="connsiteY14"/>
+              </a:cxn>
+              <a:cxn ang="0">
+                <a:pos x="connsiteX15" y="connsiteY15"/>
+              </a:cxn>
+              <a:cxn ang="0">
+                <a:pos x="connsiteX16" y="connsiteY16"/>
+              </a:cxn>
+              <a:cxn ang="0">
+                <a:pos x="connsiteX17" y="connsiteY17"/>
+              </a:cxn>
+              <a:cxn ang="0">
+                <a:pos x="connsiteX18" y="connsiteY18"/>
+              </a:cxn>
+              <a:cxn ang="0">
+                <a:pos x="connsiteX19" y="connsiteY19"/>
+              </a:cxn>
+              <a:cxn ang="0">
+                <a:pos x="connsiteX20" y="connsiteY20"/>
+              </a:cxn>
+              <a:cxn ang="0">
+                <a:pos x="connsiteX21" y="connsiteY21"/>
+              </a:cxn>
+              <a:cxn ang="0">
+                <a:pos x="connsiteX22" y="connsiteY22"/>
+              </a:cxn>
+            </a:cxnLst>
+            <a:rect l="l" t="t" r="r" b="b"/>
+            <a:pathLst>
+              <a:path w="12191999" h="5166360">
+                <a:moveTo>
+                  <a:pt x="0" y="0"/>
+                </a:moveTo>
+                <a:lnTo>
+                  <a:pt x="1822388" y="0"/>
+                </a:lnTo>
+                <a:lnTo>
+                  <a:pt x="6468290" y="0"/>
+                </a:lnTo>
+                <a:lnTo>
+                  <a:pt x="7796394" y="0"/>
+                </a:lnTo>
+                <a:lnTo>
+                  <a:pt x="8376834" y="0"/>
+                </a:lnTo>
+                <a:lnTo>
+                  <a:pt x="9704938" y="0"/>
+                </a:lnTo>
+                <a:lnTo>
+                  <a:pt x="9704938" y="2"/>
+                </a:lnTo>
+                <a:lnTo>
+                  <a:pt x="10283456" y="2"/>
+                </a:lnTo>
+                <a:lnTo>
+                  <a:pt x="10863897" y="2"/>
+                </a:lnTo>
+                <a:lnTo>
+                  <a:pt x="12191999" y="2"/>
+                </a:lnTo>
+                <a:lnTo>
+                  <a:pt x="12191999" y="5166360"/>
+                </a:lnTo>
+                <a:lnTo>
+                  <a:pt x="0" y="5166360"/>
+                </a:lnTo>
+                <a:lnTo>
+                  <a:pt x="0" y="2604436"/>
+                </a:lnTo>
+                <a:lnTo>
+                  <a:pt x="862341" y="743371"/>
+                </a:lnTo>
+                <a:lnTo>
+                  <a:pt x="0" y="743371"/>
+                </a:lnTo>
+                <a:lnTo>
+                  <a:pt x="0" y="742508"/>
+                </a:lnTo>
+                <a:lnTo>
+                  <a:pt x="92826" y="742508"/>
+                </a:lnTo>
+                <a:lnTo>
+                  <a:pt x="406486" y="742508"/>
+                </a:lnTo>
+                <a:lnTo>
+                  <a:pt x="406486" y="742507"/>
+                </a:lnTo>
+                <a:lnTo>
+                  <a:pt x="862741" y="742507"/>
+                </a:lnTo>
+                <a:lnTo>
+                  <a:pt x="1206388" y="864"/>
+                </a:lnTo>
+                <a:lnTo>
+                  <a:pt x="748500" y="864"/>
+                </a:lnTo>
+                <a:lnTo>
+                  <a:pt x="0" y="864"/>
+                </a:lnTo>
+                <a:close/>
+              </a:path>
+            </a:pathLst>
+          </a:custGeom>
+          <a:solidFill>
+            <a:srgbClr val="A6A6A6">
+              <a:alpha val="49804"/>
+            </a:srgbClr>
+          </a:solidFill>
+          <a:ln>
+            <a:noFill/>
+          </a:ln>
+        </p:spPr>
+        <p:style>
+          <a:lnRef idx="2">
+            <a:schemeClr val="accent1">
+              <a:shade val="50000"/>
+            </a:schemeClr>
+          </a:lnRef>
+          <a:fillRef idx="1">
+            <a:schemeClr val="accent1"/>
+          </a:fillRef>
+          <a:effectRef idx="0">
+            <a:schemeClr val="accent1"/>
+          </a:effectRef>
+          <a:fontRef idx="minor">
+            <a:schemeClr val="lt1"/>
+          </a:fontRef>
+        </p:style>
+        <p:txBody>
+          <a:bodyPr wrap="square" rtlCol="0" anchor="ctr">
+            <a:noAutofit/>
+          </a:bodyPr>
+          <a:lstStyle/>
+          <a:p>
+            <a:pPr algn="ctr"/>
+            <a:endParaRPr lang="en-US"/>
+          </a:p>
+        </p:txBody>
+      </p:sp>
+      <p:sp>
+        <p:nvSpPr>
+          <p:cNvPr id="12" name="Freeform: Shape 11">
+            <a:extLst>
+              <a:ext uri="{FF2B5EF4-FFF2-40B4-BE49-F238E27FC236}">
+                <a16:creationId xmlns:a16="http://schemas.microsoft.com/office/drawing/2014/main" id="{479F5F2B-8B58-4140-AE6A-51F6C67B18D9}"/>
+              </a:ext>
+              <a:ext uri="{C183D7F6-B498-43B3-948B-1728B52AA6E4}">
+                <adec:decorative xmlns:adec="http://schemas.microsoft.com/office/drawing/2017/decorative" val="1"/>
+              </a:ext>
+            </a:extLst>
+          </p:cNvPr>
+          <p:cNvSpPr>
+            <a:spLocks noGrp="1" noRot="1" noChangeAspect="1" noMove="1" noResize="1" noEditPoints="1" noAdjustHandles="1" noChangeArrowheads="1" noChangeShapeType="1" noTextEdit="1"/>
+          </p:cNvSpPr>
+          <p:nvPr>
+            <p:extLst>
+              <p:ext uri="{386F3935-93C4-4BCD-93E2-E3B085C9AB24}">
+                <p16:designElem xmlns:p16="http://schemas.microsoft.com/office/powerpoint/2015/main" val="1"/>
+              </p:ext>
+            </p:extLst>
+          </p:nvPr>
+        </p:nvSpPr>
+        <p:spPr>
+          <a:xfrm>
+            <a:off x="0" y="1691641"/>
+            <a:ext cx="971654" cy="2096979"/>
+          </a:xfrm>
+          <a:custGeom>
+            <a:avLst/>
+            <a:gdLst>
+              <a:gd name="connsiteX0" fmla="*/ 0 w 971654"/>
+              <a:gd name="connsiteY0" fmla="*/ 0 h 2096979"/>
+              <a:gd name="connsiteX1" fmla="*/ 971654 w 971654"/>
+              <a:gd name="connsiteY1" fmla="*/ 0 h 2096979"/>
+              <a:gd name="connsiteX2" fmla="*/ 0 w 971654"/>
+              <a:gd name="connsiteY2" fmla="*/ 2096979 h 2096979"/>
+            </a:gdLst>
+            <a:ahLst/>
+            <a:cxnLst>
+              <a:cxn ang="0">
+                <a:pos x="connsiteX0" y="connsiteY0"/>
+              </a:cxn>
+              <a:cxn ang="0">
+                <a:pos x="connsiteX1" y="connsiteY1"/>
+              </a:cxn>
+              <a:cxn ang="0">
+                <a:pos x="connsiteX2" y="connsiteY2"/>
+              </a:cxn>
+            </a:cxnLst>
+            <a:rect l="l" t="t" r="r" b="b"/>
+            <a:pathLst>
+              <a:path w="971654" h="2096979">
+                <a:moveTo>
+                  <a:pt x="0" y="0"/>
+                </a:moveTo>
+                <a:lnTo>
+                  <a:pt x="971654" y="0"/>
+                </a:lnTo>
+                <a:lnTo>
+                  <a:pt x="0" y="2096979"/>
+                </a:lnTo>
+                <a:close/>
+              </a:path>
+            </a:pathLst>
+          </a:custGeom>
+          <a:solidFill>
+            <a:srgbClr val="404040"/>
+          </a:solidFill>
+          <a:ln>
+            <a:noFill/>
+          </a:ln>
+        </p:spPr>
+        <p:style>
+          <a:lnRef idx="2">
+            <a:schemeClr val="accent1">
+              <a:shade val="50000"/>
+            </a:schemeClr>
+          </a:lnRef>
+          <a:fillRef idx="1">
+            <a:schemeClr val="accent1"/>
+          </a:fillRef>
+          <a:effectRef idx="0">
+            <a:schemeClr val="accent1"/>
+          </a:effectRef>
+          <a:fontRef idx="minor">
+            <a:schemeClr val="lt1"/>
+          </a:fontRef>
+        </p:style>
+        <p:txBody>
+          <a:bodyPr wrap="square" rtlCol="0" anchor="ctr">
+            <a:noAutofit/>
+          </a:bodyPr>
+          <a:lstStyle/>
+          <a:p>
+            <a:pPr algn="ctr"/>
+            <a:endParaRPr lang="en-US"/>
+          </a:p>
+        </p:txBody>
+      </p:sp>
+      <p:sp>
+        <p:nvSpPr>
+          <p:cNvPr id="3" name="Content Placeholder 2">
+            <a:extLst>
+              <a:ext uri="{FF2B5EF4-FFF2-40B4-BE49-F238E27FC236}">
+                <a16:creationId xmlns:a16="http://schemas.microsoft.com/office/drawing/2014/main" id="{F7E6DB4F-1AEE-4AD3-92F9-4FF47D27268D}"/>
+              </a:ext>
+            </a:extLst>
+          </p:cNvPr>
+          <p:cNvSpPr>
+            <a:spLocks noGrp="1"/>
+          </p:cNvSpPr>
+          <p:nvPr>
+            <p:ph idx="1"/>
+          </p:nvPr>
+        </p:nvSpPr>
+        <p:spPr>
+          <a:xfrm>
+            <a:off x="1653363" y="2176272"/>
+            <a:ext cx="9367204" cy="4041648"/>
+          </a:xfrm>
+        </p:spPr>
+        <p:txBody>
+          <a:bodyPr anchor="t">
+            <a:normAutofit/>
+          </a:bodyPr>
+          <a:lstStyle/>
+          <a:p>
+            <a:r>
+              <a:rPr lang="en-US" sz="1500"/>
+              <a:t>Research</a:t>
+            </a:r>
+          </a:p>
+          <a:p>
+            <a:pPr lvl="1"/>
+            <a:r>
+              <a:rPr lang="en-US" sz="1500"/>
+              <a:t>CVE and CVSS</a:t>
+            </a:r>
+          </a:p>
+          <a:p>
+            <a:pPr lvl="2"/>
+            <a:r>
+              <a:rPr lang="en-US" sz="1500"/>
+              <a:t>CVE == Common Vulnerabilities and Exposures – PUBLICLY disclosed cybersecurity vulnerabilities and exposures. These act as record for SW vulnerabilities, maintained by  </a:t>
+            </a:r>
+            <a:r>
+              <a:rPr lang="en-US" sz="1500">
+                <a:hlinkClick r:id="rId2" tooltip="National Cybersecurity FFRDC">
+                  <a:extLst>
+                    <a:ext uri="{A12FA001-AC4F-418D-AE19-62706E023703}">
+                      <ahyp:hlinkClr xmlns:ahyp="http://schemas.microsoft.com/office/drawing/2018/hyperlinkcolor" val="tx"/>
+                    </a:ext>
+                  </a:extLst>
+                </a:hlinkClick>
+              </a:rPr>
+              <a:t>National Cybersecurity FFRDC</a:t>
+            </a:r>
+            <a:r>
+              <a:rPr lang="en-US" sz="1500"/>
+              <a:t> from Mitre Corp w/ US Homeland Security Support</a:t>
+            </a:r>
+          </a:p>
+          <a:p>
+            <a:pPr lvl="2"/>
+            <a:r>
+              <a:rPr lang="en-US" sz="1500"/>
+              <a:t>CVSS == Common Vulnerability Scoring System that dictates how severe the threat is.</a:t>
+            </a:r>
+          </a:p>
+          <a:p>
+            <a:pPr lvl="3"/>
+            <a:r>
+              <a:rPr lang="en-US" sz="1500"/>
+              <a:t>CVSS measures based on three points – “Base” which measures intrinsic qualities of the vulnerability; “Temporal” which measures how it evolves over the life of the vulnerability; “Environmental” which measures how it affects the environment around the vulnerability.</a:t>
+            </a:r>
+          </a:p>
+          <a:p>
+            <a:pPr lvl="4"/>
+            <a:r>
+              <a:rPr lang="en-US" sz="1500"/>
+              <a:t>These can each be broken down further, and combined to calculate the CVSS score – for more info see </a:t>
+            </a:r>
+            <a:r>
+              <a:rPr lang="en-US" sz="1500">
+                <a:hlinkClick r:id="rId3"/>
+              </a:rPr>
+              <a:t>https://en.wikipedia.org/wiki/Common_Vulnerability_Scoring_System</a:t>
+            </a:r>
+            <a:endParaRPr lang="en-US" sz="1500"/>
+          </a:p>
+          <a:p>
+            <a:pPr lvl="1"/>
+            <a:r>
+              <a:rPr lang="en-US" sz="1500"/>
+              <a:t>Blacklisting </a:t>
+            </a:r>
+          </a:p>
+          <a:p>
+            <a:pPr lvl="2"/>
+            <a:r>
+              <a:rPr lang="en-US" sz="1500"/>
+              <a:t>Whitelisting is possible, but requires a lot more effort – blacklisting everything, and whitelisting a select item</a:t>
+            </a:r>
+          </a:p>
+          <a:p>
+            <a:pPr lvl="2"/>
+            <a:r>
+              <a:rPr lang="en-US" sz="1500"/>
+              <a:t>Did not find any “Filter” style restrictions, ignoring via size of a file</a:t>
+            </a:r>
+          </a:p>
+          <a:p>
+            <a:pPr lvl="2"/>
+            <a:endParaRPr lang="en-US" sz="1500"/>
+          </a:p>
+        </p:txBody>
+      </p:sp>
+    </p:spTree>
+    <p:extLst>
+      <p:ext uri="{BB962C8B-B14F-4D97-AF65-F5344CB8AC3E}">
+        <p14:creationId xmlns:p14="http://schemas.microsoft.com/office/powerpoint/2010/main" val="2999819876"/>
+      </p:ext>
+    </p:extLst>
+  </p:cSld>
+  <p:clrMapOvr>
+    <a:masterClrMapping/>
+  </p:clrMapOvr>
+</p:sld>
+</file>
+
+<file path=ppt/slides/slide13.xml><?xml version="1.0" encoding="utf-8"?>
+<p:sld xmlns:a="http://schemas.openxmlformats.org/drawingml/2006/main" xmlns:r="http://schemas.openxmlformats.org/officeDocument/2006/relationships" xmlns:p="http://schemas.openxmlformats.org/presentationml/2006/main">
+  <p:cSld>
+    <p:bg>
+      <p:bgPr>
+        <a:solidFill>
+          <a:schemeClr val="bg1"/>
+        </a:solidFill>
+        <a:effectLst/>
+      </p:bgPr>
+    </p:bg>
+    <p:spTree>
+      <p:nvGrpSpPr>
+        <p:cNvPr id="1" name=""/>
+        <p:cNvGrpSpPr/>
+        <p:nvPr/>
+      </p:nvGrpSpPr>
+      <p:grpSpPr>
+        <a:xfrm>
+          <a:off x="0" y="0"/>
+          <a:ext cx="0" cy="0"/>
+          <a:chOff x="0" y="0"/>
+          <a:chExt cx="0" cy="0"/>
+        </a:xfrm>
+      </p:grpSpPr>
+      <p:sp>
+        <p:nvSpPr>
+          <p:cNvPr id="2" name="Title 1">
+            <a:extLst>
+              <a:ext uri="{FF2B5EF4-FFF2-40B4-BE49-F238E27FC236}">
+                <a16:creationId xmlns:a16="http://schemas.microsoft.com/office/drawing/2014/main" id="{6AD0C038-5E19-4986-BD1B-7CBCF2040DE5}"/>
+              </a:ext>
+            </a:extLst>
+          </p:cNvPr>
+          <p:cNvSpPr>
+            <a:spLocks noGrp="1"/>
+          </p:cNvSpPr>
+          <p:nvPr>
+            <p:ph type="title"/>
+          </p:nvPr>
+        </p:nvSpPr>
+        <p:spPr>
+          <a:xfrm>
+            <a:off x="1653363" y="365760"/>
+            <a:ext cx="9367203" cy="1188720"/>
+          </a:xfrm>
+        </p:spPr>
+        <p:txBody>
+          <a:bodyPr>
+            <a:normAutofit/>
+          </a:bodyPr>
+          <a:lstStyle/>
+          <a:p>
+            <a:r>
+              <a:rPr lang="en-US"/>
+              <a:t>Week 9 – Continued	</a:t>
+            </a:r>
+            <a:endParaRPr lang="en-US" dirty="0"/>
+          </a:p>
+        </p:txBody>
+      </p:sp>
+      <p:sp>
+        <p:nvSpPr>
+          <p:cNvPr id="8" name="Freeform: Shape 7">
+            <a:extLst>
+              <a:ext uri="{FF2B5EF4-FFF2-40B4-BE49-F238E27FC236}">
+                <a16:creationId xmlns:a16="http://schemas.microsoft.com/office/drawing/2014/main" id="{7CB4857B-ED7C-444D-9F04-2F885114A1C2}"/>
+              </a:ext>
+              <a:ext uri="{C183D7F6-B498-43B3-948B-1728B52AA6E4}">
+                <adec:decorative xmlns:adec="http://schemas.microsoft.com/office/drawing/2017/decorative" val="1"/>
+              </a:ext>
+            </a:extLst>
+          </p:cNvPr>
+          <p:cNvSpPr>
+            <a:spLocks noGrp="1" noRot="1" noChangeAspect="1" noMove="1" noResize="1" noEditPoints="1" noAdjustHandles="1" noChangeArrowheads="1" noChangeShapeType="1" noTextEdit="1"/>
+          </p:cNvSpPr>
+          <p:nvPr>
+            <p:extLst>
+              <p:ext uri="{386F3935-93C4-4BCD-93E2-E3B085C9AB24}">
+                <p16:designElem xmlns:p16="http://schemas.microsoft.com/office/powerpoint/2015/main" val="1"/>
+              </p:ext>
+            </p:extLst>
+          </p:nvPr>
+        </p:nvSpPr>
+        <p:spPr>
+          <a:xfrm>
+            <a:off x="1" y="0"/>
+            <a:ext cx="1764099" cy="1558212"/>
+          </a:xfrm>
+          <a:custGeom>
+            <a:avLst/>
+            <a:gdLst>
+              <a:gd name="connsiteX0" fmla="*/ 0 w 1764099"/>
+              <a:gd name="connsiteY0" fmla="*/ 0 h 1558212"/>
+              <a:gd name="connsiteX1" fmla="*/ 1764099 w 1764099"/>
+              <a:gd name="connsiteY1" fmla="*/ 0 h 1558212"/>
+              <a:gd name="connsiteX2" fmla="*/ 1042087 w 1764099"/>
+              <a:gd name="connsiteY2" fmla="*/ 1558212 h 1558212"/>
+              <a:gd name="connsiteX3" fmla="*/ 0 w 1764099"/>
+              <a:gd name="connsiteY3" fmla="*/ 1558212 h 1558212"/>
+            </a:gdLst>
+            <a:ahLst/>
+            <a:cxnLst>
+              <a:cxn ang="0">
+                <a:pos x="connsiteX0" y="connsiteY0"/>
+              </a:cxn>
+              <a:cxn ang="0">
+                <a:pos x="connsiteX1" y="connsiteY1"/>
+              </a:cxn>
+              <a:cxn ang="0">
+                <a:pos x="connsiteX2" y="connsiteY2"/>
+              </a:cxn>
+              <a:cxn ang="0">
+                <a:pos x="connsiteX3" y="connsiteY3"/>
+              </a:cxn>
+            </a:cxnLst>
+            <a:rect l="l" t="t" r="r" b="b"/>
+            <a:pathLst>
+              <a:path w="1764099" h="1558212">
+                <a:moveTo>
+                  <a:pt x="0" y="0"/>
+                </a:moveTo>
+                <a:lnTo>
+                  <a:pt x="1764099" y="0"/>
+                </a:lnTo>
+                <a:lnTo>
+                  <a:pt x="1042087" y="1558212"/>
+                </a:lnTo>
+                <a:lnTo>
+                  <a:pt x="0" y="1558212"/>
+                </a:lnTo>
+                <a:close/>
+              </a:path>
+            </a:pathLst>
+          </a:custGeom>
+          <a:solidFill>
+            <a:schemeClr val="accent4"/>
+          </a:solidFill>
+          <a:ln>
+            <a:noFill/>
+          </a:ln>
+        </p:spPr>
+        <p:style>
+          <a:lnRef idx="2">
+            <a:schemeClr val="accent1">
+              <a:shade val="50000"/>
+            </a:schemeClr>
+          </a:lnRef>
+          <a:fillRef idx="1">
+            <a:schemeClr val="accent1"/>
+          </a:fillRef>
+          <a:effectRef idx="0">
+            <a:schemeClr val="accent1"/>
+          </a:effectRef>
+          <a:fontRef idx="minor">
+            <a:schemeClr val="lt1"/>
+          </a:fontRef>
+        </p:style>
+        <p:txBody>
+          <a:bodyPr wrap="square" rtlCol="0" anchor="ctr">
+            <a:noAutofit/>
+          </a:bodyPr>
+          <a:lstStyle/>
+          <a:p>
+            <a:pPr algn="ctr"/>
+            <a:endParaRPr lang="en-US"/>
+          </a:p>
+        </p:txBody>
+      </p:sp>
+      <p:sp>
+        <p:nvSpPr>
+          <p:cNvPr id="10" name="Freeform: Shape 9">
+            <a:extLst>
+              <a:ext uri="{FF2B5EF4-FFF2-40B4-BE49-F238E27FC236}">
+                <a16:creationId xmlns:a16="http://schemas.microsoft.com/office/drawing/2014/main" id="{D18046FB-44EA-4FD8-A585-EA09A319B2D0}"/>
+              </a:ext>
+              <a:ext uri="{C183D7F6-B498-43B3-948B-1728B52AA6E4}">
+                <adec:decorative xmlns:adec="http://schemas.microsoft.com/office/drawing/2017/decorative" val="1"/>
+              </a:ext>
+            </a:extLst>
+          </p:cNvPr>
+          <p:cNvSpPr>
+            <a:spLocks noGrp="1" noRot="1" noChangeAspect="1" noMove="1" noResize="1" noEditPoints="1" noAdjustHandles="1" noChangeArrowheads="1" noChangeShapeType="1" noTextEdit="1"/>
+          </p:cNvSpPr>
+          <p:nvPr>
+            <p:extLst>
+              <p:ext uri="{386F3935-93C4-4BCD-93E2-E3B085C9AB24}">
+                <p16:designElem xmlns:p16="http://schemas.microsoft.com/office/powerpoint/2015/main" val="1"/>
+              </p:ext>
+            </p:extLst>
+          </p:nvPr>
+        </p:nvSpPr>
+        <p:spPr>
+          <a:xfrm>
+            <a:off x="1" y="1691640"/>
+            <a:ext cx="12191999" cy="5166360"/>
+          </a:xfrm>
+          <a:custGeom>
+            <a:avLst/>
+            <a:gdLst>
+              <a:gd name="connsiteX0" fmla="*/ 0 w 12191999"/>
+              <a:gd name="connsiteY0" fmla="*/ 0 h 5166360"/>
+              <a:gd name="connsiteX1" fmla="*/ 1822388 w 12191999"/>
+              <a:gd name="connsiteY1" fmla="*/ 0 h 5166360"/>
+              <a:gd name="connsiteX2" fmla="*/ 6468290 w 12191999"/>
+              <a:gd name="connsiteY2" fmla="*/ 0 h 5166360"/>
+              <a:gd name="connsiteX3" fmla="*/ 7796394 w 12191999"/>
+              <a:gd name="connsiteY3" fmla="*/ 0 h 5166360"/>
+              <a:gd name="connsiteX4" fmla="*/ 8376834 w 12191999"/>
+              <a:gd name="connsiteY4" fmla="*/ 0 h 5166360"/>
+              <a:gd name="connsiteX5" fmla="*/ 9704938 w 12191999"/>
+              <a:gd name="connsiteY5" fmla="*/ 0 h 5166360"/>
+              <a:gd name="connsiteX6" fmla="*/ 9704938 w 12191999"/>
+              <a:gd name="connsiteY6" fmla="*/ 2 h 5166360"/>
+              <a:gd name="connsiteX7" fmla="*/ 10283456 w 12191999"/>
+              <a:gd name="connsiteY7" fmla="*/ 2 h 5166360"/>
+              <a:gd name="connsiteX8" fmla="*/ 10863897 w 12191999"/>
+              <a:gd name="connsiteY8" fmla="*/ 2 h 5166360"/>
+              <a:gd name="connsiteX9" fmla="*/ 12191999 w 12191999"/>
+              <a:gd name="connsiteY9" fmla="*/ 2 h 5166360"/>
+              <a:gd name="connsiteX10" fmla="*/ 12191999 w 12191999"/>
+              <a:gd name="connsiteY10" fmla="*/ 5166360 h 5166360"/>
+              <a:gd name="connsiteX11" fmla="*/ 0 w 12191999"/>
+              <a:gd name="connsiteY11" fmla="*/ 5166360 h 5166360"/>
+              <a:gd name="connsiteX12" fmla="*/ 0 w 12191999"/>
+              <a:gd name="connsiteY12" fmla="*/ 2604436 h 5166360"/>
+              <a:gd name="connsiteX13" fmla="*/ 862341 w 12191999"/>
+              <a:gd name="connsiteY13" fmla="*/ 743371 h 5166360"/>
+              <a:gd name="connsiteX14" fmla="*/ 0 w 12191999"/>
+              <a:gd name="connsiteY14" fmla="*/ 743371 h 5166360"/>
+              <a:gd name="connsiteX15" fmla="*/ 0 w 12191999"/>
+              <a:gd name="connsiteY15" fmla="*/ 742508 h 5166360"/>
+              <a:gd name="connsiteX16" fmla="*/ 92826 w 12191999"/>
+              <a:gd name="connsiteY16" fmla="*/ 742508 h 5166360"/>
+              <a:gd name="connsiteX17" fmla="*/ 406486 w 12191999"/>
+              <a:gd name="connsiteY17" fmla="*/ 742508 h 5166360"/>
+              <a:gd name="connsiteX18" fmla="*/ 406486 w 12191999"/>
+              <a:gd name="connsiteY18" fmla="*/ 742507 h 5166360"/>
+              <a:gd name="connsiteX19" fmla="*/ 862741 w 12191999"/>
+              <a:gd name="connsiteY19" fmla="*/ 742507 h 5166360"/>
+              <a:gd name="connsiteX20" fmla="*/ 1206388 w 12191999"/>
+              <a:gd name="connsiteY20" fmla="*/ 864 h 5166360"/>
+              <a:gd name="connsiteX21" fmla="*/ 748500 w 12191999"/>
+              <a:gd name="connsiteY21" fmla="*/ 864 h 5166360"/>
+              <a:gd name="connsiteX22" fmla="*/ 0 w 12191999"/>
+              <a:gd name="connsiteY22" fmla="*/ 864 h 5166360"/>
+            </a:gdLst>
+            <a:ahLst/>
+            <a:cxnLst>
+              <a:cxn ang="0">
+                <a:pos x="connsiteX0" y="connsiteY0"/>
+              </a:cxn>
+              <a:cxn ang="0">
+                <a:pos x="connsiteX1" y="connsiteY1"/>
+              </a:cxn>
+              <a:cxn ang="0">
+                <a:pos x="connsiteX2" y="connsiteY2"/>
+              </a:cxn>
+              <a:cxn ang="0">
+                <a:pos x="connsiteX3" y="connsiteY3"/>
+              </a:cxn>
+              <a:cxn ang="0">
+                <a:pos x="connsiteX4" y="connsiteY4"/>
+              </a:cxn>
+              <a:cxn ang="0">
+                <a:pos x="connsiteX5" y="connsiteY5"/>
+              </a:cxn>
+              <a:cxn ang="0">
+                <a:pos x="connsiteX6" y="connsiteY6"/>
+              </a:cxn>
+              <a:cxn ang="0">
+                <a:pos x="connsiteX7" y="connsiteY7"/>
+              </a:cxn>
+              <a:cxn ang="0">
+                <a:pos x="connsiteX8" y="connsiteY8"/>
+              </a:cxn>
+              <a:cxn ang="0">
+                <a:pos x="connsiteX9" y="connsiteY9"/>
+              </a:cxn>
+              <a:cxn ang="0">
+                <a:pos x="connsiteX10" y="connsiteY10"/>
+              </a:cxn>
+              <a:cxn ang="0">
+                <a:pos x="connsiteX11" y="connsiteY11"/>
+              </a:cxn>
+              <a:cxn ang="0">
+                <a:pos x="connsiteX12" y="connsiteY12"/>
+              </a:cxn>
+              <a:cxn ang="0">
+                <a:pos x="connsiteX13" y="connsiteY13"/>
+              </a:cxn>
+              <a:cxn ang="0">
+                <a:pos x="connsiteX14" y="connsiteY14"/>
+              </a:cxn>
+              <a:cxn ang="0">
+                <a:pos x="connsiteX15" y="connsiteY15"/>
+              </a:cxn>
+              <a:cxn ang="0">
+                <a:pos x="connsiteX16" y="connsiteY16"/>
+              </a:cxn>
+              <a:cxn ang="0">
+                <a:pos x="connsiteX17" y="connsiteY17"/>
+              </a:cxn>
+              <a:cxn ang="0">
+                <a:pos x="connsiteX18" y="connsiteY18"/>
+              </a:cxn>
+              <a:cxn ang="0">
+                <a:pos x="connsiteX19" y="connsiteY19"/>
+              </a:cxn>
+              <a:cxn ang="0">
+                <a:pos x="connsiteX20" y="connsiteY20"/>
+              </a:cxn>
+              <a:cxn ang="0">
+                <a:pos x="connsiteX21" y="connsiteY21"/>
+              </a:cxn>
+              <a:cxn ang="0">
+                <a:pos x="connsiteX22" y="connsiteY22"/>
+              </a:cxn>
+            </a:cxnLst>
+            <a:rect l="l" t="t" r="r" b="b"/>
+            <a:pathLst>
+              <a:path w="12191999" h="5166360">
+                <a:moveTo>
+                  <a:pt x="0" y="0"/>
+                </a:moveTo>
+                <a:lnTo>
+                  <a:pt x="1822388" y="0"/>
+                </a:lnTo>
+                <a:lnTo>
+                  <a:pt x="6468290" y="0"/>
+                </a:lnTo>
+                <a:lnTo>
+                  <a:pt x="7796394" y="0"/>
+                </a:lnTo>
+                <a:lnTo>
+                  <a:pt x="8376834" y="0"/>
+                </a:lnTo>
+                <a:lnTo>
+                  <a:pt x="9704938" y="0"/>
+                </a:lnTo>
+                <a:lnTo>
+                  <a:pt x="9704938" y="2"/>
+                </a:lnTo>
+                <a:lnTo>
+                  <a:pt x="10283456" y="2"/>
+                </a:lnTo>
+                <a:lnTo>
+                  <a:pt x="10863897" y="2"/>
+                </a:lnTo>
+                <a:lnTo>
+                  <a:pt x="12191999" y="2"/>
+                </a:lnTo>
+                <a:lnTo>
+                  <a:pt x="12191999" y="5166360"/>
+                </a:lnTo>
+                <a:lnTo>
+                  <a:pt x="0" y="5166360"/>
+                </a:lnTo>
+                <a:lnTo>
+                  <a:pt x="0" y="2604436"/>
+                </a:lnTo>
+                <a:lnTo>
+                  <a:pt x="862341" y="743371"/>
+                </a:lnTo>
+                <a:lnTo>
+                  <a:pt x="0" y="743371"/>
+                </a:lnTo>
+                <a:lnTo>
+                  <a:pt x="0" y="742508"/>
+                </a:lnTo>
+                <a:lnTo>
+                  <a:pt x="92826" y="742508"/>
+                </a:lnTo>
+                <a:lnTo>
+                  <a:pt x="406486" y="742508"/>
+                </a:lnTo>
+                <a:lnTo>
+                  <a:pt x="406486" y="742507"/>
+                </a:lnTo>
+                <a:lnTo>
+                  <a:pt x="862741" y="742507"/>
+                </a:lnTo>
+                <a:lnTo>
+                  <a:pt x="1206388" y="864"/>
+                </a:lnTo>
+                <a:lnTo>
+                  <a:pt x="748500" y="864"/>
+                </a:lnTo>
+                <a:lnTo>
+                  <a:pt x="0" y="864"/>
+                </a:lnTo>
+                <a:close/>
+              </a:path>
+            </a:pathLst>
+          </a:custGeom>
+          <a:solidFill>
+            <a:srgbClr val="A6A6A6">
+              <a:alpha val="49804"/>
+            </a:srgbClr>
+          </a:solidFill>
+          <a:ln>
+            <a:noFill/>
+          </a:ln>
+        </p:spPr>
+        <p:style>
+          <a:lnRef idx="2">
+            <a:schemeClr val="accent1">
+              <a:shade val="50000"/>
+            </a:schemeClr>
+          </a:lnRef>
+          <a:fillRef idx="1">
+            <a:schemeClr val="accent1"/>
+          </a:fillRef>
+          <a:effectRef idx="0">
+            <a:schemeClr val="accent1"/>
+          </a:effectRef>
+          <a:fontRef idx="minor">
+            <a:schemeClr val="lt1"/>
+          </a:fontRef>
+        </p:style>
+        <p:txBody>
+          <a:bodyPr wrap="square" rtlCol="0" anchor="ctr">
+            <a:noAutofit/>
+          </a:bodyPr>
+          <a:lstStyle/>
+          <a:p>
+            <a:pPr algn="ctr"/>
+            <a:endParaRPr lang="en-US"/>
+          </a:p>
+        </p:txBody>
+      </p:sp>
+      <p:sp>
+        <p:nvSpPr>
+          <p:cNvPr id="12" name="Freeform: Shape 11">
+            <a:extLst>
+              <a:ext uri="{FF2B5EF4-FFF2-40B4-BE49-F238E27FC236}">
+                <a16:creationId xmlns:a16="http://schemas.microsoft.com/office/drawing/2014/main" id="{479F5F2B-8B58-4140-AE6A-51F6C67B18D9}"/>
+              </a:ext>
+              <a:ext uri="{C183D7F6-B498-43B3-948B-1728B52AA6E4}">
+                <adec:decorative xmlns:adec="http://schemas.microsoft.com/office/drawing/2017/decorative" val="1"/>
+              </a:ext>
+            </a:extLst>
+          </p:cNvPr>
+          <p:cNvSpPr>
+            <a:spLocks noGrp="1" noRot="1" noChangeAspect="1" noMove="1" noResize="1" noEditPoints="1" noAdjustHandles="1" noChangeArrowheads="1" noChangeShapeType="1" noTextEdit="1"/>
+          </p:cNvSpPr>
+          <p:nvPr>
+            <p:extLst>
+              <p:ext uri="{386F3935-93C4-4BCD-93E2-E3B085C9AB24}">
+                <p16:designElem xmlns:p16="http://schemas.microsoft.com/office/powerpoint/2015/main" val="1"/>
+              </p:ext>
+            </p:extLst>
+          </p:nvPr>
+        </p:nvSpPr>
+        <p:spPr>
+          <a:xfrm>
+            <a:off x="0" y="1691641"/>
+            <a:ext cx="971654" cy="2096979"/>
+          </a:xfrm>
+          <a:custGeom>
+            <a:avLst/>
+            <a:gdLst>
+              <a:gd name="connsiteX0" fmla="*/ 0 w 971654"/>
+              <a:gd name="connsiteY0" fmla="*/ 0 h 2096979"/>
+              <a:gd name="connsiteX1" fmla="*/ 971654 w 971654"/>
+              <a:gd name="connsiteY1" fmla="*/ 0 h 2096979"/>
+              <a:gd name="connsiteX2" fmla="*/ 0 w 971654"/>
+              <a:gd name="connsiteY2" fmla="*/ 2096979 h 2096979"/>
+            </a:gdLst>
+            <a:ahLst/>
+            <a:cxnLst>
+              <a:cxn ang="0">
+                <a:pos x="connsiteX0" y="connsiteY0"/>
+              </a:cxn>
+              <a:cxn ang="0">
+                <a:pos x="connsiteX1" y="connsiteY1"/>
+              </a:cxn>
+              <a:cxn ang="0">
+                <a:pos x="connsiteX2" y="connsiteY2"/>
+              </a:cxn>
+            </a:cxnLst>
+            <a:rect l="l" t="t" r="r" b="b"/>
+            <a:pathLst>
+              <a:path w="971654" h="2096979">
+                <a:moveTo>
+                  <a:pt x="0" y="0"/>
+                </a:moveTo>
+                <a:lnTo>
+                  <a:pt x="971654" y="0"/>
+                </a:lnTo>
+                <a:lnTo>
+                  <a:pt x="0" y="2096979"/>
+                </a:lnTo>
+                <a:close/>
+              </a:path>
+            </a:pathLst>
+          </a:custGeom>
+          <a:solidFill>
+            <a:srgbClr val="404040"/>
+          </a:solidFill>
+          <a:ln>
+            <a:noFill/>
+          </a:ln>
+        </p:spPr>
+        <p:style>
+          <a:lnRef idx="2">
+            <a:schemeClr val="accent1">
+              <a:shade val="50000"/>
+            </a:schemeClr>
+          </a:lnRef>
+          <a:fillRef idx="1">
+            <a:schemeClr val="accent1"/>
+          </a:fillRef>
+          <a:effectRef idx="0">
+            <a:schemeClr val="accent1"/>
+          </a:effectRef>
+          <a:fontRef idx="minor">
+            <a:schemeClr val="lt1"/>
+          </a:fontRef>
+        </p:style>
+        <p:txBody>
+          <a:bodyPr wrap="square" rtlCol="0" anchor="ctr">
+            <a:noAutofit/>
+          </a:bodyPr>
+          <a:lstStyle/>
+          <a:p>
+            <a:pPr algn="ctr"/>
+            <a:endParaRPr lang="en-US"/>
+          </a:p>
+        </p:txBody>
+      </p:sp>
+      <p:sp>
+        <p:nvSpPr>
+          <p:cNvPr id="3" name="Content Placeholder 2">
+            <a:extLst>
+              <a:ext uri="{FF2B5EF4-FFF2-40B4-BE49-F238E27FC236}">
+                <a16:creationId xmlns:a16="http://schemas.microsoft.com/office/drawing/2014/main" id="{3DE3F4CE-5F96-4DC1-93F0-C137C780C965}"/>
+              </a:ext>
+            </a:extLst>
+          </p:cNvPr>
+          <p:cNvSpPr>
+            <a:spLocks noGrp="1"/>
+          </p:cNvSpPr>
+          <p:nvPr>
+            <p:ph idx="1"/>
+          </p:nvPr>
+        </p:nvSpPr>
+        <p:spPr>
+          <a:xfrm>
+            <a:off x="1653363" y="2176272"/>
+            <a:ext cx="9367204" cy="4041648"/>
+          </a:xfrm>
+        </p:spPr>
+        <p:txBody>
+          <a:bodyPr anchor="t">
+            <a:normAutofit/>
+          </a:bodyPr>
+          <a:lstStyle/>
+          <a:p>
+            <a:r>
+              <a:rPr lang="en-US" sz="2400"/>
+              <a:t>Research</a:t>
+            </a:r>
+          </a:p>
+          <a:p>
+            <a:pPr lvl="1"/>
+            <a:r>
+              <a:rPr lang="en-US"/>
+              <a:t>Protected </a:t>
+            </a:r>
+            <a:r>
+              <a:rPr lang="en-US" dirty="0"/>
+              <a:t>Branching</a:t>
+            </a:r>
+          </a:p>
+          <a:p>
+            <a:pPr lvl="2"/>
+            <a:r>
+              <a:rPr lang="en-US" sz="2400"/>
+              <a:t>Using Gitlab/Github, you can create user accounts which will allow role assignment and subsequently role assignment with certain abilities to access/push/pull for certain information.</a:t>
+            </a:r>
+          </a:p>
+        </p:txBody>
+      </p:sp>
+    </p:spTree>
+    <p:extLst>
+      <p:ext uri="{BB962C8B-B14F-4D97-AF65-F5344CB8AC3E}">
+        <p14:creationId xmlns:p14="http://schemas.microsoft.com/office/powerpoint/2010/main" val="3437856730"/>
       </p:ext>
     </p:extLst>
   </p:cSld>
